--- a/진로와직업 수행평가 진로 포트폴리오-2학년6반19번 주영욱.pptx
+++ b/진로와직업 수행평가 진로 포트폴리오-2학년6반19번 주영욱.pptx
@@ -7,36 +7,42 @@
   <p:sldIdLst>
     <p:sldId id="256" r:id="rId2"/>
     <p:sldId id="262" r:id="rId3"/>
-    <p:sldId id="263" r:id="rId4"/>
-    <p:sldId id="264" r:id="rId5"/>
-    <p:sldId id="257" r:id="rId6"/>
-    <p:sldId id="258" r:id="rId7"/>
-    <p:sldId id="259" r:id="rId8"/>
-    <p:sldId id="260" r:id="rId9"/>
-    <p:sldId id="261" r:id="rId10"/>
-    <p:sldId id="265" r:id="rId11"/>
-    <p:sldId id="266" r:id="rId12"/>
-    <p:sldId id="267" r:id="rId13"/>
-    <p:sldId id="268" r:id="rId14"/>
+    <p:sldId id="273" r:id="rId4"/>
+    <p:sldId id="269" r:id="rId5"/>
+    <p:sldId id="270" r:id="rId6"/>
+    <p:sldId id="271" r:id="rId7"/>
+    <p:sldId id="264" r:id="rId8"/>
+    <p:sldId id="272" r:id="rId9"/>
+    <p:sldId id="257" r:id="rId10"/>
+    <p:sldId id="258" r:id="rId11"/>
+    <p:sldId id="259" r:id="rId12"/>
+    <p:sldId id="260" r:id="rId13"/>
+    <p:sldId id="261" r:id="rId14"/>
+    <p:sldId id="265" r:id="rId15"/>
+    <p:sldId id="266" r:id="rId16"/>
+    <p:sldId id="267" r:id="rId17"/>
+    <p:sldId id="268" r:id="rId18"/>
+    <p:sldId id="274" r:id="rId19"/>
+    <p:sldId id="275" r:id="rId20"/>
   </p:sldIdLst>
   <p:sldSz cx="12192000" cy="6858000"/>
   <p:notesSz cx="6858000" cy="9144000"/>
   <p:embeddedFontLst>
     <p:embeddedFont>
       <p:font typeface="Century Gothic" panose="020B0502020202020204" pitchFamily="34" charset="0"/>
-      <p:regular r:id="rId15"/>
-      <p:bold r:id="rId16"/>
-      <p:italic r:id="rId17"/>
-      <p:boldItalic r:id="rId18"/>
+      <p:regular r:id="rId21"/>
+      <p:bold r:id="rId22"/>
+      <p:italic r:id="rId23"/>
+      <p:boldItalic r:id="rId24"/>
     </p:embeddedFont>
     <p:embeddedFont>
       <p:font typeface="Wingdings 3" panose="05040102010807070707" pitchFamily="18" charset="2"/>
-      <p:regular r:id="rId19"/>
+      <p:regular r:id="rId25"/>
     </p:embeddedFont>
     <p:embeddedFont>
       <p:font typeface="맑은 고딕" panose="020B0503020000020004" pitchFamily="50" charset="-127"/>
-      <p:regular r:id="rId20"/>
-      <p:bold r:id="rId21"/>
+      <p:regular r:id="rId26"/>
+      <p:bold r:id="rId27"/>
     </p:embeddedFont>
   </p:embeddedFontLst>
   <p:defaultTextStyle>
@@ -481,7 +487,7 @@
           <a:p>
             <a:fld id="{22FAD074-0DE1-458E-8085-552778364C69}" type="datetimeFigureOut">
               <a:rPr lang="ko-KR" altLang="en-US" smtClean="0"/>
-              <a:t>2022-06-06</a:t>
+              <a:t>2022-06-07</a:t>
             </a:fld>
             <a:endParaRPr lang="ko-KR" altLang="en-US"/>
           </a:p>
@@ -1569,7 +1575,7 @@
           <a:p>
             <a:fld id="{22FAD074-0DE1-458E-8085-552778364C69}" type="datetimeFigureOut">
               <a:rPr lang="ko-KR" altLang="en-US" smtClean="0"/>
-              <a:t>2022-06-06</a:t>
+              <a:t>2022-06-07</a:t>
             </a:fld>
             <a:endParaRPr lang="ko-KR" altLang="en-US"/>
           </a:p>
@@ -2549,7 +2555,7 @@
           <a:p>
             <a:fld id="{22FAD074-0DE1-458E-8085-552778364C69}" type="datetimeFigureOut">
               <a:rPr lang="ko-KR" altLang="en-US" smtClean="0"/>
-              <a:t>2022-06-06</a:t>
+              <a:t>2022-06-07</a:t>
             </a:fld>
             <a:endParaRPr lang="ko-KR" altLang="en-US"/>
           </a:p>
@@ -3683,7 +3689,7 @@
           <a:p>
             <a:fld id="{22FAD074-0DE1-458E-8085-552778364C69}" type="datetimeFigureOut">
               <a:rPr lang="ko-KR" altLang="en-US" smtClean="0"/>
-              <a:t>2022-06-06</a:t>
+              <a:t>2022-06-07</a:t>
             </a:fld>
             <a:endParaRPr lang="ko-KR" altLang="en-US"/>
           </a:p>
@@ -4716,7 +4722,7 @@
           <a:p>
             <a:fld id="{22FAD074-0DE1-458E-8085-552778364C69}" type="datetimeFigureOut">
               <a:rPr lang="ko-KR" altLang="en-US" smtClean="0"/>
-              <a:t>2022-06-06</a:t>
+              <a:t>2022-06-07</a:t>
             </a:fld>
             <a:endParaRPr lang="ko-KR" altLang="en-US"/>
           </a:p>
@@ -5376,7 +5382,7 @@
           <a:p>
             <a:fld id="{22FAD074-0DE1-458E-8085-552778364C69}" type="datetimeFigureOut">
               <a:rPr lang="ko-KR" altLang="en-US" smtClean="0"/>
-              <a:t>2022-06-06</a:t>
+              <a:t>2022-06-07</a:t>
             </a:fld>
             <a:endParaRPr lang="ko-KR" altLang="en-US"/>
           </a:p>
@@ -6237,7 +6243,7 @@
           <a:p>
             <a:fld id="{22FAD074-0DE1-458E-8085-552778364C69}" type="datetimeFigureOut">
               <a:rPr lang="ko-KR" altLang="en-US" smtClean="0"/>
-              <a:t>2022-06-06</a:t>
+              <a:t>2022-06-07</a:t>
             </a:fld>
             <a:endParaRPr lang="ko-KR" altLang="en-US"/>
           </a:p>
@@ -6427,7 +6433,7 @@
           <a:p>
             <a:fld id="{22FAD074-0DE1-458E-8085-552778364C69}" type="datetimeFigureOut">
               <a:rPr lang="ko-KR" altLang="en-US" smtClean="0"/>
-              <a:t>2022-06-06</a:t>
+              <a:t>2022-06-07</a:t>
             </a:fld>
             <a:endParaRPr lang="ko-KR" altLang="en-US"/>
           </a:p>
@@ -7399,7 +7405,7 @@
           <a:p>
             <a:fld id="{22FAD074-0DE1-458E-8085-552778364C69}" type="datetimeFigureOut">
               <a:rPr lang="ko-KR" altLang="en-US" smtClean="0"/>
-              <a:t>2022-06-06</a:t>
+              <a:t>2022-06-07</a:t>
             </a:fld>
             <a:endParaRPr lang="ko-KR" altLang="en-US"/>
           </a:p>
@@ -7610,7 +7616,7 @@
           <a:p>
             <a:fld id="{22FAD074-0DE1-458E-8085-552778364C69}" type="datetimeFigureOut">
               <a:rPr lang="ko-KR" altLang="en-US" smtClean="0"/>
-              <a:t>2022-06-06</a:t>
+              <a:t>2022-06-07</a:t>
             </a:fld>
             <a:endParaRPr lang="ko-KR" altLang="en-US"/>
           </a:p>
@@ -8644,7 +8650,7 @@
           <a:p>
             <a:fld id="{22FAD074-0DE1-458E-8085-552778364C69}" type="datetimeFigureOut">
               <a:rPr lang="ko-KR" altLang="en-US" smtClean="0"/>
-              <a:t>2022-06-06</a:t>
+              <a:t>2022-06-07</a:t>
             </a:fld>
             <a:endParaRPr lang="ko-KR" altLang="en-US"/>
           </a:p>
@@ -8916,7 +8922,7 @@
           <a:p>
             <a:fld id="{22FAD074-0DE1-458E-8085-552778364C69}" type="datetimeFigureOut">
               <a:rPr lang="ko-KR" altLang="en-US" smtClean="0"/>
-              <a:t>2022-06-06</a:t>
+              <a:t>2022-06-07</a:t>
             </a:fld>
             <a:endParaRPr lang="ko-KR" altLang="en-US"/>
           </a:p>
@@ -9326,7 +9332,7 @@
           <a:p>
             <a:fld id="{22FAD074-0DE1-458E-8085-552778364C69}" type="datetimeFigureOut">
               <a:rPr lang="ko-KR" altLang="en-US" smtClean="0"/>
-              <a:t>2022-06-06</a:t>
+              <a:t>2022-06-07</a:t>
             </a:fld>
             <a:endParaRPr lang="ko-KR" altLang="en-US"/>
           </a:p>
@@ -9453,7 +9459,7 @@
           <a:p>
             <a:fld id="{22FAD074-0DE1-458E-8085-552778364C69}" type="datetimeFigureOut">
               <a:rPr lang="ko-KR" altLang="en-US" smtClean="0"/>
-              <a:t>2022-06-06</a:t>
+              <a:t>2022-06-07</a:t>
             </a:fld>
             <a:endParaRPr lang="ko-KR" altLang="en-US"/>
           </a:p>
@@ -9548,7 +9554,7 @@
           <a:p>
             <a:fld id="{22FAD074-0DE1-458E-8085-552778364C69}" type="datetimeFigureOut">
               <a:rPr lang="ko-KR" altLang="en-US" smtClean="0"/>
-              <a:t>2022-06-06</a:t>
+              <a:t>2022-06-07</a:t>
             </a:fld>
             <a:endParaRPr lang="ko-KR" altLang="en-US"/>
           </a:p>
@@ -10629,7 +10635,7 @@
           <a:p>
             <a:fld id="{22FAD074-0DE1-458E-8085-552778364C69}" type="datetimeFigureOut">
               <a:rPr lang="ko-KR" altLang="en-US" smtClean="0"/>
-              <a:t>2022-06-06</a:t>
+              <a:t>2022-06-07</a:t>
             </a:fld>
             <a:endParaRPr lang="ko-KR" altLang="en-US"/>
           </a:p>
@@ -11737,7 +11743,7 @@
           <a:p>
             <a:fld id="{22FAD074-0DE1-458E-8085-552778364C69}" type="datetimeFigureOut">
               <a:rPr lang="ko-KR" altLang="en-US" smtClean="0"/>
-              <a:t>2022-06-06</a:t>
+              <a:t>2022-06-07</a:t>
             </a:fld>
             <a:endParaRPr lang="ko-KR" altLang="en-US"/>
           </a:p>
@@ -12734,7 +12740,7 @@
           <a:p>
             <a:fld id="{22FAD074-0DE1-458E-8085-552778364C69}" type="datetimeFigureOut">
               <a:rPr lang="ko-KR" altLang="en-US" smtClean="0"/>
-              <a:t>2022-06-06</a:t>
+              <a:t>2022-06-07</a:t>
             </a:fld>
             <a:endParaRPr lang="ko-KR" altLang="en-US"/>
           </a:p>
@@ -13405,2261 +13411,6 @@
           <p:cNvPr id="2" name="제목 1">
             <a:extLst>
               <a:ext uri="{FF2B5EF4-FFF2-40B4-BE49-F238E27FC236}">
-                <a16:creationId xmlns:a16="http://schemas.microsoft.com/office/drawing/2014/main" id="{E28CC77E-836C-42B2-B564-231F33A5DBB3}"/>
-              </a:ext>
-            </a:extLst>
-          </p:cNvPr>
-          <p:cNvSpPr>
-            <a:spLocks noGrp="1"/>
-          </p:cNvSpPr>
-          <p:nvPr>
-            <p:ph type="title"/>
-          </p:nvPr>
-        </p:nvSpPr>
-        <p:spPr/>
-        <p:txBody>
-          <a:bodyPr/>
-          <a:lstStyle/>
-          <a:p>
-            <a:r>
-              <a:rPr lang="ko-KR" altLang="en-US" dirty="0" err="1"/>
-              <a:t>문화콘텐츠</a:t>
-            </a:r>
-            <a:r>
-              <a:rPr lang="ko-KR" altLang="en-US" dirty="0"/>
-              <a:t> 관련 대학 학과</a:t>
-            </a:r>
-          </a:p>
-        </p:txBody>
-      </p:sp>
-      <p:sp>
-        <p:nvSpPr>
-          <p:cNvPr id="3" name="내용 개체 틀 2">
-            <a:extLst>
-              <a:ext uri="{FF2B5EF4-FFF2-40B4-BE49-F238E27FC236}">
-                <a16:creationId xmlns:a16="http://schemas.microsoft.com/office/drawing/2014/main" id="{CC1202D5-9F25-41C6-AC85-BBE1CFF38194}"/>
-              </a:ext>
-            </a:extLst>
-          </p:cNvPr>
-          <p:cNvSpPr>
-            <a:spLocks noGrp="1"/>
-          </p:cNvSpPr>
-          <p:nvPr>
-            <p:ph idx="1"/>
-          </p:nvPr>
-        </p:nvSpPr>
-        <p:spPr>
-          <a:xfrm>
-            <a:off x="1305875" y="3900546"/>
-            <a:ext cx="8825659" cy="2279218"/>
-          </a:xfrm>
-        </p:spPr>
-        <p:txBody>
-          <a:bodyPr>
-            <a:noAutofit/>
-          </a:bodyPr>
-          <a:lstStyle/>
-          <a:p>
-            <a:r>
-              <a:rPr lang="en-US" altLang="ko-KR" sz="2000" dirty="0"/>
-              <a:t>K-</a:t>
-            </a:r>
-            <a:r>
-              <a:rPr lang="ko-KR" altLang="en-US" sz="2000" dirty="0" err="1"/>
-              <a:t>콘텐츠스타트업전공</a:t>
-            </a:r>
-            <a:r>
-              <a:rPr lang="en-US" altLang="ko-KR" sz="2000" dirty="0"/>
-              <a:t>,SW</a:t>
-            </a:r>
-            <a:r>
-              <a:rPr lang="ko-KR" altLang="en-US" sz="2000" dirty="0"/>
-              <a:t>융합학부 </a:t>
-            </a:r>
-            <a:r>
-              <a:rPr lang="ko-KR" altLang="en-US" sz="2000" dirty="0" err="1"/>
-              <a:t>한일문화콘텐츠전공</a:t>
-            </a:r>
-            <a:r>
-              <a:rPr lang="en-US" altLang="ko-KR" sz="2000" dirty="0"/>
-              <a:t>,</a:t>
-            </a:r>
-            <a:r>
-              <a:rPr lang="ko-KR" altLang="en-US" sz="2000" dirty="0" err="1"/>
-              <a:t>공간문화컨텐츠학과</a:t>
-            </a:r>
-            <a:r>
-              <a:rPr lang="en-US" altLang="ko-KR" sz="2000" dirty="0"/>
-              <a:t>,</a:t>
-            </a:r>
-            <a:r>
-              <a:rPr lang="ko-KR" altLang="en-US" sz="2000" dirty="0"/>
-              <a:t>공연전시기획학과</a:t>
-            </a:r>
-            <a:r>
-              <a:rPr lang="en-US" altLang="ko-KR" sz="2000" dirty="0"/>
-              <a:t>,</a:t>
-            </a:r>
-            <a:r>
-              <a:rPr lang="ko-KR" altLang="en-US" sz="2000" dirty="0"/>
-              <a:t>교육문화전공</a:t>
-            </a:r>
-            <a:r>
-              <a:rPr lang="en-US" altLang="ko-KR" sz="2000" dirty="0"/>
-              <a:t>,</a:t>
-            </a:r>
-            <a:r>
-              <a:rPr lang="ko-KR" altLang="en-US" sz="2000" dirty="0"/>
-              <a:t> </a:t>
-            </a:r>
-            <a:r>
-              <a:rPr lang="ko-KR" altLang="en-US" sz="2000" dirty="0" err="1"/>
-              <a:t>글로벌문화산업경영학과글로컬문화스토리텔링융복합전공</a:t>
-            </a:r>
-            <a:r>
-              <a:rPr lang="en-US" altLang="ko-KR" sz="2000" dirty="0"/>
-              <a:t>,</a:t>
-            </a:r>
-            <a:r>
-              <a:rPr lang="ko-KR" altLang="en-US" sz="2000" dirty="0" err="1"/>
-              <a:t>글로컬문화학부</a:t>
-            </a:r>
-            <a:r>
-              <a:rPr lang="en-US" altLang="ko-KR" sz="2000" dirty="0"/>
-              <a:t>,</a:t>
-            </a:r>
-            <a:r>
-              <a:rPr lang="ko-KR" altLang="en-US" sz="2000" dirty="0" err="1"/>
-              <a:t>디자인문화콘텐츠전공</a:t>
-            </a:r>
-            <a:r>
-              <a:rPr lang="en-US" altLang="ko-KR" sz="2000" dirty="0"/>
-              <a:t>,</a:t>
-            </a:r>
-            <a:r>
-              <a:rPr lang="ko-KR" altLang="en-US" sz="2000" dirty="0" err="1"/>
-              <a:t>디지털영상문화콘텐츠학과</a:t>
-            </a:r>
-            <a:r>
-              <a:rPr lang="en-US" altLang="ko-KR" sz="2000" dirty="0"/>
-              <a:t>,</a:t>
-            </a:r>
-            <a:r>
-              <a:rPr lang="ko-KR" altLang="en-US" sz="2000" dirty="0" err="1"/>
-              <a:t>문화・미디어전공</a:t>
-            </a:r>
-            <a:r>
-              <a:rPr lang="en-US" altLang="ko-KR" sz="2000" dirty="0"/>
-              <a:t>,</a:t>
-            </a:r>
-            <a:r>
-              <a:rPr lang="ko-KR" altLang="en-US" sz="2000" dirty="0"/>
-              <a:t>문화</a:t>
-            </a:r>
-            <a:r>
-              <a:rPr lang="en-US" altLang="ko-KR" sz="2000" dirty="0"/>
-              <a:t>ICT</a:t>
-            </a:r>
-            <a:r>
-              <a:rPr lang="ko-KR" altLang="en-US" sz="2000" dirty="0"/>
-              <a:t>융합전공</a:t>
-            </a:r>
-            <a:r>
-              <a:rPr lang="en-US" altLang="ko-KR" sz="2000" dirty="0"/>
-              <a:t>,</a:t>
-            </a:r>
-            <a:r>
-              <a:rPr lang="ko-KR" altLang="en-US" sz="2000" dirty="0"/>
-              <a:t>문화경영공학계열</a:t>
-            </a:r>
-            <a:r>
-              <a:rPr lang="en-US" altLang="ko-KR" sz="2000" dirty="0"/>
-              <a:t>,</a:t>
-            </a:r>
-            <a:r>
-              <a:rPr lang="ko-KR" altLang="en-US" sz="2000" dirty="0"/>
-              <a:t>문화교류전공</a:t>
-            </a:r>
-            <a:r>
-              <a:rPr lang="en-US" altLang="ko-KR" sz="2000" dirty="0"/>
-              <a:t>,</a:t>
-            </a:r>
-            <a:r>
-              <a:rPr lang="ko-KR" altLang="en-US" sz="2000" dirty="0"/>
-              <a:t> 문화기획학과</a:t>
-            </a:r>
-            <a:r>
-              <a:rPr lang="en-US" altLang="ko-KR" sz="2000" dirty="0"/>
-              <a:t>,</a:t>
-            </a:r>
-            <a:r>
-              <a:rPr lang="ko-KR" altLang="en-US" sz="2000" dirty="0"/>
-              <a:t> </a:t>
-            </a:r>
-            <a:r>
-              <a:rPr lang="ko-KR" altLang="en-US" sz="2000" dirty="0" err="1"/>
-              <a:t>문화서비스학전공</a:t>
-            </a:r>
-            <a:r>
-              <a:rPr lang="en-US" altLang="ko-KR" sz="2000" dirty="0"/>
-              <a:t>,</a:t>
-            </a:r>
-            <a:r>
-              <a:rPr lang="ko-KR" altLang="en-US" sz="2000" dirty="0" err="1"/>
-              <a:t>문화스토리텔링전공</a:t>
-            </a:r>
-            <a:r>
-              <a:rPr lang="en-US" altLang="ko-KR" sz="2000" dirty="0"/>
-              <a:t>,</a:t>
-            </a:r>
-            <a:r>
-              <a:rPr lang="ko-KR" altLang="en-US" sz="2000" dirty="0"/>
-              <a:t>문화예술경영학과</a:t>
-            </a:r>
-            <a:r>
-              <a:rPr lang="en-US" altLang="ko-KR" sz="2000" dirty="0"/>
-              <a:t>,</a:t>
-            </a:r>
-            <a:r>
-              <a:rPr lang="ko-KR" altLang="en-US" sz="2000" dirty="0"/>
-              <a:t>문화예술경영학과</a:t>
-            </a:r>
-            <a:r>
-              <a:rPr lang="en-US" altLang="ko-KR" sz="2000" dirty="0"/>
-              <a:t>(</a:t>
-            </a:r>
-            <a:r>
-              <a:rPr lang="ko-KR" altLang="en-US" sz="2000" dirty="0"/>
-              <a:t>예체능</a:t>
-            </a:r>
-            <a:r>
-              <a:rPr lang="en-US" altLang="ko-KR" sz="2000" dirty="0"/>
-              <a:t>),</a:t>
-            </a:r>
-            <a:r>
-              <a:rPr lang="ko-KR" altLang="en-US" sz="2000" dirty="0"/>
-              <a:t>문화예술철학전공</a:t>
-            </a:r>
-            <a:r>
-              <a:rPr lang="en-US" altLang="ko-KR" sz="2000" dirty="0"/>
-              <a:t>,</a:t>
-            </a:r>
-            <a:r>
-              <a:rPr lang="ko-KR" altLang="en-US" sz="2000" dirty="0"/>
-              <a:t> 문화정보학부</a:t>
-            </a:r>
-            <a:r>
-              <a:rPr lang="en-US" altLang="ko-KR" sz="2000" dirty="0"/>
-              <a:t>,</a:t>
-            </a:r>
-            <a:r>
-              <a:rPr lang="ko-KR" altLang="en-US" sz="2000" dirty="0"/>
-              <a:t>문화커뮤니케이션학부</a:t>
-            </a:r>
-            <a:r>
-              <a:rPr lang="en-US" altLang="ko-KR" sz="2000" dirty="0"/>
-              <a:t>,</a:t>
-            </a:r>
-            <a:r>
-              <a:rPr lang="ko-KR" altLang="en-US" sz="2000" dirty="0" err="1"/>
-              <a:t>문화컨텐츠테크놀러지</a:t>
-            </a:r>
-            <a:r>
-              <a:rPr lang="en-US" altLang="ko-KR" sz="2000" dirty="0"/>
-              <a:t>, </a:t>
-            </a:r>
-            <a:r>
-              <a:rPr lang="ko-KR" altLang="en-US" sz="2000" dirty="0"/>
-              <a:t>역사</a:t>
-            </a:r>
-            <a:r>
-              <a:rPr lang="en-US" altLang="ko-KR" sz="2000" dirty="0"/>
-              <a:t>·</a:t>
-            </a:r>
-            <a:r>
-              <a:rPr lang="ko-KR" altLang="en-US" sz="2000" dirty="0" err="1"/>
-              <a:t>문화콘텐츠학과</a:t>
-            </a:r>
-            <a:r>
-              <a:rPr lang="en-US" altLang="ko-KR" sz="2000" dirty="0"/>
-              <a:t>,</a:t>
-            </a:r>
-            <a:r>
-              <a:rPr lang="ko-KR" altLang="en-US" sz="2000" dirty="0"/>
-              <a:t>역사</a:t>
-            </a:r>
-            <a:r>
-              <a:rPr lang="en-US" altLang="ko-KR" sz="2000" dirty="0"/>
-              <a:t>·</a:t>
-            </a:r>
-            <a:r>
-              <a:rPr lang="ko-KR" altLang="en-US" sz="2000" dirty="0" err="1"/>
-              <a:t>문화콘텐츠학부</a:t>
-            </a:r>
-            <a:r>
-              <a:rPr lang="en-US" altLang="ko-KR" sz="2000" dirty="0"/>
-              <a:t>,</a:t>
-            </a:r>
-            <a:r>
-              <a:rPr lang="ko-KR" altLang="en-US" sz="2000" dirty="0" err="1"/>
-              <a:t>영상문화학전공</a:t>
-            </a:r>
-            <a:r>
-              <a:rPr lang="en-US" altLang="ko-KR" sz="2000" dirty="0"/>
-              <a:t>,</a:t>
-            </a:r>
-            <a:r>
-              <a:rPr lang="ko-KR" altLang="en-US" sz="2000" dirty="0"/>
-              <a:t> 조형문화과</a:t>
-            </a:r>
-            <a:r>
-              <a:rPr lang="en-US" altLang="ko-KR" sz="2000" dirty="0"/>
-              <a:t>,</a:t>
-            </a:r>
-            <a:r>
-              <a:rPr lang="ko-KR" altLang="en-US" sz="2000" dirty="0"/>
-              <a:t>종교문화재학과</a:t>
-            </a:r>
-          </a:p>
-        </p:txBody>
-      </p:sp>
-      <p:sp>
-        <p:nvSpPr>
-          <p:cNvPr id="5" name="내용 개체 틀 2">
-            <a:extLst>
-              <a:ext uri="{FF2B5EF4-FFF2-40B4-BE49-F238E27FC236}">
-                <a16:creationId xmlns:a16="http://schemas.microsoft.com/office/drawing/2014/main" id="{BBBB3FAE-0B8D-4911-B98C-86A30D9BBD7E}"/>
-              </a:ext>
-            </a:extLst>
-          </p:cNvPr>
-          <p:cNvSpPr txBox="1">
-            <a:spLocks/>
-          </p:cNvSpPr>
-          <p:nvPr/>
-        </p:nvSpPr>
-        <p:spPr>
-          <a:xfrm>
-            <a:off x="1305875" y="2618895"/>
-            <a:ext cx="8825659" cy="2279218"/>
-          </a:xfrm>
-          <a:prstGeom prst="rect">
-            <a:avLst/>
-          </a:prstGeom>
-        </p:spPr>
-        <p:txBody>
-          <a:bodyPr vert="horz" lIns="91440" tIns="45720" rIns="91440" bIns="45720" rtlCol="0">
-            <a:noAutofit/>
-          </a:bodyPr>
-          <a:lstStyle>
-            <a:lvl1pPr marL="342900" indent="-342900" algn="l" defTabSz="457200" rtl="0" eaLnBrk="1" latinLnBrk="1" hangingPunct="1">
-              <a:spcBef>
-                <a:spcPts val="1000"/>
-              </a:spcBef>
-              <a:spcAft>
-                <a:spcPts val="0"/>
-              </a:spcAft>
-              <a:buClr>
-                <a:schemeClr val="accent1"/>
-              </a:buClr>
-              <a:buSzPct val="80000"/>
-              <a:buFont typeface="Wingdings 3" charset="2"/>
-              <a:buChar char=""/>
-              <a:defRPr sz="1800" b="0" i="0" kern="1200">
-                <a:solidFill>
-                  <a:schemeClr val="tx1">
-                    <a:lumMod val="75000"/>
-                    <a:lumOff val="25000"/>
-                  </a:schemeClr>
-                </a:solidFill>
-                <a:latin typeface="+mn-lt"/>
-                <a:ea typeface="+mn-ea"/>
-                <a:cs typeface="+mn-cs"/>
-              </a:defRPr>
-            </a:lvl1pPr>
-            <a:lvl2pPr marL="742950" indent="-285750" algn="l" defTabSz="457200" rtl="0" eaLnBrk="1" latinLnBrk="1" hangingPunct="1">
-              <a:spcBef>
-                <a:spcPts val="1000"/>
-              </a:spcBef>
-              <a:spcAft>
-                <a:spcPts val="0"/>
-              </a:spcAft>
-              <a:buClr>
-                <a:schemeClr val="accent1"/>
-              </a:buClr>
-              <a:buSzPct val="80000"/>
-              <a:buFont typeface="Wingdings 3" charset="2"/>
-              <a:buChar char=""/>
-              <a:defRPr sz="1600" b="0" i="0" kern="1200">
-                <a:solidFill>
-                  <a:schemeClr val="tx1">
-                    <a:lumMod val="75000"/>
-                    <a:lumOff val="25000"/>
-                  </a:schemeClr>
-                </a:solidFill>
-                <a:latin typeface="+mn-lt"/>
-                <a:ea typeface="+mn-ea"/>
-                <a:cs typeface="+mn-cs"/>
-              </a:defRPr>
-            </a:lvl2pPr>
-            <a:lvl3pPr marL="1143000" indent="-228600" algn="l" defTabSz="457200" rtl="0" eaLnBrk="1" latinLnBrk="1" hangingPunct="1">
-              <a:spcBef>
-                <a:spcPts val="1000"/>
-              </a:spcBef>
-              <a:spcAft>
-                <a:spcPts val="0"/>
-              </a:spcAft>
-              <a:buClr>
-                <a:schemeClr val="accent1"/>
-              </a:buClr>
-              <a:buSzPct val="80000"/>
-              <a:buFont typeface="Wingdings 3" charset="2"/>
-              <a:buChar char=""/>
-              <a:defRPr sz="1400" b="0" i="0" kern="1200">
-                <a:solidFill>
-                  <a:schemeClr val="tx1">
-                    <a:lumMod val="75000"/>
-                    <a:lumOff val="25000"/>
-                  </a:schemeClr>
-                </a:solidFill>
-                <a:latin typeface="+mn-lt"/>
-                <a:ea typeface="+mn-ea"/>
-                <a:cs typeface="+mn-cs"/>
-              </a:defRPr>
-            </a:lvl3pPr>
-            <a:lvl4pPr marL="1600200" indent="-228600" algn="l" defTabSz="457200" rtl="0" eaLnBrk="1" latinLnBrk="1" hangingPunct="1">
-              <a:spcBef>
-                <a:spcPts val="1000"/>
-              </a:spcBef>
-              <a:spcAft>
-                <a:spcPts val="0"/>
-              </a:spcAft>
-              <a:buClr>
-                <a:schemeClr val="accent1"/>
-              </a:buClr>
-              <a:buSzPct val="80000"/>
-              <a:buFont typeface="Wingdings 3" charset="2"/>
-              <a:buChar char=""/>
-              <a:defRPr sz="1200" b="0" i="0" kern="1200">
-                <a:solidFill>
-                  <a:schemeClr val="tx1">
-                    <a:lumMod val="75000"/>
-                    <a:lumOff val="25000"/>
-                  </a:schemeClr>
-                </a:solidFill>
-                <a:latin typeface="+mn-lt"/>
-                <a:ea typeface="+mn-ea"/>
-                <a:cs typeface="+mn-cs"/>
-              </a:defRPr>
-            </a:lvl4pPr>
-            <a:lvl5pPr marL="2057400" indent="-228600" algn="l" defTabSz="457200" rtl="0" eaLnBrk="1" latinLnBrk="1" hangingPunct="1">
-              <a:spcBef>
-                <a:spcPts val="1000"/>
-              </a:spcBef>
-              <a:spcAft>
-                <a:spcPts val="0"/>
-              </a:spcAft>
-              <a:buClr>
-                <a:schemeClr val="accent1"/>
-              </a:buClr>
-              <a:buSzPct val="80000"/>
-              <a:buFont typeface="Wingdings 3" charset="2"/>
-              <a:buChar char=""/>
-              <a:defRPr sz="1200" b="0" i="0" kern="1200">
-                <a:solidFill>
-                  <a:schemeClr val="tx1">
-                    <a:lumMod val="75000"/>
-                    <a:lumOff val="25000"/>
-                  </a:schemeClr>
-                </a:solidFill>
-                <a:latin typeface="+mn-lt"/>
-                <a:ea typeface="+mn-ea"/>
-                <a:cs typeface="+mn-cs"/>
-              </a:defRPr>
-            </a:lvl5pPr>
-            <a:lvl6pPr marL="2514600" indent="-228600" algn="l" defTabSz="457200" rtl="0" eaLnBrk="1" latinLnBrk="1" hangingPunct="1">
-              <a:spcBef>
-                <a:spcPts val="1000"/>
-              </a:spcBef>
-              <a:spcAft>
-                <a:spcPts val="0"/>
-              </a:spcAft>
-              <a:buClr>
-                <a:schemeClr val="accent1"/>
-              </a:buClr>
-              <a:buSzPct val="80000"/>
-              <a:buFont typeface="Wingdings 3" charset="2"/>
-              <a:buChar char=""/>
-              <a:defRPr sz="1200" b="0" i="0" kern="1200">
-                <a:solidFill>
-                  <a:schemeClr val="tx1">
-                    <a:lumMod val="75000"/>
-                    <a:lumOff val="25000"/>
-                  </a:schemeClr>
-                </a:solidFill>
-                <a:latin typeface="+mn-lt"/>
-                <a:ea typeface="+mn-ea"/>
-                <a:cs typeface="+mn-cs"/>
-              </a:defRPr>
-            </a:lvl6pPr>
-            <a:lvl7pPr marL="2971800" indent="-228600" algn="l" defTabSz="457200" rtl="0" eaLnBrk="1" latinLnBrk="1" hangingPunct="1">
-              <a:spcBef>
-                <a:spcPts val="1000"/>
-              </a:spcBef>
-              <a:spcAft>
-                <a:spcPts val="0"/>
-              </a:spcAft>
-              <a:buClr>
-                <a:schemeClr val="accent1"/>
-              </a:buClr>
-              <a:buSzPct val="80000"/>
-              <a:buFont typeface="Wingdings 3" charset="2"/>
-              <a:buChar char=""/>
-              <a:defRPr sz="1200" b="0" i="0" kern="1200">
-                <a:solidFill>
-                  <a:schemeClr val="tx1">
-                    <a:lumMod val="75000"/>
-                    <a:lumOff val="25000"/>
-                  </a:schemeClr>
-                </a:solidFill>
-                <a:latin typeface="+mn-lt"/>
-                <a:ea typeface="+mn-ea"/>
-                <a:cs typeface="+mn-cs"/>
-              </a:defRPr>
-            </a:lvl7pPr>
-            <a:lvl8pPr marL="3429000" indent="-228600" algn="l" defTabSz="457200" rtl="0" eaLnBrk="1" latinLnBrk="1" hangingPunct="1">
-              <a:spcBef>
-                <a:spcPts val="1000"/>
-              </a:spcBef>
-              <a:spcAft>
-                <a:spcPts val="0"/>
-              </a:spcAft>
-              <a:buClr>
-                <a:schemeClr val="accent1"/>
-              </a:buClr>
-              <a:buSzPct val="80000"/>
-              <a:buFont typeface="Wingdings 3" charset="2"/>
-              <a:buChar char=""/>
-              <a:defRPr sz="1200" b="0" i="0" kern="1200">
-                <a:solidFill>
-                  <a:schemeClr val="tx1">
-                    <a:lumMod val="75000"/>
-                    <a:lumOff val="25000"/>
-                  </a:schemeClr>
-                </a:solidFill>
-                <a:latin typeface="+mn-lt"/>
-                <a:ea typeface="+mn-ea"/>
-                <a:cs typeface="+mn-cs"/>
-              </a:defRPr>
-            </a:lvl8pPr>
-            <a:lvl9pPr marL="3886200" indent="-228600" algn="l" defTabSz="457200" rtl="0" eaLnBrk="1" latinLnBrk="1" hangingPunct="1">
-              <a:spcBef>
-                <a:spcPts val="1000"/>
-              </a:spcBef>
-              <a:spcAft>
-                <a:spcPts val="0"/>
-              </a:spcAft>
-              <a:buClr>
-                <a:schemeClr val="accent1"/>
-              </a:buClr>
-              <a:buSzPct val="80000"/>
-              <a:buFont typeface="Wingdings 3" charset="2"/>
-              <a:buChar char=""/>
-              <a:defRPr sz="1200" b="0" i="0" kern="1200">
-                <a:solidFill>
-                  <a:schemeClr val="tx1">
-                    <a:lumMod val="75000"/>
-                    <a:lumOff val="25000"/>
-                  </a:schemeClr>
-                </a:solidFill>
-                <a:latin typeface="+mn-lt"/>
-                <a:ea typeface="+mn-ea"/>
-                <a:cs typeface="+mn-cs"/>
-              </a:defRPr>
-            </a:lvl9pPr>
-          </a:lstStyle>
-          <a:p>
-            <a:pPr>
-              <a:buFont typeface="Wingdings" panose="05000000000000000000" pitchFamily="2" charset="2"/>
-              <a:buChar char="u"/>
-            </a:pPr>
-            <a:r>
-              <a:rPr lang="ko-KR" altLang="en-US" sz="2000" dirty="0"/>
-              <a:t>마찬가지로 사회과학</a:t>
-            </a:r>
-            <a:r>
-              <a:rPr lang="en-US" altLang="ko-KR" sz="2000" dirty="0"/>
-              <a:t>, </a:t>
-            </a:r>
-            <a:r>
-              <a:rPr lang="ko-KR" altLang="en-US" sz="2000" dirty="0"/>
-              <a:t>예체능</a:t>
-            </a:r>
-            <a:r>
-              <a:rPr lang="en-US" altLang="ko-KR" sz="2000" dirty="0"/>
-              <a:t>, </a:t>
-            </a:r>
-            <a:r>
-              <a:rPr lang="ko-KR" altLang="en-US" sz="2000" dirty="0"/>
-              <a:t>공학에 연결되며</a:t>
-            </a:r>
-            <a:r>
-              <a:rPr lang="en-US" altLang="ko-KR" sz="2000" dirty="0"/>
-              <a:t>, </a:t>
-            </a:r>
-            <a:r>
-              <a:rPr lang="ko-KR" altLang="en-US" sz="2000" dirty="0"/>
-              <a:t>교육</a:t>
-            </a:r>
-            <a:r>
-              <a:rPr lang="en-US" altLang="ko-KR" sz="2000" dirty="0"/>
-              <a:t>, </a:t>
-            </a:r>
-            <a:r>
-              <a:rPr lang="ko-KR" altLang="en-US" sz="2000" dirty="0"/>
-              <a:t>역사</a:t>
-            </a:r>
-            <a:r>
-              <a:rPr lang="en-US" altLang="ko-KR" sz="2000" dirty="0"/>
-              <a:t>, </a:t>
-            </a:r>
-            <a:r>
-              <a:rPr lang="ko-KR" altLang="en-US" sz="2000" dirty="0"/>
-              <a:t>종교</a:t>
-            </a:r>
-            <a:r>
-              <a:rPr lang="en-US" altLang="ko-KR" sz="2000" dirty="0"/>
-              <a:t>, </a:t>
-            </a:r>
-            <a:r>
-              <a:rPr lang="ko-KR" altLang="en-US" sz="2000" dirty="0"/>
-              <a:t>조형</a:t>
-            </a:r>
-            <a:r>
-              <a:rPr lang="en-US" altLang="ko-KR" sz="2000" dirty="0"/>
-              <a:t> </a:t>
-            </a:r>
-            <a:r>
-              <a:rPr lang="ko-KR" altLang="en-US" sz="2000" dirty="0"/>
-              <a:t>등 더 다양한 분야와 접목된다</a:t>
-            </a:r>
-            <a:r>
-              <a:rPr lang="en-US" altLang="ko-KR" sz="2000" dirty="0"/>
-              <a:t>. </a:t>
-            </a:r>
-            <a:r>
-              <a:rPr lang="ko-KR" altLang="en-US" sz="2000" dirty="0"/>
-              <a:t>글로벌 또한 중요한 키워드이다</a:t>
-            </a:r>
-            <a:r>
-              <a:rPr lang="en-US" altLang="ko-KR" sz="2000" dirty="0"/>
-              <a:t>.</a:t>
-            </a:r>
-            <a:endParaRPr lang="ko-KR" altLang="en-US" sz="2000" dirty="0"/>
-          </a:p>
-        </p:txBody>
-      </p:sp>
-    </p:spTree>
-    <p:extLst>
-      <p:ext uri="{BB962C8B-B14F-4D97-AF65-F5344CB8AC3E}">
-        <p14:creationId xmlns:p14="http://schemas.microsoft.com/office/powerpoint/2010/main" val="3016892233"/>
-      </p:ext>
-    </p:extLst>
-  </p:cSld>
-  <p:clrMapOvr>
-    <a:masterClrMapping/>
-  </p:clrMapOvr>
-</p:sld>
-</file>
-
-<file path=ppt/slides/slide11.xml><?xml version="1.0" encoding="utf-8"?>
-<p:sld xmlns:a="http://schemas.openxmlformats.org/drawingml/2006/main" xmlns:r="http://schemas.openxmlformats.org/officeDocument/2006/relationships" xmlns:p="http://schemas.openxmlformats.org/presentationml/2006/main">
-  <p:cSld>
-    <p:spTree>
-      <p:nvGrpSpPr>
-        <p:cNvPr id="1" name=""/>
-        <p:cNvGrpSpPr/>
-        <p:nvPr/>
-      </p:nvGrpSpPr>
-      <p:grpSpPr>
-        <a:xfrm>
-          <a:off x="0" y="0"/>
-          <a:ext cx="0" cy="0"/>
-          <a:chOff x="0" y="0"/>
-          <a:chExt cx="0" cy="0"/>
-        </a:xfrm>
-      </p:grpSpPr>
-      <p:sp>
-        <p:nvSpPr>
-          <p:cNvPr id="2" name="제목 1">
-            <a:extLst>
-              <a:ext uri="{FF2B5EF4-FFF2-40B4-BE49-F238E27FC236}">
-                <a16:creationId xmlns:a16="http://schemas.microsoft.com/office/drawing/2014/main" id="{208B7151-BCAA-408D-8988-BED6BF753BC0}"/>
-              </a:ext>
-            </a:extLst>
-          </p:cNvPr>
-          <p:cNvSpPr>
-            <a:spLocks noGrp="1"/>
-          </p:cNvSpPr>
-          <p:nvPr>
-            <p:ph type="title"/>
-          </p:nvPr>
-        </p:nvSpPr>
-        <p:spPr/>
-        <p:txBody>
-          <a:bodyPr/>
-          <a:lstStyle/>
-          <a:p>
-            <a:r>
-              <a:rPr lang="ko-KR" altLang="en-US" dirty="0"/>
-              <a:t>광운대</a:t>
-            </a:r>
-          </a:p>
-        </p:txBody>
-      </p:sp>
-      <p:pic>
-        <p:nvPicPr>
-          <p:cNvPr id="4" name="그림 3">
-            <a:extLst>
-              <a:ext uri="{FF2B5EF4-FFF2-40B4-BE49-F238E27FC236}">
-                <a16:creationId xmlns:a16="http://schemas.microsoft.com/office/drawing/2014/main" id="{44443F87-F88A-4AA2-A52D-6487318968B0}"/>
-              </a:ext>
-            </a:extLst>
-          </p:cNvPr>
-          <p:cNvPicPr>
-            <a:picLocks noChangeAspect="1"/>
-          </p:cNvPicPr>
-          <p:nvPr/>
-        </p:nvPicPr>
-        <p:blipFill rotWithShape="1">
-          <a:blip r:embed="rId2"/>
-          <a:srcRect r="56386"/>
-          <a:stretch/>
-        </p:blipFill>
-        <p:spPr>
-          <a:xfrm>
-            <a:off x="0" y="1648453"/>
-            <a:ext cx="2207288" cy="5177368"/>
-          </a:xfrm>
-          <a:prstGeom prst="rect">
-            <a:avLst/>
-          </a:prstGeom>
-        </p:spPr>
-      </p:pic>
-      <p:pic>
-        <p:nvPicPr>
-          <p:cNvPr id="5" name="그림 4">
-            <a:extLst>
-              <a:ext uri="{FF2B5EF4-FFF2-40B4-BE49-F238E27FC236}">
-                <a16:creationId xmlns:a16="http://schemas.microsoft.com/office/drawing/2014/main" id="{19B832E4-1A6A-4857-8FED-F751BF1D138E}"/>
-              </a:ext>
-            </a:extLst>
-          </p:cNvPr>
-          <p:cNvPicPr>
-            <a:picLocks noChangeAspect="1"/>
-          </p:cNvPicPr>
-          <p:nvPr/>
-        </p:nvPicPr>
-        <p:blipFill>
-          <a:blip r:embed="rId3"/>
-          <a:stretch>
-            <a:fillRect/>
-          </a:stretch>
-        </p:blipFill>
-        <p:spPr>
-          <a:xfrm>
-            <a:off x="3018407" y="2384373"/>
-            <a:ext cx="6401693" cy="724001"/>
-          </a:xfrm>
-          <a:prstGeom prst="rect">
-            <a:avLst/>
-          </a:prstGeom>
-        </p:spPr>
-      </p:pic>
-      <p:pic>
-        <p:nvPicPr>
-          <p:cNvPr id="6" name="그림 5">
-            <a:extLst>
-              <a:ext uri="{FF2B5EF4-FFF2-40B4-BE49-F238E27FC236}">
-                <a16:creationId xmlns:a16="http://schemas.microsoft.com/office/drawing/2014/main" id="{C2D6DBEB-742D-47F4-B373-5369A7EAE218}"/>
-              </a:ext>
-            </a:extLst>
-          </p:cNvPr>
-          <p:cNvPicPr>
-            <a:picLocks noChangeAspect="1"/>
-          </p:cNvPicPr>
-          <p:nvPr/>
-        </p:nvPicPr>
-        <p:blipFill rotWithShape="1">
-          <a:blip r:embed="rId4"/>
-          <a:srcRect l="41906" t="38629" r="-1045" b="41203"/>
-          <a:stretch/>
-        </p:blipFill>
-        <p:spPr>
-          <a:xfrm>
-            <a:off x="7714887" y="5944643"/>
-            <a:ext cx="4343646" cy="257453"/>
-          </a:xfrm>
-          <a:prstGeom prst="rect">
-            <a:avLst/>
-          </a:prstGeom>
-        </p:spPr>
-      </p:pic>
-      <p:pic>
-        <p:nvPicPr>
-          <p:cNvPr id="7" name="그림 6">
-            <a:extLst>
-              <a:ext uri="{FF2B5EF4-FFF2-40B4-BE49-F238E27FC236}">
-                <a16:creationId xmlns:a16="http://schemas.microsoft.com/office/drawing/2014/main" id="{02CFE1D8-1630-4FE4-A31B-DF27A933D234}"/>
-              </a:ext>
-            </a:extLst>
-          </p:cNvPr>
-          <p:cNvPicPr>
-            <a:picLocks noChangeAspect="1"/>
-          </p:cNvPicPr>
-          <p:nvPr/>
-        </p:nvPicPr>
-        <p:blipFill rotWithShape="1">
-          <a:blip r:embed="rId5"/>
-          <a:srcRect r="37198" b="-5075"/>
-          <a:stretch/>
-        </p:blipFill>
-        <p:spPr>
-          <a:xfrm>
-            <a:off x="3018408" y="5483418"/>
-            <a:ext cx="4696480" cy="1291262"/>
-          </a:xfrm>
-          <a:prstGeom prst="rect">
-            <a:avLst/>
-          </a:prstGeom>
-        </p:spPr>
-      </p:pic>
-      <p:pic>
-        <p:nvPicPr>
-          <p:cNvPr id="8" name="그림 7">
-            <a:extLst>
-              <a:ext uri="{FF2B5EF4-FFF2-40B4-BE49-F238E27FC236}">
-                <a16:creationId xmlns:a16="http://schemas.microsoft.com/office/drawing/2014/main" id="{7C8B6D58-4073-48F1-94B5-132FB884F5F4}"/>
-              </a:ext>
-            </a:extLst>
-          </p:cNvPr>
-          <p:cNvPicPr>
-            <a:picLocks noChangeAspect="1"/>
-          </p:cNvPicPr>
-          <p:nvPr/>
-        </p:nvPicPr>
-        <p:blipFill rotWithShape="1">
-          <a:blip r:embed="rId6"/>
-          <a:srcRect/>
-          <a:stretch/>
-        </p:blipFill>
-        <p:spPr>
-          <a:xfrm>
-            <a:off x="3018407" y="3749626"/>
-            <a:ext cx="4696480" cy="1733792"/>
-          </a:xfrm>
-          <a:prstGeom prst="rect">
-            <a:avLst/>
-          </a:prstGeom>
-        </p:spPr>
-      </p:pic>
-      <p:sp>
-        <p:nvSpPr>
-          <p:cNvPr id="9" name="사각형: 둥근 모서리 8">
-            <a:extLst>
-              <a:ext uri="{FF2B5EF4-FFF2-40B4-BE49-F238E27FC236}">
-                <a16:creationId xmlns:a16="http://schemas.microsoft.com/office/drawing/2014/main" id="{86841FA8-EC86-42C3-8E3B-20E5C5BC6DCF}"/>
-              </a:ext>
-            </a:extLst>
-          </p:cNvPr>
-          <p:cNvSpPr/>
-          <p:nvPr/>
-        </p:nvSpPr>
-        <p:spPr>
-          <a:xfrm>
-            <a:off x="3986074" y="5944643"/>
-            <a:ext cx="1331650" cy="257453"/>
-          </a:xfrm>
-          <a:prstGeom prst="roundRect">
-            <a:avLst/>
-          </a:prstGeom>
-          <a:noFill/>
-        </p:spPr>
-        <p:style>
-          <a:lnRef idx="2">
-            <a:schemeClr val="accent1">
-              <a:shade val="50000"/>
-            </a:schemeClr>
-          </a:lnRef>
-          <a:fillRef idx="1">
-            <a:schemeClr val="accent1"/>
-          </a:fillRef>
-          <a:effectRef idx="0">
-            <a:schemeClr val="accent1"/>
-          </a:effectRef>
-          <a:fontRef idx="minor">
-            <a:schemeClr val="lt1"/>
-          </a:fontRef>
-        </p:style>
-        <p:txBody>
-          <a:bodyPr rtlCol="0" anchor="ctr"/>
-          <a:lstStyle/>
-          <a:p>
-            <a:pPr algn="ctr"/>
-            <a:endParaRPr lang="ko-KR" altLang="en-US"/>
-          </a:p>
-        </p:txBody>
-      </p:sp>
-    </p:spTree>
-    <p:extLst>
-      <p:ext uri="{BB962C8B-B14F-4D97-AF65-F5344CB8AC3E}">
-        <p14:creationId xmlns:p14="http://schemas.microsoft.com/office/powerpoint/2010/main" val="2197089378"/>
-      </p:ext>
-    </p:extLst>
-  </p:cSld>
-  <p:clrMapOvr>
-    <a:masterClrMapping/>
-  </p:clrMapOvr>
-</p:sld>
-</file>
-
-<file path=ppt/slides/slide12.xml><?xml version="1.0" encoding="utf-8"?>
-<p:sld xmlns:a="http://schemas.openxmlformats.org/drawingml/2006/main" xmlns:r="http://schemas.openxmlformats.org/officeDocument/2006/relationships" xmlns:p="http://schemas.openxmlformats.org/presentationml/2006/main">
-  <p:cSld>
-    <p:spTree>
-      <p:nvGrpSpPr>
-        <p:cNvPr id="1" name=""/>
-        <p:cNvGrpSpPr/>
-        <p:nvPr/>
-      </p:nvGrpSpPr>
-      <p:grpSpPr>
-        <a:xfrm>
-          <a:off x="0" y="0"/>
-          <a:ext cx="0" cy="0"/>
-          <a:chOff x="0" y="0"/>
-          <a:chExt cx="0" cy="0"/>
-        </a:xfrm>
-      </p:grpSpPr>
-      <p:sp>
-        <p:nvSpPr>
-          <p:cNvPr id="2" name="제목 1">
-            <a:extLst>
-              <a:ext uri="{FF2B5EF4-FFF2-40B4-BE49-F238E27FC236}">
-                <a16:creationId xmlns:a16="http://schemas.microsoft.com/office/drawing/2014/main" id="{6099D70D-8F27-4183-BA7D-DAFDF78D2AC6}"/>
-              </a:ext>
-            </a:extLst>
-          </p:cNvPr>
-          <p:cNvSpPr>
-            <a:spLocks noGrp="1"/>
-          </p:cNvSpPr>
-          <p:nvPr>
-            <p:ph type="title"/>
-          </p:nvPr>
-        </p:nvSpPr>
-        <p:spPr/>
-        <p:txBody>
-          <a:bodyPr/>
-          <a:lstStyle/>
-          <a:p>
-            <a:r>
-              <a:rPr lang="ko-KR" altLang="en-US" dirty="0"/>
-              <a:t>성균관대 미디어커뮤니케이션</a:t>
-            </a:r>
-          </a:p>
-        </p:txBody>
-      </p:sp>
-      <p:pic>
-        <p:nvPicPr>
-          <p:cNvPr id="4" name="그림 3">
-            <a:extLst>
-              <a:ext uri="{FF2B5EF4-FFF2-40B4-BE49-F238E27FC236}">
-                <a16:creationId xmlns:a16="http://schemas.microsoft.com/office/drawing/2014/main" id="{DA16CF85-CBF4-4CEB-97F8-A19ED8A9F9B7}"/>
-              </a:ext>
-            </a:extLst>
-          </p:cNvPr>
-          <p:cNvPicPr>
-            <a:picLocks noChangeAspect="1"/>
-          </p:cNvPicPr>
-          <p:nvPr/>
-        </p:nvPicPr>
-        <p:blipFill>
-          <a:blip r:embed="rId2"/>
-          <a:stretch>
-            <a:fillRect/>
-          </a:stretch>
-        </p:blipFill>
-        <p:spPr>
-          <a:xfrm>
-            <a:off x="588783" y="3300552"/>
-            <a:ext cx="3315163" cy="161948"/>
-          </a:xfrm>
-          <a:prstGeom prst="rect">
-            <a:avLst/>
-          </a:prstGeom>
-        </p:spPr>
-      </p:pic>
-      <p:pic>
-        <p:nvPicPr>
-          <p:cNvPr id="5" name="그림 4">
-            <a:extLst>
-              <a:ext uri="{FF2B5EF4-FFF2-40B4-BE49-F238E27FC236}">
-                <a16:creationId xmlns:a16="http://schemas.microsoft.com/office/drawing/2014/main" id="{ED97234E-A8A9-4742-BFFB-11237C5742DB}"/>
-              </a:ext>
-            </a:extLst>
-          </p:cNvPr>
-          <p:cNvPicPr>
-            <a:picLocks noChangeAspect="1"/>
-          </p:cNvPicPr>
-          <p:nvPr/>
-        </p:nvPicPr>
-        <p:blipFill>
-          <a:blip r:embed="rId3"/>
-          <a:stretch>
-            <a:fillRect/>
-          </a:stretch>
-        </p:blipFill>
-        <p:spPr>
-          <a:xfrm>
-            <a:off x="593547" y="2645029"/>
-            <a:ext cx="3305636" cy="647790"/>
-          </a:xfrm>
-          <a:prstGeom prst="rect">
-            <a:avLst/>
-          </a:prstGeom>
-        </p:spPr>
-      </p:pic>
-      <p:pic>
-        <p:nvPicPr>
-          <p:cNvPr id="6" name="그림 5">
-            <a:extLst>
-              <a:ext uri="{FF2B5EF4-FFF2-40B4-BE49-F238E27FC236}">
-                <a16:creationId xmlns:a16="http://schemas.microsoft.com/office/drawing/2014/main" id="{A620DAEB-B5CA-4973-B1A8-00B1E15A5838}"/>
-              </a:ext>
-            </a:extLst>
-          </p:cNvPr>
-          <p:cNvPicPr>
-            <a:picLocks noChangeAspect="1"/>
-          </p:cNvPicPr>
-          <p:nvPr/>
-        </p:nvPicPr>
-        <p:blipFill>
-          <a:blip r:embed="rId4"/>
-          <a:stretch>
-            <a:fillRect/>
-          </a:stretch>
-        </p:blipFill>
-        <p:spPr>
-          <a:xfrm>
-            <a:off x="6006756" y="4297702"/>
-            <a:ext cx="6185244" cy="1554902"/>
-          </a:xfrm>
-          <a:prstGeom prst="rect">
-            <a:avLst/>
-          </a:prstGeom>
-        </p:spPr>
-      </p:pic>
-      <p:pic>
-        <p:nvPicPr>
-          <p:cNvPr id="7" name="그림 6">
-            <a:extLst>
-              <a:ext uri="{FF2B5EF4-FFF2-40B4-BE49-F238E27FC236}">
-                <a16:creationId xmlns:a16="http://schemas.microsoft.com/office/drawing/2014/main" id="{794F010F-84AD-41CD-A9D5-1C2F9DF34AE3}"/>
-              </a:ext>
-            </a:extLst>
-          </p:cNvPr>
-          <p:cNvPicPr>
-            <a:picLocks noChangeAspect="1"/>
-          </p:cNvPicPr>
-          <p:nvPr/>
-        </p:nvPicPr>
-        <p:blipFill>
-          <a:blip r:embed="rId5"/>
-          <a:stretch>
-            <a:fillRect/>
-          </a:stretch>
-        </p:blipFill>
-        <p:spPr>
-          <a:xfrm>
-            <a:off x="162654" y="3702365"/>
-            <a:ext cx="5602227" cy="3155635"/>
-          </a:xfrm>
-          <a:prstGeom prst="rect">
-            <a:avLst/>
-          </a:prstGeom>
-        </p:spPr>
-      </p:pic>
-      <p:sp>
-        <p:nvSpPr>
-          <p:cNvPr id="11" name="사각형: 둥근 모서리 10">
-            <a:extLst>
-              <a:ext uri="{FF2B5EF4-FFF2-40B4-BE49-F238E27FC236}">
-                <a16:creationId xmlns:a16="http://schemas.microsoft.com/office/drawing/2014/main" id="{E689B05D-D214-4BD2-8C3B-25ECF299F0AD}"/>
-              </a:ext>
-            </a:extLst>
-          </p:cNvPr>
-          <p:cNvSpPr/>
-          <p:nvPr/>
-        </p:nvSpPr>
-        <p:spPr>
-          <a:xfrm>
-            <a:off x="2601157" y="4199138"/>
-            <a:ext cx="701336" cy="257452"/>
-          </a:xfrm>
-          <a:prstGeom prst="roundRect">
-            <a:avLst/>
-          </a:prstGeom>
-          <a:noFill/>
-        </p:spPr>
-        <p:style>
-          <a:lnRef idx="2">
-            <a:schemeClr val="accent1">
-              <a:shade val="50000"/>
-            </a:schemeClr>
-          </a:lnRef>
-          <a:fillRef idx="1">
-            <a:schemeClr val="accent1"/>
-          </a:fillRef>
-          <a:effectRef idx="0">
-            <a:schemeClr val="accent1"/>
-          </a:effectRef>
-          <a:fontRef idx="minor">
-            <a:schemeClr val="lt1"/>
-          </a:fontRef>
-        </p:style>
-        <p:txBody>
-          <a:bodyPr rtlCol="0" anchor="ctr"/>
-          <a:lstStyle/>
-          <a:p>
-            <a:pPr algn="ctr"/>
-            <a:endParaRPr lang="ko-KR" altLang="en-US"/>
-          </a:p>
-        </p:txBody>
-      </p:sp>
-      <p:sp>
-        <p:nvSpPr>
-          <p:cNvPr id="12" name="사각형: 둥근 모서리 11">
-            <a:extLst>
-              <a:ext uri="{FF2B5EF4-FFF2-40B4-BE49-F238E27FC236}">
-                <a16:creationId xmlns:a16="http://schemas.microsoft.com/office/drawing/2014/main" id="{F23D2CDB-E137-42C2-B372-D4F28840DF20}"/>
-              </a:ext>
-            </a:extLst>
-          </p:cNvPr>
-          <p:cNvSpPr/>
-          <p:nvPr/>
-        </p:nvSpPr>
-        <p:spPr>
-          <a:xfrm>
-            <a:off x="2086252" y="6090082"/>
-            <a:ext cx="665826" cy="213064"/>
-          </a:xfrm>
-          <a:prstGeom prst="roundRect">
-            <a:avLst/>
-          </a:prstGeom>
-          <a:noFill/>
-        </p:spPr>
-        <p:style>
-          <a:lnRef idx="2">
-            <a:schemeClr val="accent1">
-              <a:shade val="50000"/>
-            </a:schemeClr>
-          </a:lnRef>
-          <a:fillRef idx="1">
-            <a:schemeClr val="accent1"/>
-          </a:fillRef>
-          <a:effectRef idx="0">
-            <a:schemeClr val="accent1"/>
-          </a:effectRef>
-          <a:fontRef idx="minor">
-            <a:schemeClr val="lt1"/>
-          </a:fontRef>
-        </p:style>
-        <p:txBody>
-          <a:bodyPr rtlCol="0" anchor="ctr"/>
-          <a:lstStyle/>
-          <a:p>
-            <a:pPr algn="ctr"/>
-            <a:endParaRPr lang="ko-KR" altLang="en-US"/>
-          </a:p>
-        </p:txBody>
-      </p:sp>
-    </p:spTree>
-    <p:extLst>
-      <p:ext uri="{BB962C8B-B14F-4D97-AF65-F5344CB8AC3E}">
-        <p14:creationId xmlns:p14="http://schemas.microsoft.com/office/powerpoint/2010/main" val="3293199965"/>
-      </p:ext>
-    </p:extLst>
-  </p:cSld>
-  <p:clrMapOvr>
-    <a:masterClrMapping/>
-  </p:clrMapOvr>
-</p:sld>
-</file>
-
-<file path=ppt/slides/slide13.xml><?xml version="1.0" encoding="utf-8"?>
-<p:sld xmlns:a="http://schemas.openxmlformats.org/drawingml/2006/main" xmlns:r="http://schemas.openxmlformats.org/officeDocument/2006/relationships" xmlns:p="http://schemas.openxmlformats.org/presentationml/2006/main">
-  <p:cSld>
-    <p:spTree>
-      <p:nvGrpSpPr>
-        <p:cNvPr id="1" name=""/>
-        <p:cNvGrpSpPr/>
-        <p:nvPr/>
-      </p:nvGrpSpPr>
-      <p:grpSpPr>
-        <a:xfrm>
-          <a:off x="0" y="0"/>
-          <a:ext cx="0" cy="0"/>
-          <a:chOff x="0" y="0"/>
-          <a:chExt cx="0" cy="0"/>
-        </a:xfrm>
-      </p:grpSpPr>
-      <p:sp>
-        <p:nvSpPr>
-          <p:cNvPr id="2" name="제목 1">
-            <a:extLst>
-              <a:ext uri="{FF2B5EF4-FFF2-40B4-BE49-F238E27FC236}">
-                <a16:creationId xmlns:a16="http://schemas.microsoft.com/office/drawing/2014/main" id="{CD09ACC6-4C92-4614-BEBF-B9A10DB7B72F}"/>
-              </a:ext>
-            </a:extLst>
-          </p:cNvPr>
-          <p:cNvSpPr>
-            <a:spLocks noGrp="1"/>
-          </p:cNvSpPr>
-          <p:nvPr>
-            <p:ph type="title"/>
-          </p:nvPr>
-        </p:nvSpPr>
-        <p:spPr/>
-        <p:txBody>
-          <a:bodyPr/>
-          <a:lstStyle/>
-          <a:p>
-            <a:r>
-              <a:rPr lang="ko-KR" altLang="en-US" dirty="0"/>
-              <a:t>연세대 언론홍보영상학부</a:t>
-            </a:r>
-          </a:p>
-        </p:txBody>
-      </p:sp>
-      <p:sp>
-        <p:nvSpPr>
-          <p:cNvPr id="3" name="내용 개체 틀 2">
-            <a:extLst>
-              <a:ext uri="{FF2B5EF4-FFF2-40B4-BE49-F238E27FC236}">
-                <a16:creationId xmlns:a16="http://schemas.microsoft.com/office/drawing/2014/main" id="{D9760CB5-045C-4AE6-A548-5759933FB6B1}"/>
-              </a:ext>
-            </a:extLst>
-          </p:cNvPr>
-          <p:cNvSpPr>
-            <a:spLocks noGrp="1"/>
-          </p:cNvSpPr>
-          <p:nvPr>
-            <p:ph idx="1"/>
-          </p:nvPr>
-        </p:nvSpPr>
-        <p:spPr/>
-        <p:txBody>
-          <a:bodyPr/>
-          <a:lstStyle/>
-          <a:p>
-            <a:endParaRPr lang="ko-KR" altLang="en-US" dirty="0"/>
-          </a:p>
-        </p:txBody>
-      </p:sp>
-      <p:pic>
-        <p:nvPicPr>
-          <p:cNvPr id="7" name="그림 6">
-            <a:extLst>
-              <a:ext uri="{FF2B5EF4-FFF2-40B4-BE49-F238E27FC236}">
-                <a16:creationId xmlns:a16="http://schemas.microsoft.com/office/drawing/2014/main" id="{4AED2072-7FE3-4AB1-925B-B34C9148FD00}"/>
-              </a:ext>
-            </a:extLst>
-          </p:cNvPr>
-          <p:cNvPicPr>
-            <a:picLocks noChangeAspect="1"/>
-          </p:cNvPicPr>
-          <p:nvPr/>
-        </p:nvPicPr>
-        <p:blipFill>
-          <a:blip r:embed="rId2"/>
-          <a:stretch>
-            <a:fillRect/>
-          </a:stretch>
-        </p:blipFill>
-        <p:spPr>
-          <a:xfrm>
-            <a:off x="1" y="3229131"/>
-            <a:ext cx="3062062" cy="3628869"/>
-          </a:xfrm>
-          <a:prstGeom prst="rect">
-            <a:avLst/>
-          </a:prstGeom>
-        </p:spPr>
-      </p:pic>
-      <p:pic>
-        <p:nvPicPr>
-          <p:cNvPr id="8" name="그림 7">
-            <a:extLst>
-              <a:ext uri="{FF2B5EF4-FFF2-40B4-BE49-F238E27FC236}">
-                <a16:creationId xmlns:a16="http://schemas.microsoft.com/office/drawing/2014/main" id="{4A67B844-4A51-47BF-B975-C98ED7550C8C}"/>
-              </a:ext>
-            </a:extLst>
-          </p:cNvPr>
-          <p:cNvPicPr>
-            <a:picLocks noChangeAspect="1"/>
-          </p:cNvPicPr>
-          <p:nvPr/>
-        </p:nvPicPr>
-        <p:blipFill>
-          <a:blip r:embed="rId3"/>
-          <a:stretch>
-            <a:fillRect/>
-          </a:stretch>
-        </p:blipFill>
-        <p:spPr>
-          <a:xfrm>
-            <a:off x="5529838" y="2971920"/>
-            <a:ext cx="5677692" cy="257211"/>
-          </a:xfrm>
-          <a:prstGeom prst="rect">
-            <a:avLst/>
-          </a:prstGeom>
-        </p:spPr>
-      </p:pic>
-      <p:pic>
-        <p:nvPicPr>
-          <p:cNvPr id="9" name="그림 8">
-            <a:extLst>
-              <a:ext uri="{FF2B5EF4-FFF2-40B4-BE49-F238E27FC236}">
-                <a16:creationId xmlns:a16="http://schemas.microsoft.com/office/drawing/2014/main" id="{C9B1A652-2CFE-4C54-BB09-C2D3CAB1DB73}"/>
-              </a:ext>
-            </a:extLst>
-          </p:cNvPr>
-          <p:cNvPicPr>
-            <a:picLocks noChangeAspect="1"/>
-          </p:cNvPicPr>
-          <p:nvPr/>
-        </p:nvPicPr>
-        <p:blipFill>
-          <a:blip r:embed="rId4"/>
-          <a:stretch>
-            <a:fillRect/>
-          </a:stretch>
-        </p:blipFill>
-        <p:spPr>
-          <a:xfrm>
-            <a:off x="5529838" y="1661958"/>
-            <a:ext cx="5677692" cy="1314633"/>
-          </a:xfrm>
-          <a:prstGeom prst="rect">
-            <a:avLst/>
-          </a:prstGeom>
-        </p:spPr>
-      </p:pic>
-      <p:pic>
-        <p:nvPicPr>
-          <p:cNvPr id="10" name="그림 9">
-            <a:extLst>
-              <a:ext uri="{FF2B5EF4-FFF2-40B4-BE49-F238E27FC236}">
-                <a16:creationId xmlns:a16="http://schemas.microsoft.com/office/drawing/2014/main" id="{7A7B717D-3E43-40F0-B896-71C9AE14DA97}"/>
-              </a:ext>
-            </a:extLst>
-          </p:cNvPr>
-          <p:cNvPicPr>
-            <a:picLocks noChangeAspect="1"/>
-          </p:cNvPicPr>
-          <p:nvPr/>
-        </p:nvPicPr>
-        <p:blipFill>
-          <a:blip r:embed="rId5"/>
-          <a:stretch>
-            <a:fillRect/>
-          </a:stretch>
-        </p:blipFill>
-        <p:spPr>
-          <a:xfrm>
-            <a:off x="2997485" y="5264459"/>
-            <a:ext cx="4926799" cy="1504765"/>
-          </a:xfrm>
-          <a:prstGeom prst="rect">
-            <a:avLst/>
-          </a:prstGeom>
-        </p:spPr>
-      </p:pic>
-      <p:pic>
-        <p:nvPicPr>
-          <p:cNvPr id="12" name="그림 11">
-            <a:extLst>
-              <a:ext uri="{FF2B5EF4-FFF2-40B4-BE49-F238E27FC236}">
-                <a16:creationId xmlns:a16="http://schemas.microsoft.com/office/drawing/2014/main" id="{7D27DAFA-9EC4-4111-A4BA-CC5ACC8EB21C}"/>
-              </a:ext>
-            </a:extLst>
-          </p:cNvPr>
-          <p:cNvPicPr>
-            <a:picLocks noChangeAspect="1"/>
-          </p:cNvPicPr>
-          <p:nvPr/>
-        </p:nvPicPr>
-        <p:blipFill>
-          <a:blip r:embed="rId6"/>
-          <a:stretch>
-            <a:fillRect/>
-          </a:stretch>
-        </p:blipFill>
-        <p:spPr>
-          <a:xfrm>
-            <a:off x="3753477" y="3404377"/>
-            <a:ext cx="6464722" cy="1684836"/>
-          </a:xfrm>
-          <a:prstGeom prst="rect">
-            <a:avLst/>
-          </a:prstGeom>
-        </p:spPr>
-      </p:pic>
-    </p:spTree>
-    <p:extLst>
-      <p:ext uri="{BB962C8B-B14F-4D97-AF65-F5344CB8AC3E}">
-        <p14:creationId xmlns:p14="http://schemas.microsoft.com/office/powerpoint/2010/main" val="1031548038"/>
-      </p:ext>
-    </p:extLst>
-  </p:cSld>
-  <p:clrMapOvr>
-    <a:masterClrMapping/>
-  </p:clrMapOvr>
-</p:sld>
-</file>
-
-<file path=ppt/slides/slide2.xml><?xml version="1.0" encoding="utf-8"?>
-<p:sld xmlns:a="http://schemas.openxmlformats.org/drawingml/2006/main" xmlns:r="http://schemas.openxmlformats.org/officeDocument/2006/relationships" xmlns:p="http://schemas.openxmlformats.org/presentationml/2006/main">
-  <p:cSld>
-    <p:spTree>
-      <p:nvGrpSpPr>
-        <p:cNvPr id="1" name=""/>
-        <p:cNvGrpSpPr/>
-        <p:nvPr/>
-      </p:nvGrpSpPr>
-      <p:grpSpPr>
-        <a:xfrm>
-          <a:off x="0" y="0"/>
-          <a:ext cx="0" cy="0"/>
-          <a:chOff x="0" y="0"/>
-          <a:chExt cx="0" cy="0"/>
-        </a:xfrm>
-      </p:grpSpPr>
-      <p:sp>
-        <p:nvSpPr>
-          <p:cNvPr id="2" name="제목 1">
-            <a:extLst>
-              <a:ext uri="{FF2B5EF4-FFF2-40B4-BE49-F238E27FC236}">
-                <a16:creationId xmlns:a16="http://schemas.microsoft.com/office/drawing/2014/main" id="{7A69FB29-61DC-4501-8F19-B7F398AB2483}"/>
-              </a:ext>
-            </a:extLst>
-          </p:cNvPr>
-          <p:cNvSpPr>
-            <a:spLocks noGrp="1"/>
-          </p:cNvSpPr>
-          <p:nvPr>
-            <p:ph type="title"/>
-          </p:nvPr>
-        </p:nvSpPr>
-        <p:spPr/>
-        <p:txBody>
-          <a:bodyPr/>
-          <a:lstStyle/>
-          <a:p>
-            <a:r>
-              <a:rPr lang="ko-KR" altLang="en-US" dirty="0"/>
-              <a:t>멀티미디어 진로</a:t>
-            </a:r>
-          </a:p>
-        </p:txBody>
-      </p:sp>
-      <p:sp>
-        <p:nvSpPr>
-          <p:cNvPr id="3" name="내용 개체 틀 2">
-            <a:extLst>
-              <a:ext uri="{FF2B5EF4-FFF2-40B4-BE49-F238E27FC236}">
-                <a16:creationId xmlns:a16="http://schemas.microsoft.com/office/drawing/2014/main" id="{55CEF7A8-119B-424C-A24A-79F167AD1326}"/>
-              </a:ext>
-            </a:extLst>
-          </p:cNvPr>
-          <p:cNvSpPr>
-            <a:spLocks noGrp="1"/>
-          </p:cNvSpPr>
-          <p:nvPr>
-            <p:ph idx="1"/>
-          </p:nvPr>
-        </p:nvSpPr>
-        <p:spPr/>
-        <p:txBody>
-          <a:bodyPr>
-            <a:normAutofit/>
-          </a:bodyPr>
-          <a:lstStyle/>
-          <a:p>
-            <a:r>
-              <a:rPr lang="en-US" altLang="ko-KR" sz="3000" dirty="0"/>
-              <a:t>UX</a:t>
-            </a:r>
-            <a:r>
-              <a:rPr lang="ko-KR" altLang="en-US" sz="3000" dirty="0" err="1"/>
-              <a:t>디자인컨설턴트</a:t>
-            </a:r>
-            <a:r>
-              <a:rPr lang="en-US" altLang="ko-KR" sz="3000" dirty="0"/>
-              <a:t>, </a:t>
-            </a:r>
-            <a:r>
-              <a:rPr lang="ko-KR" altLang="en-US" sz="3000" dirty="0">
-                <a:hlinkClick r:id="rId2"/>
-              </a:rPr>
-              <a:t>가상현실전문가</a:t>
-            </a:r>
-            <a:r>
-              <a:rPr lang="en-US" altLang="ko-KR" sz="3000" dirty="0"/>
-              <a:t>, </a:t>
-            </a:r>
-            <a:r>
-              <a:rPr lang="ko-KR" altLang="en-US" sz="3000" dirty="0" err="1"/>
-              <a:t>개인미디어콘텐츠제작자</a:t>
-            </a:r>
-            <a:r>
-              <a:rPr lang="en-US" altLang="ko-KR" sz="3000" dirty="0"/>
-              <a:t>(</a:t>
-            </a:r>
-            <a:r>
-              <a:rPr lang="ko-KR" altLang="en-US" sz="3000" dirty="0" err="1"/>
-              <a:t>크리에이터</a:t>
-            </a:r>
-            <a:r>
-              <a:rPr lang="en-US" altLang="ko-KR" sz="3000" dirty="0"/>
-              <a:t>), </a:t>
-            </a:r>
-            <a:r>
-              <a:rPr lang="ko-KR" altLang="en-US" sz="3000" dirty="0">
-                <a:hlinkClick r:id="rId3"/>
-              </a:rPr>
-              <a:t>게임기획자</a:t>
-            </a:r>
-            <a:r>
-              <a:rPr lang="en-US" altLang="ko-KR" sz="3000" dirty="0"/>
-              <a:t>, </a:t>
-            </a:r>
-            <a:r>
-              <a:rPr lang="ko-KR" altLang="en-US" sz="3000" dirty="0" err="1"/>
-              <a:t>드론콘텐츠전문가</a:t>
-            </a:r>
-            <a:r>
-              <a:rPr lang="en-US" altLang="ko-KR" sz="3000" dirty="0"/>
-              <a:t>, </a:t>
-            </a:r>
-            <a:r>
-              <a:rPr lang="ko-KR" altLang="en-US" sz="3000" dirty="0" err="1"/>
-              <a:t>디지털큐레이터</a:t>
-            </a:r>
-            <a:r>
-              <a:rPr lang="en-US" altLang="ko-KR" sz="3000" dirty="0"/>
-              <a:t>, </a:t>
-            </a:r>
-            <a:r>
-              <a:rPr lang="ko-KR" altLang="en-US" sz="3000" dirty="0" err="1"/>
-              <a:t>모바일콘텐츠개발자</a:t>
-            </a:r>
-            <a:r>
-              <a:rPr lang="en-US" altLang="ko-KR" sz="3000" dirty="0"/>
-              <a:t>, </a:t>
-            </a:r>
-            <a:r>
-              <a:rPr lang="ko-KR" altLang="en-US" sz="3000" dirty="0" err="1"/>
-              <a:t>문화콘텐츠전문가</a:t>
-            </a:r>
-            <a:r>
-              <a:rPr lang="en-US" altLang="ko-KR" sz="3000" dirty="0"/>
-              <a:t>, </a:t>
-            </a:r>
-            <a:r>
-              <a:rPr lang="ko-KR" altLang="en-US" sz="3000" dirty="0" err="1"/>
-              <a:t>미디어파사드디자이너</a:t>
-            </a:r>
-            <a:r>
-              <a:rPr lang="en-US" altLang="ko-KR" sz="3000" dirty="0"/>
-              <a:t>, </a:t>
-            </a:r>
-            <a:r>
-              <a:rPr lang="ko-KR" altLang="en-US" sz="3000" dirty="0"/>
-              <a:t>비디오게임디자이너</a:t>
-            </a:r>
-            <a:r>
-              <a:rPr lang="en-US" altLang="ko-KR" sz="3000" dirty="0"/>
-              <a:t>, </a:t>
-            </a:r>
-            <a:r>
-              <a:rPr lang="ko-KR" altLang="en-US" sz="3000" dirty="0">
-                <a:hlinkClick r:id="rId4"/>
-              </a:rPr>
-              <a:t>웹프로듀서</a:t>
-            </a:r>
-            <a:endParaRPr lang="ko-KR" altLang="en-US" sz="3000" dirty="0"/>
-          </a:p>
-        </p:txBody>
-      </p:sp>
-    </p:spTree>
-    <p:extLst>
-      <p:ext uri="{BB962C8B-B14F-4D97-AF65-F5344CB8AC3E}">
-        <p14:creationId xmlns:p14="http://schemas.microsoft.com/office/powerpoint/2010/main" val="4001917888"/>
-      </p:ext>
-    </p:extLst>
-  </p:cSld>
-  <p:clrMapOvr>
-    <a:masterClrMapping/>
-  </p:clrMapOvr>
-</p:sld>
-</file>
-
-<file path=ppt/slides/slide3.xml><?xml version="1.0" encoding="utf-8"?>
-<p:sld xmlns:a="http://schemas.openxmlformats.org/drawingml/2006/main" xmlns:r="http://schemas.openxmlformats.org/officeDocument/2006/relationships" xmlns:p="http://schemas.openxmlformats.org/presentationml/2006/main">
-  <p:cSld>
-    <p:spTree>
-      <p:nvGrpSpPr>
-        <p:cNvPr id="1" name=""/>
-        <p:cNvGrpSpPr/>
-        <p:nvPr/>
-      </p:nvGrpSpPr>
-      <p:grpSpPr>
-        <a:xfrm>
-          <a:off x="0" y="0"/>
-          <a:ext cx="0" cy="0"/>
-          <a:chOff x="0" y="0"/>
-          <a:chExt cx="0" cy="0"/>
-        </a:xfrm>
-      </p:grpSpPr>
-      <p:sp>
-        <p:nvSpPr>
-          <p:cNvPr id="2" name="제목 1">
-            <a:extLst>
-              <a:ext uri="{FF2B5EF4-FFF2-40B4-BE49-F238E27FC236}">
-                <a16:creationId xmlns:a16="http://schemas.microsoft.com/office/drawing/2014/main" id="{9B4E56DC-3CA8-4D4C-94A0-D8FE13145757}"/>
-              </a:ext>
-            </a:extLst>
-          </p:cNvPr>
-          <p:cNvSpPr>
-            <a:spLocks noGrp="1"/>
-          </p:cNvSpPr>
-          <p:nvPr>
-            <p:ph type="title"/>
-          </p:nvPr>
-        </p:nvSpPr>
-        <p:spPr/>
-        <p:txBody>
-          <a:bodyPr/>
-          <a:lstStyle/>
-          <a:p>
-            <a:r>
-              <a:rPr lang="ko-KR" altLang="en-US" dirty="0" err="1"/>
-              <a:t>문화콘텐츠</a:t>
-            </a:r>
-            <a:r>
-              <a:rPr lang="ko-KR" altLang="en-US" dirty="0"/>
-              <a:t> 진로</a:t>
-            </a:r>
-          </a:p>
-        </p:txBody>
-      </p:sp>
-      <p:sp>
-        <p:nvSpPr>
-          <p:cNvPr id="3" name="내용 개체 틀 2">
-            <a:extLst>
-              <a:ext uri="{FF2B5EF4-FFF2-40B4-BE49-F238E27FC236}">
-                <a16:creationId xmlns:a16="http://schemas.microsoft.com/office/drawing/2014/main" id="{8B534A2F-423A-4624-A0EF-4274F4A64BEB}"/>
-              </a:ext>
-            </a:extLst>
-          </p:cNvPr>
-          <p:cNvSpPr>
-            <a:spLocks noGrp="1"/>
-          </p:cNvSpPr>
-          <p:nvPr>
-            <p:ph idx="1"/>
-          </p:nvPr>
-        </p:nvSpPr>
-        <p:spPr/>
-        <p:txBody>
-          <a:bodyPr>
-            <a:normAutofit/>
-          </a:bodyPr>
-          <a:lstStyle/>
-          <a:p>
-            <a:r>
-              <a:rPr lang="en-US" altLang="ko-KR" sz="3000" dirty="0"/>
-              <a:t>PD, </a:t>
-            </a:r>
-            <a:r>
-              <a:rPr lang="ko-KR" altLang="en-US" sz="3000" dirty="0"/>
-              <a:t>공연기획자</a:t>
-            </a:r>
-            <a:r>
-              <a:rPr lang="en-US" altLang="ko-KR" sz="3000" dirty="0"/>
-              <a:t>, </a:t>
-            </a:r>
-            <a:r>
-              <a:rPr lang="ko-KR" altLang="en-US" sz="3000" dirty="0"/>
-              <a:t>마케터</a:t>
-            </a:r>
-            <a:r>
-              <a:rPr lang="en-US" altLang="ko-KR" sz="3000" dirty="0"/>
-              <a:t>, </a:t>
-            </a:r>
-            <a:r>
-              <a:rPr lang="ko-KR" altLang="en-US" sz="3000" dirty="0"/>
-              <a:t>문화비평가</a:t>
-            </a:r>
-            <a:r>
-              <a:rPr lang="en-US" altLang="ko-KR" sz="3000" dirty="0"/>
-              <a:t>, </a:t>
-            </a:r>
-            <a:r>
-              <a:rPr lang="ko-KR" altLang="en-US" sz="3000" dirty="0" err="1"/>
-              <a:t>문화콘텐츠기획자</a:t>
-            </a:r>
-            <a:r>
-              <a:rPr lang="en-US" altLang="ko-KR" sz="3000" dirty="0"/>
-              <a:t>, </a:t>
-            </a:r>
-            <a:r>
-              <a:rPr lang="ko-KR" altLang="en-US" sz="3000" dirty="0"/>
-              <a:t>애플리케이션 개발자</a:t>
-            </a:r>
-          </a:p>
-        </p:txBody>
-      </p:sp>
-    </p:spTree>
-    <p:extLst>
-      <p:ext uri="{BB962C8B-B14F-4D97-AF65-F5344CB8AC3E}">
-        <p14:creationId xmlns:p14="http://schemas.microsoft.com/office/powerpoint/2010/main" val="754598654"/>
-      </p:ext>
-    </p:extLst>
-  </p:cSld>
-  <p:clrMapOvr>
-    <a:masterClrMapping/>
-  </p:clrMapOvr>
-</p:sld>
-</file>
-
-<file path=ppt/slides/slide4.xml><?xml version="1.0" encoding="utf-8"?>
-<p:sld xmlns:a="http://schemas.openxmlformats.org/drawingml/2006/main" xmlns:r="http://schemas.openxmlformats.org/officeDocument/2006/relationships" xmlns:p="http://schemas.openxmlformats.org/presentationml/2006/main">
-  <p:cSld>
-    <p:spTree>
-      <p:nvGrpSpPr>
-        <p:cNvPr id="1" name=""/>
-        <p:cNvGrpSpPr/>
-        <p:nvPr/>
-      </p:nvGrpSpPr>
-      <p:grpSpPr>
-        <a:xfrm>
-          <a:off x="0" y="0"/>
-          <a:ext cx="0" cy="0"/>
-          <a:chOff x="0" y="0"/>
-          <a:chExt cx="0" cy="0"/>
-        </a:xfrm>
-      </p:grpSpPr>
-      <p:sp>
-        <p:nvSpPr>
-          <p:cNvPr id="2" name="제목 1">
-            <a:extLst>
-              <a:ext uri="{FF2B5EF4-FFF2-40B4-BE49-F238E27FC236}">
-                <a16:creationId xmlns:a16="http://schemas.microsoft.com/office/drawing/2014/main" id="{C90A3475-BBC4-4EB4-A8AA-1D6D6EAD515A}"/>
-              </a:ext>
-            </a:extLst>
-          </p:cNvPr>
-          <p:cNvSpPr>
-            <a:spLocks noGrp="1"/>
-          </p:cNvSpPr>
-          <p:nvPr>
-            <p:ph type="title"/>
-          </p:nvPr>
-        </p:nvSpPr>
-        <p:spPr/>
-        <p:txBody>
-          <a:bodyPr/>
-          <a:lstStyle/>
-          <a:p>
-            <a:r>
-              <a:rPr lang="ko-KR" altLang="en-US" dirty="0"/>
-              <a:t>멀티미디어 관련 대학 학과 종류</a:t>
-            </a:r>
-          </a:p>
-        </p:txBody>
-      </p:sp>
-      <p:sp>
-        <p:nvSpPr>
-          <p:cNvPr id="3" name="내용 개체 틀 2">
-            <a:extLst>
-              <a:ext uri="{FF2B5EF4-FFF2-40B4-BE49-F238E27FC236}">
-                <a16:creationId xmlns:a16="http://schemas.microsoft.com/office/drawing/2014/main" id="{2B2F0188-2FF2-4B76-919E-DE8CCDE2DE2F}"/>
-              </a:ext>
-            </a:extLst>
-          </p:cNvPr>
-          <p:cNvSpPr>
-            <a:spLocks noGrp="1"/>
-          </p:cNvSpPr>
-          <p:nvPr>
-            <p:ph idx="1"/>
-          </p:nvPr>
-        </p:nvSpPr>
-        <p:spPr/>
-        <p:txBody>
-          <a:bodyPr>
-            <a:normAutofit/>
-          </a:bodyPr>
-          <a:lstStyle/>
-          <a:p>
-            <a:r>
-              <a:rPr lang="ko-KR" altLang="en-US" dirty="0"/>
-              <a:t>공학</a:t>
-            </a:r>
-            <a:r>
-              <a:rPr lang="en-US" altLang="ko-KR" dirty="0"/>
-              <a:t>, </a:t>
-            </a:r>
-            <a:r>
-              <a:rPr lang="ko-KR" altLang="en-US" dirty="0"/>
-              <a:t>예술</a:t>
-            </a:r>
-            <a:r>
-              <a:rPr lang="en-US" altLang="ko-KR" dirty="0"/>
-              <a:t>, </a:t>
-            </a:r>
-            <a:r>
-              <a:rPr lang="ko-KR" altLang="en-US" dirty="0"/>
-              <a:t>사회 과학이라는 세 가지 분야가 애매하게 섞여 있음</a:t>
-            </a:r>
-            <a:r>
-              <a:rPr lang="en-US" altLang="ko-KR" dirty="0"/>
-              <a:t>.</a:t>
-            </a:r>
-          </a:p>
-          <a:p>
-            <a:endParaRPr lang="en-US" altLang="ko-KR" dirty="0"/>
-          </a:p>
-          <a:p>
-            <a:r>
-              <a:rPr lang="en-US" altLang="ko-KR" dirty="0"/>
-              <a:t>ICT</a:t>
-            </a:r>
-            <a:r>
-              <a:rPr lang="ko-KR" altLang="en-US" dirty="0"/>
-              <a:t>융합학부</a:t>
-            </a:r>
-            <a:r>
-              <a:rPr lang="en-US" altLang="ko-KR" dirty="0"/>
-              <a:t>,</a:t>
-            </a:r>
-            <a:r>
-              <a:rPr lang="ko-KR" altLang="en-US" dirty="0"/>
-              <a:t>멀티미디어공학전공</a:t>
-            </a:r>
-            <a:r>
-              <a:rPr lang="en-US" altLang="ko-KR" dirty="0"/>
-              <a:t>,</a:t>
-            </a:r>
-            <a:r>
-              <a:rPr lang="ko-KR" altLang="en-US" dirty="0"/>
-              <a:t>글로벌미디어학부</a:t>
-            </a:r>
-            <a:r>
-              <a:rPr lang="en-US" altLang="ko-KR" dirty="0"/>
-              <a:t>,</a:t>
-            </a:r>
-            <a:r>
-              <a:rPr lang="ko-KR" altLang="en-US" dirty="0"/>
-              <a:t>디지털미디어공학부</a:t>
-            </a:r>
-            <a:r>
-              <a:rPr lang="en-US" altLang="ko-KR" dirty="0"/>
-              <a:t>,</a:t>
-            </a:r>
-            <a:r>
-              <a:rPr lang="ko-KR" altLang="en-US" dirty="0"/>
-              <a:t> 인터넷미디어전공</a:t>
-            </a:r>
-            <a:r>
-              <a:rPr lang="en-US" altLang="ko-KR" dirty="0"/>
-              <a:t>,</a:t>
-            </a:r>
-            <a:r>
-              <a:rPr lang="ko-KR" altLang="en-US" dirty="0"/>
-              <a:t>멀티미디어공학과</a:t>
-            </a:r>
-            <a:r>
-              <a:rPr lang="en-US" altLang="ko-KR" dirty="0"/>
-              <a:t>,</a:t>
-            </a:r>
-            <a:r>
-              <a:rPr lang="ko-KR" altLang="en-US" dirty="0"/>
-              <a:t> 멀티미디어시스템공학전공</a:t>
-            </a:r>
-            <a:r>
-              <a:rPr lang="en-US" altLang="ko-KR" dirty="0"/>
-              <a:t>,</a:t>
-            </a:r>
-            <a:r>
-              <a:rPr lang="ko-KR" altLang="en-US" dirty="0"/>
-              <a:t> 멀티미디어정보학과</a:t>
-            </a:r>
-            <a:r>
-              <a:rPr lang="en-US" altLang="ko-KR" dirty="0"/>
-              <a:t>,</a:t>
-            </a:r>
-            <a:r>
-              <a:rPr lang="ko-KR" altLang="en-US" dirty="0"/>
-              <a:t>멀티미디어학과</a:t>
-            </a:r>
-            <a:r>
-              <a:rPr lang="en-US" altLang="ko-KR" dirty="0"/>
-              <a:t>,</a:t>
-            </a:r>
-            <a:r>
-              <a:rPr lang="ko-KR" altLang="en-US" dirty="0"/>
-              <a:t> </a:t>
-            </a:r>
-            <a:r>
-              <a:rPr lang="ko-KR" altLang="en-US" dirty="0" err="1"/>
-              <a:t>미디어기술콘텐츠학과</a:t>
-            </a:r>
-            <a:r>
-              <a:rPr lang="en-US" altLang="ko-KR" dirty="0"/>
-              <a:t>,</a:t>
-            </a:r>
-            <a:r>
-              <a:rPr lang="ko-KR" altLang="en-US" dirty="0"/>
-              <a:t>미디어정보학부</a:t>
-            </a:r>
-            <a:r>
-              <a:rPr lang="en-US" altLang="ko-KR" dirty="0"/>
-              <a:t>,</a:t>
-            </a:r>
-            <a:r>
-              <a:rPr lang="ko-KR" altLang="en-US" dirty="0"/>
-              <a:t>미디어학과</a:t>
-            </a:r>
-            <a:r>
-              <a:rPr lang="en-US" altLang="ko-KR" dirty="0"/>
-              <a:t>,</a:t>
-            </a:r>
-            <a:r>
-              <a:rPr lang="ko-KR" altLang="en-US" dirty="0"/>
-              <a:t>융합미디어전공</a:t>
-            </a:r>
-            <a:r>
-              <a:rPr lang="en-US" altLang="ko-KR" dirty="0"/>
-              <a:t>,</a:t>
-            </a:r>
-            <a:r>
-              <a:rPr lang="ko-KR" altLang="en-US" dirty="0"/>
-              <a:t> 출판미디어공학과</a:t>
-            </a:r>
-          </a:p>
-        </p:txBody>
-      </p:sp>
-    </p:spTree>
-    <p:extLst>
-      <p:ext uri="{BB962C8B-B14F-4D97-AF65-F5344CB8AC3E}">
-        <p14:creationId xmlns:p14="http://schemas.microsoft.com/office/powerpoint/2010/main" val="38568657"/>
-      </p:ext>
-    </p:extLst>
-  </p:cSld>
-  <p:clrMapOvr>
-    <a:masterClrMapping/>
-  </p:clrMapOvr>
-</p:sld>
-</file>
-
-<file path=ppt/slides/slide5.xml><?xml version="1.0" encoding="utf-8"?>
-<p:sld xmlns:a="http://schemas.openxmlformats.org/drawingml/2006/main" xmlns:r="http://schemas.openxmlformats.org/officeDocument/2006/relationships" xmlns:p="http://schemas.openxmlformats.org/presentationml/2006/main">
-  <p:cSld>
-    <p:spTree>
-      <p:nvGrpSpPr>
-        <p:cNvPr id="1" name=""/>
-        <p:cNvGrpSpPr/>
-        <p:nvPr/>
-      </p:nvGrpSpPr>
-      <p:grpSpPr>
-        <a:xfrm>
-          <a:off x="0" y="0"/>
-          <a:ext cx="0" cy="0"/>
-          <a:chOff x="0" y="0"/>
-          <a:chExt cx="0" cy="0"/>
-        </a:xfrm>
-      </p:grpSpPr>
-      <p:pic>
-        <p:nvPicPr>
-          <p:cNvPr id="4" name="그림 3">
-            <a:extLst>
-              <a:ext uri="{FF2B5EF4-FFF2-40B4-BE49-F238E27FC236}">
-                <a16:creationId xmlns:a16="http://schemas.microsoft.com/office/drawing/2014/main" id="{69C8A9B7-C8CF-4B06-9549-7FAC5AE06D04}"/>
-              </a:ext>
-            </a:extLst>
-          </p:cNvPr>
-          <p:cNvPicPr>
-            <a:picLocks noChangeAspect="1"/>
-          </p:cNvPicPr>
-          <p:nvPr/>
-        </p:nvPicPr>
-        <p:blipFill rotWithShape="1">
-          <a:blip r:embed="rId2"/>
-          <a:srcRect b="48668"/>
-          <a:stretch/>
-        </p:blipFill>
-        <p:spPr>
-          <a:xfrm>
-            <a:off x="266330" y="3751736"/>
-            <a:ext cx="4394447" cy="2689934"/>
-          </a:xfrm>
-          <a:prstGeom prst="rect">
-            <a:avLst/>
-          </a:prstGeom>
-        </p:spPr>
-      </p:pic>
-      <p:pic>
-        <p:nvPicPr>
-          <p:cNvPr id="5" name="그림 4">
-            <a:extLst>
-              <a:ext uri="{FF2B5EF4-FFF2-40B4-BE49-F238E27FC236}">
-                <a16:creationId xmlns:a16="http://schemas.microsoft.com/office/drawing/2014/main" id="{C7C45DDA-C40F-490C-86B1-41DDDC0F7A02}"/>
-              </a:ext>
-            </a:extLst>
-          </p:cNvPr>
-          <p:cNvPicPr>
-            <a:picLocks noChangeAspect="1"/>
-          </p:cNvPicPr>
-          <p:nvPr/>
-        </p:nvPicPr>
-        <p:blipFill rotWithShape="1">
-          <a:blip r:embed="rId3"/>
-          <a:srcRect r="46548"/>
-          <a:stretch/>
-        </p:blipFill>
-        <p:spPr>
-          <a:xfrm>
-            <a:off x="4855109" y="463808"/>
-            <a:ext cx="2548868" cy="6029698"/>
-          </a:xfrm>
-          <a:prstGeom prst="rect">
-            <a:avLst/>
-          </a:prstGeom>
-        </p:spPr>
-      </p:pic>
-      <p:pic>
-        <p:nvPicPr>
-          <p:cNvPr id="6" name="그림 5">
-            <a:extLst>
-              <a:ext uri="{FF2B5EF4-FFF2-40B4-BE49-F238E27FC236}">
-                <a16:creationId xmlns:a16="http://schemas.microsoft.com/office/drawing/2014/main" id="{AA1D5829-E86E-4ADB-BE5F-E77C258FB119}"/>
-              </a:ext>
-            </a:extLst>
-          </p:cNvPr>
-          <p:cNvPicPr>
-            <a:picLocks noChangeAspect="1"/>
-          </p:cNvPicPr>
-          <p:nvPr/>
-        </p:nvPicPr>
-        <p:blipFill rotWithShape="1">
-          <a:blip r:embed="rId4"/>
-          <a:srcRect r="40670"/>
-          <a:stretch/>
-        </p:blipFill>
-        <p:spPr>
-          <a:xfrm>
-            <a:off x="455720" y="1563039"/>
-            <a:ext cx="3609023" cy="1482476"/>
-          </a:xfrm>
-          <a:prstGeom prst="rect">
-            <a:avLst/>
-          </a:prstGeom>
-          <a:noFill/>
-          <a:ln>
-            <a:noFill/>
-          </a:ln>
-        </p:spPr>
-      </p:pic>
-      <p:pic>
-        <p:nvPicPr>
-          <p:cNvPr id="7" name="그림 6">
-            <a:extLst>
-              <a:ext uri="{FF2B5EF4-FFF2-40B4-BE49-F238E27FC236}">
-                <a16:creationId xmlns:a16="http://schemas.microsoft.com/office/drawing/2014/main" id="{D00942BC-70AE-4B8F-9267-532A626B8520}"/>
-              </a:ext>
-            </a:extLst>
-          </p:cNvPr>
-          <p:cNvPicPr>
-            <a:picLocks noChangeAspect="1"/>
-          </p:cNvPicPr>
-          <p:nvPr/>
-        </p:nvPicPr>
-        <p:blipFill>
-          <a:blip r:embed="rId5"/>
-          <a:stretch>
-            <a:fillRect/>
-          </a:stretch>
-        </p:blipFill>
-        <p:spPr>
-          <a:xfrm>
-            <a:off x="7669582" y="4050085"/>
-            <a:ext cx="4394447" cy="2200620"/>
-          </a:xfrm>
-          <a:prstGeom prst="rect">
-            <a:avLst/>
-          </a:prstGeom>
-        </p:spPr>
-      </p:pic>
-      <p:sp>
-        <p:nvSpPr>
-          <p:cNvPr id="8" name="TextBox 7">
-            <a:extLst>
-              <a:ext uri="{FF2B5EF4-FFF2-40B4-BE49-F238E27FC236}">
-                <a16:creationId xmlns:a16="http://schemas.microsoft.com/office/drawing/2014/main" id="{4A308788-ED56-4608-97A1-86794D85014A}"/>
-              </a:ext>
-            </a:extLst>
-          </p:cNvPr>
-          <p:cNvSpPr txBox="1"/>
-          <p:nvPr/>
-        </p:nvSpPr>
-        <p:spPr>
-          <a:xfrm>
-            <a:off x="10528917" y="648070"/>
-            <a:ext cx="1207363" cy="369332"/>
-          </a:xfrm>
-          <a:prstGeom prst="rect">
-            <a:avLst/>
-          </a:prstGeom>
-          <a:noFill/>
-        </p:spPr>
-        <p:txBody>
-          <a:bodyPr wrap="square" rtlCol="0">
-            <a:spAutoFit/>
-          </a:bodyPr>
-          <a:lstStyle/>
-          <a:p>
-            <a:r>
-              <a:rPr lang="ko-KR" altLang="en-US" dirty="0"/>
-              <a:t>가톨릭대</a:t>
-            </a:r>
-          </a:p>
-        </p:txBody>
-      </p:sp>
-      <p:sp>
-        <p:nvSpPr>
-          <p:cNvPr id="3" name="사각형: 둥근 모서리 2">
-            <a:extLst>
-              <a:ext uri="{FF2B5EF4-FFF2-40B4-BE49-F238E27FC236}">
-                <a16:creationId xmlns:a16="http://schemas.microsoft.com/office/drawing/2014/main" id="{46F67F0C-35F2-4B68-95C6-4DF7A060F167}"/>
-              </a:ext>
-            </a:extLst>
-          </p:cNvPr>
-          <p:cNvSpPr/>
-          <p:nvPr/>
-        </p:nvSpPr>
-        <p:spPr>
-          <a:xfrm>
-            <a:off x="1580225" y="1720840"/>
-            <a:ext cx="1074198" cy="195309"/>
-          </a:xfrm>
-          <a:prstGeom prst="roundRect">
-            <a:avLst/>
-          </a:prstGeom>
-          <a:noFill/>
-          <a:ln>
-            <a:solidFill>
-              <a:srgbClr val="FF0000"/>
-            </a:solidFill>
-          </a:ln>
-        </p:spPr>
-        <p:style>
-          <a:lnRef idx="2">
-            <a:schemeClr val="accent1">
-              <a:shade val="50000"/>
-            </a:schemeClr>
-          </a:lnRef>
-          <a:fillRef idx="1">
-            <a:schemeClr val="accent1"/>
-          </a:fillRef>
-          <a:effectRef idx="0">
-            <a:schemeClr val="accent1"/>
-          </a:effectRef>
-          <a:fontRef idx="minor">
-            <a:schemeClr val="lt1"/>
-          </a:fontRef>
-        </p:style>
-        <p:txBody>
-          <a:bodyPr rtlCol="0" anchor="ctr"/>
-          <a:lstStyle/>
-          <a:p>
-            <a:pPr algn="ctr"/>
-            <a:endParaRPr lang="ko-KR" altLang="en-US"/>
-          </a:p>
-        </p:txBody>
-      </p:sp>
-      <p:pic>
-        <p:nvPicPr>
-          <p:cNvPr id="9" name="그림 8">
-            <a:extLst>
-              <a:ext uri="{FF2B5EF4-FFF2-40B4-BE49-F238E27FC236}">
-                <a16:creationId xmlns:a16="http://schemas.microsoft.com/office/drawing/2014/main" id="{14BA038F-4111-42C4-ADEE-620CD8B2F68A}"/>
-              </a:ext>
-            </a:extLst>
-          </p:cNvPr>
-          <p:cNvPicPr>
-            <a:picLocks noChangeAspect="1"/>
-          </p:cNvPicPr>
-          <p:nvPr/>
-        </p:nvPicPr>
-        <p:blipFill rotWithShape="1">
-          <a:blip r:embed="rId6"/>
-          <a:srcRect r="40536"/>
-          <a:stretch/>
-        </p:blipFill>
-        <p:spPr>
-          <a:xfrm>
-            <a:off x="455720" y="471765"/>
-            <a:ext cx="3609023" cy="1091274"/>
-          </a:xfrm>
-          <a:prstGeom prst="rect">
-            <a:avLst/>
-          </a:prstGeom>
-        </p:spPr>
-      </p:pic>
-    </p:spTree>
-    <p:extLst>
-      <p:ext uri="{BB962C8B-B14F-4D97-AF65-F5344CB8AC3E}">
-        <p14:creationId xmlns:p14="http://schemas.microsoft.com/office/powerpoint/2010/main" val="3568165481"/>
-      </p:ext>
-    </p:extLst>
-  </p:cSld>
-  <p:clrMapOvr>
-    <a:masterClrMapping/>
-  </p:clrMapOvr>
-</p:sld>
-</file>
-
-<file path=ppt/slides/slide6.xml><?xml version="1.0" encoding="utf-8"?>
-<p:sld xmlns:a="http://schemas.openxmlformats.org/drawingml/2006/main" xmlns:r="http://schemas.openxmlformats.org/officeDocument/2006/relationships" xmlns:p="http://schemas.openxmlformats.org/presentationml/2006/main">
-  <p:cSld>
-    <p:spTree>
-      <p:nvGrpSpPr>
-        <p:cNvPr id="1" name=""/>
-        <p:cNvGrpSpPr/>
-        <p:nvPr/>
-      </p:nvGrpSpPr>
-      <p:grpSpPr>
-        <a:xfrm>
-          <a:off x="0" y="0"/>
-          <a:ext cx="0" cy="0"/>
-          <a:chOff x="0" y="0"/>
-          <a:chExt cx="0" cy="0"/>
-        </a:xfrm>
-      </p:grpSpPr>
-      <p:sp>
-        <p:nvSpPr>
-          <p:cNvPr id="2" name="제목 1">
-            <a:extLst>
-              <a:ext uri="{FF2B5EF4-FFF2-40B4-BE49-F238E27FC236}">
                 <a16:creationId xmlns:a16="http://schemas.microsoft.com/office/drawing/2014/main" id="{B2399651-6838-4EBC-828D-83CDD83F6562}"/>
               </a:ext>
             </a:extLst>
@@ -15909,7 +13660,7 @@
 </p:sld>
 </file>
 
-<file path=ppt/slides/slide7.xml><?xml version="1.0" encoding="utf-8"?>
+<file path=ppt/slides/slide11.xml><?xml version="1.0" encoding="utf-8"?>
 <p:sld xmlns:a="http://schemas.openxmlformats.org/drawingml/2006/main" xmlns:r="http://schemas.openxmlformats.org/officeDocument/2006/relationships" xmlns:p="http://schemas.openxmlformats.org/presentationml/2006/main">
   <p:cSld>
     <p:spTree>
@@ -16190,7 +13941,7 @@
 </p:sld>
 </file>
 
-<file path=ppt/slides/slide8.xml><?xml version="1.0" encoding="utf-8"?>
+<file path=ppt/slides/slide12.xml><?xml version="1.0" encoding="utf-8"?>
 <p:sld xmlns:a="http://schemas.openxmlformats.org/drawingml/2006/main" xmlns:r="http://schemas.openxmlformats.org/officeDocument/2006/relationships" xmlns:p="http://schemas.openxmlformats.org/presentationml/2006/main">
   <p:cSld>
     <p:spTree>
@@ -16906,7 +14657,7 @@
 </p:sld>
 </file>
 
-<file path=ppt/slides/slide9.xml><?xml version="1.0" encoding="utf-8"?>
+<file path=ppt/slides/slide13.xml><?xml version="1.0" encoding="utf-8"?>
 <p:sld xmlns:a="http://schemas.openxmlformats.org/drawingml/2006/main" xmlns:r="http://schemas.openxmlformats.org/officeDocument/2006/relationships" xmlns:p="http://schemas.openxmlformats.org/presentationml/2006/main">
   <p:cSld>
     <p:spTree>
@@ -17423,6 +15174,3940 @@
 </p:sld>
 </file>
 
+<file path=ppt/slides/slide14.xml><?xml version="1.0" encoding="utf-8"?>
+<p:sld xmlns:a="http://schemas.openxmlformats.org/drawingml/2006/main" xmlns:r="http://schemas.openxmlformats.org/officeDocument/2006/relationships" xmlns:p="http://schemas.openxmlformats.org/presentationml/2006/main">
+  <p:cSld>
+    <p:spTree>
+      <p:nvGrpSpPr>
+        <p:cNvPr id="1" name=""/>
+        <p:cNvGrpSpPr/>
+        <p:nvPr/>
+      </p:nvGrpSpPr>
+      <p:grpSpPr>
+        <a:xfrm>
+          <a:off x="0" y="0"/>
+          <a:ext cx="0" cy="0"/>
+          <a:chOff x="0" y="0"/>
+          <a:chExt cx="0" cy="0"/>
+        </a:xfrm>
+      </p:grpSpPr>
+      <p:sp>
+        <p:nvSpPr>
+          <p:cNvPr id="2" name="제목 1">
+            <a:extLst>
+              <a:ext uri="{FF2B5EF4-FFF2-40B4-BE49-F238E27FC236}">
+                <a16:creationId xmlns:a16="http://schemas.microsoft.com/office/drawing/2014/main" id="{E28CC77E-836C-42B2-B564-231F33A5DBB3}"/>
+              </a:ext>
+            </a:extLst>
+          </p:cNvPr>
+          <p:cNvSpPr>
+            <a:spLocks noGrp="1"/>
+          </p:cNvSpPr>
+          <p:nvPr>
+            <p:ph type="title"/>
+          </p:nvPr>
+        </p:nvSpPr>
+        <p:spPr/>
+        <p:txBody>
+          <a:bodyPr/>
+          <a:lstStyle/>
+          <a:p>
+            <a:r>
+              <a:rPr lang="ko-KR" altLang="en-US" dirty="0" err="1"/>
+              <a:t>문화콘텐츠</a:t>
+            </a:r>
+            <a:r>
+              <a:rPr lang="ko-KR" altLang="en-US" dirty="0"/>
+              <a:t> 관련 대학 학과</a:t>
+            </a:r>
+          </a:p>
+        </p:txBody>
+      </p:sp>
+      <p:sp>
+        <p:nvSpPr>
+          <p:cNvPr id="3" name="내용 개체 틀 2">
+            <a:extLst>
+              <a:ext uri="{FF2B5EF4-FFF2-40B4-BE49-F238E27FC236}">
+                <a16:creationId xmlns:a16="http://schemas.microsoft.com/office/drawing/2014/main" id="{CC1202D5-9F25-41C6-AC85-BBE1CFF38194}"/>
+              </a:ext>
+            </a:extLst>
+          </p:cNvPr>
+          <p:cNvSpPr>
+            <a:spLocks noGrp="1"/>
+          </p:cNvSpPr>
+          <p:nvPr>
+            <p:ph idx="1"/>
+          </p:nvPr>
+        </p:nvSpPr>
+        <p:spPr>
+          <a:xfrm>
+            <a:off x="1305875" y="3900546"/>
+            <a:ext cx="8825659" cy="2279218"/>
+          </a:xfrm>
+        </p:spPr>
+        <p:txBody>
+          <a:bodyPr>
+            <a:noAutofit/>
+          </a:bodyPr>
+          <a:lstStyle/>
+          <a:p>
+            <a:r>
+              <a:rPr lang="en-US" altLang="ko-KR" sz="2000" dirty="0"/>
+              <a:t>K-</a:t>
+            </a:r>
+            <a:r>
+              <a:rPr lang="ko-KR" altLang="en-US" sz="2000" dirty="0" err="1"/>
+              <a:t>콘텐츠스타트업전공</a:t>
+            </a:r>
+            <a:r>
+              <a:rPr lang="en-US" altLang="ko-KR" sz="2000" dirty="0"/>
+              <a:t>,SW</a:t>
+            </a:r>
+            <a:r>
+              <a:rPr lang="ko-KR" altLang="en-US" sz="2000" dirty="0"/>
+              <a:t>융합학부 </a:t>
+            </a:r>
+            <a:r>
+              <a:rPr lang="ko-KR" altLang="en-US" sz="2000" dirty="0" err="1"/>
+              <a:t>한일문화콘텐츠전공</a:t>
+            </a:r>
+            <a:r>
+              <a:rPr lang="en-US" altLang="ko-KR" sz="2000" dirty="0"/>
+              <a:t>,</a:t>
+            </a:r>
+            <a:r>
+              <a:rPr lang="ko-KR" altLang="en-US" sz="2000" dirty="0" err="1"/>
+              <a:t>공간문화컨텐츠학과</a:t>
+            </a:r>
+            <a:r>
+              <a:rPr lang="en-US" altLang="ko-KR" sz="2000" dirty="0"/>
+              <a:t>,</a:t>
+            </a:r>
+            <a:r>
+              <a:rPr lang="ko-KR" altLang="en-US" sz="2000" dirty="0"/>
+              <a:t>공연전시기획학과</a:t>
+            </a:r>
+            <a:r>
+              <a:rPr lang="en-US" altLang="ko-KR" sz="2000" dirty="0"/>
+              <a:t>,</a:t>
+            </a:r>
+            <a:r>
+              <a:rPr lang="ko-KR" altLang="en-US" sz="2000" dirty="0"/>
+              <a:t>교육문화전공</a:t>
+            </a:r>
+            <a:r>
+              <a:rPr lang="en-US" altLang="ko-KR" sz="2000" dirty="0"/>
+              <a:t>,</a:t>
+            </a:r>
+            <a:r>
+              <a:rPr lang="ko-KR" altLang="en-US" sz="2000" dirty="0"/>
+              <a:t> </a:t>
+            </a:r>
+            <a:r>
+              <a:rPr lang="ko-KR" altLang="en-US" sz="2000" dirty="0" err="1"/>
+              <a:t>글로벌문화산업경영학과글로컬문화스토리텔링융복합전공</a:t>
+            </a:r>
+            <a:r>
+              <a:rPr lang="en-US" altLang="ko-KR" sz="2000" dirty="0"/>
+              <a:t>,</a:t>
+            </a:r>
+            <a:r>
+              <a:rPr lang="ko-KR" altLang="en-US" sz="2000" dirty="0" err="1"/>
+              <a:t>글로컬문화학부</a:t>
+            </a:r>
+            <a:r>
+              <a:rPr lang="en-US" altLang="ko-KR" sz="2000" dirty="0"/>
+              <a:t>,</a:t>
+            </a:r>
+            <a:r>
+              <a:rPr lang="ko-KR" altLang="en-US" sz="2000" dirty="0" err="1"/>
+              <a:t>디자인문화콘텐츠전공</a:t>
+            </a:r>
+            <a:r>
+              <a:rPr lang="en-US" altLang="ko-KR" sz="2000" dirty="0"/>
+              <a:t>,</a:t>
+            </a:r>
+            <a:r>
+              <a:rPr lang="ko-KR" altLang="en-US" sz="2000" dirty="0" err="1"/>
+              <a:t>디지털영상문화콘텐츠학과</a:t>
+            </a:r>
+            <a:r>
+              <a:rPr lang="en-US" altLang="ko-KR" sz="2000" dirty="0"/>
+              <a:t>,</a:t>
+            </a:r>
+            <a:r>
+              <a:rPr lang="ko-KR" altLang="en-US" sz="2000" dirty="0" err="1"/>
+              <a:t>문화・미디어전공</a:t>
+            </a:r>
+            <a:r>
+              <a:rPr lang="en-US" altLang="ko-KR" sz="2000" dirty="0"/>
+              <a:t>,</a:t>
+            </a:r>
+            <a:r>
+              <a:rPr lang="ko-KR" altLang="en-US" sz="2000" dirty="0"/>
+              <a:t>문화</a:t>
+            </a:r>
+            <a:r>
+              <a:rPr lang="en-US" altLang="ko-KR" sz="2000" dirty="0"/>
+              <a:t>ICT</a:t>
+            </a:r>
+            <a:r>
+              <a:rPr lang="ko-KR" altLang="en-US" sz="2000" dirty="0"/>
+              <a:t>융합전공</a:t>
+            </a:r>
+            <a:r>
+              <a:rPr lang="en-US" altLang="ko-KR" sz="2000" dirty="0"/>
+              <a:t>,</a:t>
+            </a:r>
+            <a:r>
+              <a:rPr lang="ko-KR" altLang="en-US" sz="2000" dirty="0"/>
+              <a:t>문화경영공학계열</a:t>
+            </a:r>
+            <a:r>
+              <a:rPr lang="en-US" altLang="ko-KR" sz="2000" dirty="0"/>
+              <a:t>,</a:t>
+            </a:r>
+            <a:r>
+              <a:rPr lang="ko-KR" altLang="en-US" sz="2000" dirty="0"/>
+              <a:t>문화교류전공</a:t>
+            </a:r>
+            <a:r>
+              <a:rPr lang="en-US" altLang="ko-KR" sz="2000" dirty="0"/>
+              <a:t>,</a:t>
+            </a:r>
+            <a:r>
+              <a:rPr lang="ko-KR" altLang="en-US" sz="2000" dirty="0"/>
+              <a:t> 문화기획학과</a:t>
+            </a:r>
+            <a:r>
+              <a:rPr lang="en-US" altLang="ko-KR" sz="2000" dirty="0"/>
+              <a:t>,</a:t>
+            </a:r>
+            <a:r>
+              <a:rPr lang="ko-KR" altLang="en-US" sz="2000" dirty="0"/>
+              <a:t> </a:t>
+            </a:r>
+            <a:r>
+              <a:rPr lang="ko-KR" altLang="en-US" sz="2000" dirty="0" err="1"/>
+              <a:t>문화서비스학전공</a:t>
+            </a:r>
+            <a:r>
+              <a:rPr lang="en-US" altLang="ko-KR" sz="2000" dirty="0"/>
+              <a:t>,</a:t>
+            </a:r>
+            <a:r>
+              <a:rPr lang="ko-KR" altLang="en-US" sz="2000" dirty="0" err="1"/>
+              <a:t>문화스토리텔링전공</a:t>
+            </a:r>
+            <a:r>
+              <a:rPr lang="en-US" altLang="ko-KR" sz="2000" dirty="0"/>
+              <a:t>,</a:t>
+            </a:r>
+            <a:r>
+              <a:rPr lang="ko-KR" altLang="en-US" sz="2000" dirty="0"/>
+              <a:t>문화예술경영학과</a:t>
+            </a:r>
+            <a:r>
+              <a:rPr lang="en-US" altLang="ko-KR" sz="2000" dirty="0"/>
+              <a:t>,</a:t>
+            </a:r>
+            <a:r>
+              <a:rPr lang="ko-KR" altLang="en-US" sz="2000" dirty="0"/>
+              <a:t>문화예술경영학과</a:t>
+            </a:r>
+            <a:r>
+              <a:rPr lang="en-US" altLang="ko-KR" sz="2000" dirty="0"/>
+              <a:t>(</a:t>
+            </a:r>
+            <a:r>
+              <a:rPr lang="ko-KR" altLang="en-US" sz="2000" dirty="0"/>
+              <a:t>예체능</a:t>
+            </a:r>
+            <a:r>
+              <a:rPr lang="en-US" altLang="ko-KR" sz="2000" dirty="0"/>
+              <a:t>),</a:t>
+            </a:r>
+            <a:r>
+              <a:rPr lang="ko-KR" altLang="en-US" sz="2000" dirty="0"/>
+              <a:t>문화예술철학전공</a:t>
+            </a:r>
+            <a:r>
+              <a:rPr lang="en-US" altLang="ko-KR" sz="2000" dirty="0"/>
+              <a:t>,</a:t>
+            </a:r>
+            <a:r>
+              <a:rPr lang="ko-KR" altLang="en-US" sz="2000" dirty="0"/>
+              <a:t> 문화정보학부</a:t>
+            </a:r>
+            <a:r>
+              <a:rPr lang="en-US" altLang="ko-KR" sz="2000" dirty="0"/>
+              <a:t>,</a:t>
+            </a:r>
+            <a:r>
+              <a:rPr lang="ko-KR" altLang="en-US" sz="2000" dirty="0"/>
+              <a:t>문화커뮤니케이션학부</a:t>
+            </a:r>
+            <a:r>
+              <a:rPr lang="en-US" altLang="ko-KR" sz="2000" dirty="0"/>
+              <a:t>,</a:t>
+            </a:r>
+            <a:r>
+              <a:rPr lang="ko-KR" altLang="en-US" sz="2000" dirty="0" err="1"/>
+              <a:t>문화컨텐츠테크놀러지</a:t>
+            </a:r>
+            <a:r>
+              <a:rPr lang="en-US" altLang="ko-KR" sz="2000" dirty="0"/>
+              <a:t>, </a:t>
+            </a:r>
+            <a:r>
+              <a:rPr lang="ko-KR" altLang="en-US" sz="2000" dirty="0"/>
+              <a:t>역사</a:t>
+            </a:r>
+            <a:r>
+              <a:rPr lang="en-US" altLang="ko-KR" sz="2000" dirty="0"/>
+              <a:t>·</a:t>
+            </a:r>
+            <a:r>
+              <a:rPr lang="ko-KR" altLang="en-US" sz="2000" dirty="0" err="1"/>
+              <a:t>문화콘텐츠학과</a:t>
+            </a:r>
+            <a:r>
+              <a:rPr lang="en-US" altLang="ko-KR" sz="2000" dirty="0"/>
+              <a:t>,</a:t>
+            </a:r>
+            <a:r>
+              <a:rPr lang="ko-KR" altLang="en-US" sz="2000" dirty="0"/>
+              <a:t>역사</a:t>
+            </a:r>
+            <a:r>
+              <a:rPr lang="en-US" altLang="ko-KR" sz="2000" dirty="0"/>
+              <a:t>·</a:t>
+            </a:r>
+            <a:r>
+              <a:rPr lang="ko-KR" altLang="en-US" sz="2000" dirty="0" err="1"/>
+              <a:t>문화콘텐츠학부</a:t>
+            </a:r>
+            <a:r>
+              <a:rPr lang="en-US" altLang="ko-KR" sz="2000" dirty="0"/>
+              <a:t>,</a:t>
+            </a:r>
+            <a:r>
+              <a:rPr lang="ko-KR" altLang="en-US" sz="2000" dirty="0" err="1"/>
+              <a:t>영상문화학전공</a:t>
+            </a:r>
+            <a:r>
+              <a:rPr lang="en-US" altLang="ko-KR" sz="2000" dirty="0"/>
+              <a:t>,</a:t>
+            </a:r>
+            <a:r>
+              <a:rPr lang="ko-KR" altLang="en-US" sz="2000" dirty="0"/>
+              <a:t> 조형문화과</a:t>
+            </a:r>
+            <a:r>
+              <a:rPr lang="en-US" altLang="ko-KR" sz="2000" dirty="0"/>
+              <a:t>,</a:t>
+            </a:r>
+            <a:r>
+              <a:rPr lang="ko-KR" altLang="en-US" sz="2000" dirty="0"/>
+              <a:t>종교문화재학과</a:t>
+            </a:r>
+          </a:p>
+        </p:txBody>
+      </p:sp>
+      <p:sp>
+        <p:nvSpPr>
+          <p:cNvPr id="5" name="내용 개체 틀 2">
+            <a:extLst>
+              <a:ext uri="{FF2B5EF4-FFF2-40B4-BE49-F238E27FC236}">
+                <a16:creationId xmlns:a16="http://schemas.microsoft.com/office/drawing/2014/main" id="{BBBB3FAE-0B8D-4911-B98C-86A30D9BBD7E}"/>
+              </a:ext>
+            </a:extLst>
+          </p:cNvPr>
+          <p:cNvSpPr txBox="1">
+            <a:spLocks/>
+          </p:cNvSpPr>
+          <p:nvPr/>
+        </p:nvSpPr>
+        <p:spPr>
+          <a:xfrm>
+            <a:off x="1305875" y="2618895"/>
+            <a:ext cx="8825659" cy="2279218"/>
+          </a:xfrm>
+          <a:prstGeom prst="rect">
+            <a:avLst/>
+          </a:prstGeom>
+        </p:spPr>
+        <p:txBody>
+          <a:bodyPr vert="horz" lIns="91440" tIns="45720" rIns="91440" bIns="45720" rtlCol="0">
+            <a:noAutofit/>
+          </a:bodyPr>
+          <a:lstStyle>
+            <a:lvl1pPr marL="342900" indent="-342900" algn="l" defTabSz="457200" rtl="0" eaLnBrk="1" latinLnBrk="1" hangingPunct="1">
+              <a:spcBef>
+                <a:spcPts val="1000"/>
+              </a:spcBef>
+              <a:spcAft>
+                <a:spcPts val="0"/>
+              </a:spcAft>
+              <a:buClr>
+                <a:schemeClr val="accent1"/>
+              </a:buClr>
+              <a:buSzPct val="80000"/>
+              <a:buFont typeface="Wingdings 3" charset="2"/>
+              <a:buChar char=""/>
+              <a:defRPr sz="1800" b="0" i="0" kern="1200">
+                <a:solidFill>
+                  <a:schemeClr val="tx1">
+                    <a:lumMod val="75000"/>
+                    <a:lumOff val="25000"/>
+                  </a:schemeClr>
+                </a:solidFill>
+                <a:latin typeface="+mn-lt"/>
+                <a:ea typeface="+mn-ea"/>
+                <a:cs typeface="+mn-cs"/>
+              </a:defRPr>
+            </a:lvl1pPr>
+            <a:lvl2pPr marL="742950" indent="-285750" algn="l" defTabSz="457200" rtl="0" eaLnBrk="1" latinLnBrk="1" hangingPunct="1">
+              <a:spcBef>
+                <a:spcPts val="1000"/>
+              </a:spcBef>
+              <a:spcAft>
+                <a:spcPts val="0"/>
+              </a:spcAft>
+              <a:buClr>
+                <a:schemeClr val="accent1"/>
+              </a:buClr>
+              <a:buSzPct val="80000"/>
+              <a:buFont typeface="Wingdings 3" charset="2"/>
+              <a:buChar char=""/>
+              <a:defRPr sz="1600" b="0" i="0" kern="1200">
+                <a:solidFill>
+                  <a:schemeClr val="tx1">
+                    <a:lumMod val="75000"/>
+                    <a:lumOff val="25000"/>
+                  </a:schemeClr>
+                </a:solidFill>
+                <a:latin typeface="+mn-lt"/>
+                <a:ea typeface="+mn-ea"/>
+                <a:cs typeface="+mn-cs"/>
+              </a:defRPr>
+            </a:lvl2pPr>
+            <a:lvl3pPr marL="1143000" indent="-228600" algn="l" defTabSz="457200" rtl="0" eaLnBrk="1" latinLnBrk="1" hangingPunct="1">
+              <a:spcBef>
+                <a:spcPts val="1000"/>
+              </a:spcBef>
+              <a:spcAft>
+                <a:spcPts val="0"/>
+              </a:spcAft>
+              <a:buClr>
+                <a:schemeClr val="accent1"/>
+              </a:buClr>
+              <a:buSzPct val="80000"/>
+              <a:buFont typeface="Wingdings 3" charset="2"/>
+              <a:buChar char=""/>
+              <a:defRPr sz="1400" b="0" i="0" kern="1200">
+                <a:solidFill>
+                  <a:schemeClr val="tx1">
+                    <a:lumMod val="75000"/>
+                    <a:lumOff val="25000"/>
+                  </a:schemeClr>
+                </a:solidFill>
+                <a:latin typeface="+mn-lt"/>
+                <a:ea typeface="+mn-ea"/>
+                <a:cs typeface="+mn-cs"/>
+              </a:defRPr>
+            </a:lvl3pPr>
+            <a:lvl4pPr marL="1600200" indent="-228600" algn="l" defTabSz="457200" rtl="0" eaLnBrk="1" latinLnBrk="1" hangingPunct="1">
+              <a:spcBef>
+                <a:spcPts val="1000"/>
+              </a:spcBef>
+              <a:spcAft>
+                <a:spcPts val="0"/>
+              </a:spcAft>
+              <a:buClr>
+                <a:schemeClr val="accent1"/>
+              </a:buClr>
+              <a:buSzPct val="80000"/>
+              <a:buFont typeface="Wingdings 3" charset="2"/>
+              <a:buChar char=""/>
+              <a:defRPr sz="1200" b="0" i="0" kern="1200">
+                <a:solidFill>
+                  <a:schemeClr val="tx1">
+                    <a:lumMod val="75000"/>
+                    <a:lumOff val="25000"/>
+                  </a:schemeClr>
+                </a:solidFill>
+                <a:latin typeface="+mn-lt"/>
+                <a:ea typeface="+mn-ea"/>
+                <a:cs typeface="+mn-cs"/>
+              </a:defRPr>
+            </a:lvl4pPr>
+            <a:lvl5pPr marL="2057400" indent="-228600" algn="l" defTabSz="457200" rtl="0" eaLnBrk="1" latinLnBrk="1" hangingPunct="1">
+              <a:spcBef>
+                <a:spcPts val="1000"/>
+              </a:spcBef>
+              <a:spcAft>
+                <a:spcPts val="0"/>
+              </a:spcAft>
+              <a:buClr>
+                <a:schemeClr val="accent1"/>
+              </a:buClr>
+              <a:buSzPct val="80000"/>
+              <a:buFont typeface="Wingdings 3" charset="2"/>
+              <a:buChar char=""/>
+              <a:defRPr sz="1200" b="0" i="0" kern="1200">
+                <a:solidFill>
+                  <a:schemeClr val="tx1">
+                    <a:lumMod val="75000"/>
+                    <a:lumOff val="25000"/>
+                  </a:schemeClr>
+                </a:solidFill>
+                <a:latin typeface="+mn-lt"/>
+                <a:ea typeface="+mn-ea"/>
+                <a:cs typeface="+mn-cs"/>
+              </a:defRPr>
+            </a:lvl5pPr>
+            <a:lvl6pPr marL="2514600" indent="-228600" algn="l" defTabSz="457200" rtl="0" eaLnBrk="1" latinLnBrk="1" hangingPunct="1">
+              <a:spcBef>
+                <a:spcPts val="1000"/>
+              </a:spcBef>
+              <a:spcAft>
+                <a:spcPts val="0"/>
+              </a:spcAft>
+              <a:buClr>
+                <a:schemeClr val="accent1"/>
+              </a:buClr>
+              <a:buSzPct val="80000"/>
+              <a:buFont typeface="Wingdings 3" charset="2"/>
+              <a:buChar char=""/>
+              <a:defRPr sz="1200" b="0" i="0" kern="1200">
+                <a:solidFill>
+                  <a:schemeClr val="tx1">
+                    <a:lumMod val="75000"/>
+                    <a:lumOff val="25000"/>
+                  </a:schemeClr>
+                </a:solidFill>
+                <a:latin typeface="+mn-lt"/>
+                <a:ea typeface="+mn-ea"/>
+                <a:cs typeface="+mn-cs"/>
+              </a:defRPr>
+            </a:lvl6pPr>
+            <a:lvl7pPr marL="2971800" indent="-228600" algn="l" defTabSz="457200" rtl="0" eaLnBrk="1" latinLnBrk="1" hangingPunct="1">
+              <a:spcBef>
+                <a:spcPts val="1000"/>
+              </a:spcBef>
+              <a:spcAft>
+                <a:spcPts val="0"/>
+              </a:spcAft>
+              <a:buClr>
+                <a:schemeClr val="accent1"/>
+              </a:buClr>
+              <a:buSzPct val="80000"/>
+              <a:buFont typeface="Wingdings 3" charset="2"/>
+              <a:buChar char=""/>
+              <a:defRPr sz="1200" b="0" i="0" kern="1200">
+                <a:solidFill>
+                  <a:schemeClr val="tx1">
+                    <a:lumMod val="75000"/>
+                    <a:lumOff val="25000"/>
+                  </a:schemeClr>
+                </a:solidFill>
+                <a:latin typeface="+mn-lt"/>
+                <a:ea typeface="+mn-ea"/>
+                <a:cs typeface="+mn-cs"/>
+              </a:defRPr>
+            </a:lvl7pPr>
+            <a:lvl8pPr marL="3429000" indent="-228600" algn="l" defTabSz="457200" rtl="0" eaLnBrk="1" latinLnBrk="1" hangingPunct="1">
+              <a:spcBef>
+                <a:spcPts val="1000"/>
+              </a:spcBef>
+              <a:spcAft>
+                <a:spcPts val="0"/>
+              </a:spcAft>
+              <a:buClr>
+                <a:schemeClr val="accent1"/>
+              </a:buClr>
+              <a:buSzPct val="80000"/>
+              <a:buFont typeface="Wingdings 3" charset="2"/>
+              <a:buChar char=""/>
+              <a:defRPr sz="1200" b="0" i="0" kern="1200">
+                <a:solidFill>
+                  <a:schemeClr val="tx1">
+                    <a:lumMod val="75000"/>
+                    <a:lumOff val="25000"/>
+                  </a:schemeClr>
+                </a:solidFill>
+                <a:latin typeface="+mn-lt"/>
+                <a:ea typeface="+mn-ea"/>
+                <a:cs typeface="+mn-cs"/>
+              </a:defRPr>
+            </a:lvl8pPr>
+            <a:lvl9pPr marL="3886200" indent="-228600" algn="l" defTabSz="457200" rtl="0" eaLnBrk="1" latinLnBrk="1" hangingPunct="1">
+              <a:spcBef>
+                <a:spcPts val="1000"/>
+              </a:spcBef>
+              <a:spcAft>
+                <a:spcPts val="0"/>
+              </a:spcAft>
+              <a:buClr>
+                <a:schemeClr val="accent1"/>
+              </a:buClr>
+              <a:buSzPct val="80000"/>
+              <a:buFont typeface="Wingdings 3" charset="2"/>
+              <a:buChar char=""/>
+              <a:defRPr sz="1200" b="0" i="0" kern="1200">
+                <a:solidFill>
+                  <a:schemeClr val="tx1">
+                    <a:lumMod val="75000"/>
+                    <a:lumOff val="25000"/>
+                  </a:schemeClr>
+                </a:solidFill>
+                <a:latin typeface="+mn-lt"/>
+                <a:ea typeface="+mn-ea"/>
+                <a:cs typeface="+mn-cs"/>
+              </a:defRPr>
+            </a:lvl9pPr>
+          </a:lstStyle>
+          <a:p>
+            <a:pPr>
+              <a:buFont typeface="Wingdings" panose="05000000000000000000" pitchFamily="2" charset="2"/>
+              <a:buChar char="u"/>
+            </a:pPr>
+            <a:r>
+              <a:rPr lang="ko-KR" altLang="en-US" sz="2000" dirty="0"/>
+              <a:t>마찬가지로 사회과학</a:t>
+            </a:r>
+            <a:r>
+              <a:rPr lang="en-US" altLang="ko-KR" sz="2000" dirty="0"/>
+              <a:t>, </a:t>
+            </a:r>
+            <a:r>
+              <a:rPr lang="ko-KR" altLang="en-US" sz="2000" dirty="0"/>
+              <a:t>예체능</a:t>
+            </a:r>
+            <a:r>
+              <a:rPr lang="en-US" altLang="ko-KR" sz="2000" dirty="0"/>
+              <a:t>, </a:t>
+            </a:r>
+            <a:r>
+              <a:rPr lang="ko-KR" altLang="en-US" sz="2000" dirty="0"/>
+              <a:t>공학에 연결되며</a:t>
+            </a:r>
+            <a:r>
+              <a:rPr lang="en-US" altLang="ko-KR" sz="2000" dirty="0"/>
+              <a:t>, </a:t>
+            </a:r>
+            <a:r>
+              <a:rPr lang="ko-KR" altLang="en-US" sz="2000" dirty="0"/>
+              <a:t>교육</a:t>
+            </a:r>
+            <a:r>
+              <a:rPr lang="en-US" altLang="ko-KR" sz="2000" dirty="0"/>
+              <a:t>, </a:t>
+            </a:r>
+            <a:r>
+              <a:rPr lang="ko-KR" altLang="en-US" sz="2000" dirty="0"/>
+              <a:t>역사</a:t>
+            </a:r>
+            <a:r>
+              <a:rPr lang="en-US" altLang="ko-KR" sz="2000" dirty="0"/>
+              <a:t>, </a:t>
+            </a:r>
+            <a:r>
+              <a:rPr lang="ko-KR" altLang="en-US" sz="2000" dirty="0"/>
+              <a:t>종교</a:t>
+            </a:r>
+            <a:r>
+              <a:rPr lang="en-US" altLang="ko-KR" sz="2000" dirty="0"/>
+              <a:t>, </a:t>
+            </a:r>
+            <a:r>
+              <a:rPr lang="ko-KR" altLang="en-US" sz="2000" dirty="0"/>
+              <a:t>조형</a:t>
+            </a:r>
+            <a:r>
+              <a:rPr lang="en-US" altLang="ko-KR" sz="2000" dirty="0"/>
+              <a:t> </a:t>
+            </a:r>
+            <a:r>
+              <a:rPr lang="ko-KR" altLang="en-US" sz="2000" dirty="0"/>
+              <a:t>등 더 다양한 분야와 접목된다</a:t>
+            </a:r>
+            <a:r>
+              <a:rPr lang="en-US" altLang="ko-KR" sz="2000" dirty="0"/>
+              <a:t>. </a:t>
+            </a:r>
+            <a:r>
+              <a:rPr lang="ko-KR" altLang="en-US" sz="2000" dirty="0"/>
+              <a:t>글로벌 또한 중요한 키워드이다</a:t>
+            </a:r>
+            <a:r>
+              <a:rPr lang="en-US" altLang="ko-KR" sz="2000" dirty="0"/>
+              <a:t>.</a:t>
+            </a:r>
+            <a:endParaRPr lang="ko-KR" altLang="en-US" sz="2000" dirty="0"/>
+          </a:p>
+        </p:txBody>
+      </p:sp>
+    </p:spTree>
+    <p:extLst>
+      <p:ext uri="{BB962C8B-B14F-4D97-AF65-F5344CB8AC3E}">
+        <p14:creationId xmlns:p14="http://schemas.microsoft.com/office/powerpoint/2010/main" val="3016892233"/>
+      </p:ext>
+    </p:extLst>
+  </p:cSld>
+  <p:clrMapOvr>
+    <a:masterClrMapping/>
+  </p:clrMapOvr>
+</p:sld>
+</file>
+
+<file path=ppt/slides/slide15.xml><?xml version="1.0" encoding="utf-8"?>
+<p:sld xmlns:a="http://schemas.openxmlformats.org/drawingml/2006/main" xmlns:r="http://schemas.openxmlformats.org/officeDocument/2006/relationships" xmlns:p="http://schemas.openxmlformats.org/presentationml/2006/main">
+  <p:cSld>
+    <p:spTree>
+      <p:nvGrpSpPr>
+        <p:cNvPr id="1" name=""/>
+        <p:cNvGrpSpPr/>
+        <p:nvPr/>
+      </p:nvGrpSpPr>
+      <p:grpSpPr>
+        <a:xfrm>
+          <a:off x="0" y="0"/>
+          <a:ext cx="0" cy="0"/>
+          <a:chOff x="0" y="0"/>
+          <a:chExt cx="0" cy="0"/>
+        </a:xfrm>
+      </p:grpSpPr>
+      <p:sp>
+        <p:nvSpPr>
+          <p:cNvPr id="2" name="제목 1">
+            <a:extLst>
+              <a:ext uri="{FF2B5EF4-FFF2-40B4-BE49-F238E27FC236}">
+                <a16:creationId xmlns:a16="http://schemas.microsoft.com/office/drawing/2014/main" id="{208B7151-BCAA-408D-8988-BED6BF753BC0}"/>
+              </a:ext>
+            </a:extLst>
+          </p:cNvPr>
+          <p:cNvSpPr>
+            <a:spLocks noGrp="1"/>
+          </p:cNvSpPr>
+          <p:nvPr>
+            <p:ph type="title"/>
+          </p:nvPr>
+        </p:nvSpPr>
+        <p:spPr/>
+        <p:txBody>
+          <a:bodyPr/>
+          <a:lstStyle/>
+          <a:p>
+            <a:r>
+              <a:rPr lang="ko-KR" altLang="en-US" dirty="0"/>
+              <a:t>광운대</a:t>
+            </a:r>
+          </a:p>
+        </p:txBody>
+      </p:sp>
+      <p:pic>
+        <p:nvPicPr>
+          <p:cNvPr id="4" name="그림 3">
+            <a:extLst>
+              <a:ext uri="{FF2B5EF4-FFF2-40B4-BE49-F238E27FC236}">
+                <a16:creationId xmlns:a16="http://schemas.microsoft.com/office/drawing/2014/main" id="{44443F87-F88A-4AA2-A52D-6487318968B0}"/>
+              </a:ext>
+            </a:extLst>
+          </p:cNvPr>
+          <p:cNvPicPr>
+            <a:picLocks noChangeAspect="1"/>
+          </p:cNvPicPr>
+          <p:nvPr/>
+        </p:nvPicPr>
+        <p:blipFill rotWithShape="1">
+          <a:blip r:embed="rId2"/>
+          <a:srcRect r="56386"/>
+          <a:stretch/>
+        </p:blipFill>
+        <p:spPr>
+          <a:xfrm>
+            <a:off x="0" y="1648453"/>
+            <a:ext cx="2207288" cy="5177368"/>
+          </a:xfrm>
+          <a:prstGeom prst="rect">
+            <a:avLst/>
+          </a:prstGeom>
+        </p:spPr>
+      </p:pic>
+      <p:pic>
+        <p:nvPicPr>
+          <p:cNvPr id="5" name="그림 4">
+            <a:extLst>
+              <a:ext uri="{FF2B5EF4-FFF2-40B4-BE49-F238E27FC236}">
+                <a16:creationId xmlns:a16="http://schemas.microsoft.com/office/drawing/2014/main" id="{19B832E4-1A6A-4857-8FED-F751BF1D138E}"/>
+              </a:ext>
+            </a:extLst>
+          </p:cNvPr>
+          <p:cNvPicPr>
+            <a:picLocks noChangeAspect="1"/>
+          </p:cNvPicPr>
+          <p:nvPr/>
+        </p:nvPicPr>
+        <p:blipFill>
+          <a:blip r:embed="rId3"/>
+          <a:stretch>
+            <a:fillRect/>
+          </a:stretch>
+        </p:blipFill>
+        <p:spPr>
+          <a:xfrm>
+            <a:off x="3018407" y="2384373"/>
+            <a:ext cx="6401693" cy="724001"/>
+          </a:xfrm>
+          <a:prstGeom prst="rect">
+            <a:avLst/>
+          </a:prstGeom>
+        </p:spPr>
+      </p:pic>
+      <p:pic>
+        <p:nvPicPr>
+          <p:cNvPr id="6" name="그림 5">
+            <a:extLst>
+              <a:ext uri="{FF2B5EF4-FFF2-40B4-BE49-F238E27FC236}">
+                <a16:creationId xmlns:a16="http://schemas.microsoft.com/office/drawing/2014/main" id="{C2D6DBEB-742D-47F4-B373-5369A7EAE218}"/>
+              </a:ext>
+            </a:extLst>
+          </p:cNvPr>
+          <p:cNvPicPr>
+            <a:picLocks noChangeAspect="1"/>
+          </p:cNvPicPr>
+          <p:nvPr/>
+        </p:nvPicPr>
+        <p:blipFill rotWithShape="1">
+          <a:blip r:embed="rId4"/>
+          <a:srcRect l="41906" t="38629" r="-1045" b="41203"/>
+          <a:stretch/>
+        </p:blipFill>
+        <p:spPr>
+          <a:xfrm>
+            <a:off x="7714887" y="5944643"/>
+            <a:ext cx="4343646" cy="257453"/>
+          </a:xfrm>
+          <a:prstGeom prst="rect">
+            <a:avLst/>
+          </a:prstGeom>
+        </p:spPr>
+      </p:pic>
+      <p:pic>
+        <p:nvPicPr>
+          <p:cNvPr id="7" name="그림 6">
+            <a:extLst>
+              <a:ext uri="{FF2B5EF4-FFF2-40B4-BE49-F238E27FC236}">
+                <a16:creationId xmlns:a16="http://schemas.microsoft.com/office/drawing/2014/main" id="{02CFE1D8-1630-4FE4-A31B-DF27A933D234}"/>
+              </a:ext>
+            </a:extLst>
+          </p:cNvPr>
+          <p:cNvPicPr>
+            <a:picLocks noChangeAspect="1"/>
+          </p:cNvPicPr>
+          <p:nvPr/>
+        </p:nvPicPr>
+        <p:blipFill rotWithShape="1">
+          <a:blip r:embed="rId5"/>
+          <a:srcRect r="37198" b="-5075"/>
+          <a:stretch/>
+        </p:blipFill>
+        <p:spPr>
+          <a:xfrm>
+            <a:off x="3018408" y="5483418"/>
+            <a:ext cx="4696480" cy="1291262"/>
+          </a:xfrm>
+          <a:prstGeom prst="rect">
+            <a:avLst/>
+          </a:prstGeom>
+        </p:spPr>
+      </p:pic>
+      <p:pic>
+        <p:nvPicPr>
+          <p:cNvPr id="8" name="그림 7">
+            <a:extLst>
+              <a:ext uri="{FF2B5EF4-FFF2-40B4-BE49-F238E27FC236}">
+                <a16:creationId xmlns:a16="http://schemas.microsoft.com/office/drawing/2014/main" id="{7C8B6D58-4073-48F1-94B5-132FB884F5F4}"/>
+              </a:ext>
+            </a:extLst>
+          </p:cNvPr>
+          <p:cNvPicPr>
+            <a:picLocks noChangeAspect="1"/>
+          </p:cNvPicPr>
+          <p:nvPr/>
+        </p:nvPicPr>
+        <p:blipFill rotWithShape="1">
+          <a:blip r:embed="rId6"/>
+          <a:srcRect/>
+          <a:stretch/>
+        </p:blipFill>
+        <p:spPr>
+          <a:xfrm>
+            <a:off x="3018407" y="3749626"/>
+            <a:ext cx="4696480" cy="1733792"/>
+          </a:xfrm>
+          <a:prstGeom prst="rect">
+            <a:avLst/>
+          </a:prstGeom>
+        </p:spPr>
+      </p:pic>
+      <p:sp>
+        <p:nvSpPr>
+          <p:cNvPr id="9" name="사각형: 둥근 모서리 8">
+            <a:extLst>
+              <a:ext uri="{FF2B5EF4-FFF2-40B4-BE49-F238E27FC236}">
+                <a16:creationId xmlns:a16="http://schemas.microsoft.com/office/drawing/2014/main" id="{86841FA8-EC86-42C3-8E3B-20E5C5BC6DCF}"/>
+              </a:ext>
+            </a:extLst>
+          </p:cNvPr>
+          <p:cNvSpPr/>
+          <p:nvPr/>
+        </p:nvSpPr>
+        <p:spPr>
+          <a:xfrm>
+            <a:off x="3986074" y="5944643"/>
+            <a:ext cx="1331650" cy="257453"/>
+          </a:xfrm>
+          <a:prstGeom prst="roundRect">
+            <a:avLst/>
+          </a:prstGeom>
+          <a:noFill/>
+        </p:spPr>
+        <p:style>
+          <a:lnRef idx="2">
+            <a:schemeClr val="accent1">
+              <a:shade val="50000"/>
+            </a:schemeClr>
+          </a:lnRef>
+          <a:fillRef idx="1">
+            <a:schemeClr val="accent1"/>
+          </a:fillRef>
+          <a:effectRef idx="0">
+            <a:schemeClr val="accent1"/>
+          </a:effectRef>
+          <a:fontRef idx="minor">
+            <a:schemeClr val="lt1"/>
+          </a:fontRef>
+        </p:style>
+        <p:txBody>
+          <a:bodyPr rtlCol="0" anchor="ctr"/>
+          <a:lstStyle/>
+          <a:p>
+            <a:pPr algn="ctr"/>
+            <a:endParaRPr lang="ko-KR" altLang="en-US"/>
+          </a:p>
+        </p:txBody>
+      </p:sp>
+    </p:spTree>
+    <p:extLst>
+      <p:ext uri="{BB962C8B-B14F-4D97-AF65-F5344CB8AC3E}">
+        <p14:creationId xmlns:p14="http://schemas.microsoft.com/office/powerpoint/2010/main" val="2197089378"/>
+      </p:ext>
+    </p:extLst>
+  </p:cSld>
+  <p:clrMapOvr>
+    <a:masterClrMapping/>
+  </p:clrMapOvr>
+</p:sld>
+</file>
+
+<file path=ppt/slides/slide16.xml><?xml version="1.0" encoding="utf-8"?>
+<p:sld xmlns:a="http://schemas.openxmlformats.org/drawingml/2006/main" xmlns:r="http://schemas.openxmlformats.org/officeDocument/2006/relationships" xmlns:p="http://schemas.openxmlformats.org/presentationml/2006/main">
+  <p:cSld>
+    <p:spTree>
+      <p:nvGrpSpPr>
+        <p:cNvPr id="1" name=""/>
+        <p:cNvGrpSpPr/>
+        <p:nvPr/>
+      </p:nvGrpSpPr>
+      <p:grpSpPr>
+        <a:xfrm>
+          <a:off x="0" y="0"/>
+          <a:ext cx="0" cy="0"/>
+          <a:chOff x="0" y="0"/>
+          <a:chExt cx="0" cy="0"/>
+        </a:xfrm>
+      </p:grpSpPr>
+      <p:sp>
+        <p:nvSpPr>
+          <p:cNvPr id="2" name="제목 1">
+            <a:extLst>
+              <a:ext uri="{FF2B5EF4-FFF2-40B4-BE49-F238E27FC236}">
+                <a16:creationId xmlns:a16="http://schemas.microsoft.com/office/drawing/2014/main" id="{6099D70D-8F27-4183-BA7D-DAFDF78D2AC6}"/>
+              </a:ext>
+            </a:extLst>
+          </p:cNvPr>
+          <p:cNvSpPr>
+            <a:spLocks noGrp="1"/>
+          </p:cNvSpPr>
+          <p:nvPr>
+            <p:ph type="title"/>
+          </p:nvPr>
+        </p:nvSpPr>
+        <p:spPr/>
+        <p:txBody>
+          <a:bodyPr/>
+          <a:lstStyle/>
+          <a:p>
+            <a:r>
+              <a:rPr lang="ko-KR" altLang="en-US" dirty="0"/>
+              <a:t>성균관대 미디어커뮤니케이션</a:t>
+            </a:r>
+          </a:p>
+        </p:txBody>
+      </p:sp>
+      <p:pic>
+        <p:nvPicPr>
+          <p:cNvPr id="4" name="그림 3">
+            <a:extLst>
+              <a:ext uri="{FF2B5EF4-FFF2-40B4-BE49-F238E27FC236}">
+                <a16:creationId xmlns:a16="http://schemas.microsoft.com/office/drawing/2014/main" id="{DA16CF85-CBF4-4CEB-97F8-A19ED8A9F9B7}"/>
+              </a:ext>
+            </a:extLst>
+          </p:cNvPr>
+          <p:cNvPicPr>
+            <a:picLocks noChangeAspect="1"/>
+          </p:cNvPicPr>
+          <p:nvPr/>
+        </p:nvPicPr>
+        <p:blipFill>
+          <a:blip r:embed="rId2"/>
+          <a:stretch>
+            <a:fillRect/>
+          </a:stretch>
+        </p:blipFill>
+        <p:spPr>
+          <a:xfrm>
+            <a:off x="588783" y="3300552"/>
+            <a:ext cx="3315163" cy="161948"/>
+          </a:xfrm>
+          <a:prstGeom prst="rect">
+            <a:avLst/>
+          </a:prstGeom>
+        </p:spPr>
+      </p:pic>
+      <p:pic>
+        <p:nvPicPr>
+          <p:cNvPr id="5" name="그림 4">
+            <a:extLst>
+              <a:ext uri="{FF2B5EF4-FFF2-40B4-BE49-F238E27FC236}">
+                <a16:creationId xmlns:a16="http://schemas.microsoft.com/office/drawing/2014/main" id="{ED97234E-A8A9-4742-BFFB-11237C5742DB}"/>
+              </a:ext>
+            </a:extLst>
+          </p:cNvPr>
+          <p:cNvPicPr>
+            <a:picLocks noChangeAspect="1"/>
+          </p:cNvPicPr>
+          <p:nvPr/>
+        </p:nvPicPr>
+        <p:blipFill>
+          <a:blip r:embed="rId3"/>
+          <a:stretch>
+            <a:fillRect/>
+          </a:stretch>
+        </p:blipFill>
+        <p:spPr>
+          <a:xfrm>
+            <a:off x="593547" y="2645029"/>
+            <a:ext cx="3305636" cy="647790"/>
+          </a:xfrm>
+          <a:prstGeom prst="rect">
+            <a:avLst/>
+          </a:prstGeom>
+        </p:spPr>
+      </p:pic>
+      <p:pic>
+        <p:nvPicPr>
+          <p:cNvPr id="6" name="그림 5">
+            <a:extLst>
+              <a:ext uri="{FF2B5EF4-FFF2-40B4-BE49-F238E27FC236}">
+                <a16:creationId xmlns:a16="http://schemas.microsoft.com/office/drawing/2014/main" id="{A620DAEB-B5CA-4973-B1A8-00B1E15A5838}"/>
+              </a:ext>
+            </a:extLst>
+          </p:cNvPr>
+          <p:cNvPicPr>
+            <a:picLocks noChangeAspect="1"/>
+          </p:cNvPicPr>
+          <p:nvPr/>
+        </p:nvPicPr>
+        <p:blipFill>
+          <a:blip r:embed="rId4"/>
+          <a:stretch>
+            <a:fillRect/>
+          </a:stretch>
+        </p:blipFill>
+        <p:spPr>
+          <a:xfrm>
+            <a:off x="6006756" y="4297702"/>
+            <a:ext cx="6185244" cy="1554902"/>
+          </a:xfrm>
+          <a:prstGeom prst="rect">
+            <a:avLst/>
+          </a:prstGeom>
+        </p:spPr>
+      </p:pic>
+      <p:pic>
+        <p:nvPicPr>
+          <p:cNvPr id="7" name="그림 6">
+            <a:extLst>
+              <a:ext uri="{FF2B5EF4-FFF2-40B4-BE49-F238E27FC236}">
+                <a16:creationId xmlns:a16="http://schemas.microsoft.com/office/drawing/2014/main" id="{794F010F-84AD-41CD-A9D5-1C2F9DF34AE3}"/>
+              </a:ext>
+            </a:extLst>
+          </p:cNvPr>
+          <p:cNvPicPr>
+            <a:picLocks noChangeAspect="1"/>
+          </p:cNvPicPr>
+          <p:nvPr/>
+        </p:nvPicPr>
+        <p:blipFill>
+          <a:blip r:embed="rId5"/>
+          <a:stretch>
+            <a:fillRect/>
+          </a:stretch>
+        </p:blipFill>
+        <p:spPr>
+          <a:xfrm>
+            <a:off x="162654" y="3702365"/>
+            <a:ext cx="5602227" cy="3155635"/>
+          </a:xfrm>
+          <a:prstGeom prst="rect">
+            <a:avLst/>
+          </a:prstGeom>
+        </p:spPr>
+      </p:pic>
+      <p:sp>
+        <p:nvSpPr>
+          <p:cNvPr id="11" name="사각형: 둥근 모서리 10">
+            <a:extLst>
+              <a:ext uri="{FF2B5EF4-FFF2-40B4-BE49-F238E27FC236}">
+                <a16:creationId xmlns:a16="http://schemas.microsoft.com/office/drawing/2014/main" id="{E689B05D-D214-4BD2-8C3B-25ECF299F0AD}"/>
+              </a:ext>
+            </a:extLst>
+          </p:cNvPr>
+          <p:cNvSpPr/>
+          <p:nvPr/>
+        </p:nvSpPr>
+        <p:spPr>
+          <a:xfrm>
+            <a:off x="2601157" y="4199138"/>
+            <a:ext cx="701336" cy="257452"/>
+          </a:xfrm>
+          <a:prstGeom prst="roundRect">
+            <a:avLst/>
+          </a:prstGeom>
+          <a:noFill/>
+        </p:spPr>
+        <p:style>
+          <a:lnRef idx="2">
+            <a:schemeClr val="accent1">
+              <a:shade val="50000"/>
+            </a:schemeClr>
+          </a:lnRef>
+          <a:fillRef idx="1">
+            <a:schemeClr val="accent1"/>
+          </a:fillRef>
+          <a:effectRef idx="0">
+            <a:schemeClr val="accent1"/>
+          </a:effectRef>
+          <a:fontRef idx="minor">
+            <a:schemeClr val="lt1"/>
+          </a:fontRef>
+        </p:style>
+        <p:txBody>
+          <a:bodyPr rtlCol="0" anchor="ctr"/>
+          <a:lstStyle/>
+          <a:p>
+            <a:pPr algn="ctr"/>
+            <a:endParaRPr lang="ko-KR" altLang="en-US"/>
+          </a:p>
+        </p:txBody>
+      </p:sp>
+      <p:sp>
+        <p:nvSpPr>
+          <p:cNvPr id="12" name="사각형: 둥근 모서리 11">
+            <a:extLst>
+              <a:ext uri="{FF2B5EF4-FFF2-40B4-BE49-F238E27FC236}">
+                <a16:creationId xmlns:a16="http://schemas.microsoft.com/office/drawing/2014/main" id="{F23D2CDB-E137-42C2-B372-D4F28840DF20}"/>
+              </a:ext>
+            </a:extLst>
+          </p:cNvPr>
+          <p:cNvSpPr/>
+          <p:nvPr/>
+        </p:nvSpPr>
+        <p:spPr>
+          <a:xfrm>
+            <a:off x="2086252" y="6090082"/>
+            <a:ext cx="665826" cy="213064"/>
+          </a:xfrm>
+          <a:prstGeom prst="roundRect">
+            <a:avLst/>
+          </a:prstGeom>
+          <a:noFill/>
+        </p:spPr>
+        <p:style>
+          <a:lnRef idx="2">
+            <a:schemeClr val="accent1">
+              <a:shade val="50000"/>
+            </a:schemeClr>
+          </a:lnRef>
+          <a:fillRef idx="1">
+            <a:schemeClr val="accent1"/>
+          </a:fillRef>
+          <a:effectRef idx="0">
+            <a:schemeClr val="accent1"/>
+          </a:effectRef>
+          <a:fontRef idx="minor">
+            <a:schemeClr val="lt1"/>
+          </a:fontRef>
+        </p:style>
+        <p:txBody>
+          <a:bodyPr rtlCol="0" anchor="ctr"/>
+          <a:lstStyle/>
+          <a:p>
+            <a:pPr algn="ctr"/>
+            <a:endParaRPr lang="ko-KR" altLang="en-US"/>
+          </a:p>
+        </p:txBody>
+      </p:sp>
+    </p:spTree>
+    <p:extLst>
+      <p:ext uri="{BB962C8B-B14F-4D97-AF65-F5344CB8AC3E}">
+        <p14:creationId xmlns:p14="http://schemas.microsoft.com/office/powerpoint/2010/main" val="3293199965"/>
+      </p:ext>
+    </p:extLst>
+  </p:cSld>
+  <p:clrMapOvr>
+    <a:masterClrMapping/>
+  </p:clrMapOvr>
+</p:sld>
+</file>
+
+<file path=ppt/slides/slide17.xml><?xml version="1.0" encoding="utf-8"?>
+<p:sld xmlns:a="http://schemas.openxmlformats.org/drawingml/2006/main" xmlns:r="http://schemas.openxmlformats.org/officeDocument/2006/relationships" xmlns:p="http://schemas.openxmlformats.org/presentationml/2006/main">
+  <p:cSld>
+    <p:spTree>
+      <p:nvGrpSpPr>
+        <p:cNvPr id="1" name=""/>
+        <p:cNvGrpSpPr/>
+        <p:nvPr/>
+      </p:nvGrpSpPr>
+      <p:grpSpPr>
+        <a:xfrm>
+          <a:off x="0" y="0"/>
+          <a:ext cx="0" cy="0"/>
+          <a:chOff x="0" y="0"/>
+          <a:chExt cx="0" cy="0"/>
+        </a:xfrm>
+      </p:grpSpPr>
+      <p:sp>
+        <p:nvSpPr>
+          <p:cNvPr id="2" name="제목 1">
+            <a:extLst>
+              <a:ext uri="{FF2B5EF4-FFF2-40B4-BE49-F238E27FC236}">
+                <a16:creationId xmlns:a16="http://schemas.microsoft.com/office/drawing/2014/main" id="{CD09ACC6-4C92-4614-BEBF-B9A10DB7B72F}"/>
+              </a:ext>
+            </a:extLst>
+          </p:cNvPr>
+          <p:cNvSpPr>
+            <a:spLocks noGrp="1"/>
+          </p:cNvSpPr>
+          <p:nvPr>
+            <p:ph type="title"/>
+          </p:nvPr>
+        </p:nvSpPr>
+        <p:spPr/>
+        <p:txBody>
+          <a:bodyPr/>
+          <a:lstStyle/>
+          <a:p>
+            <a:r>
+              <a:rPr lang="ko-KR" altLang="en-US" dirty="0"/>
+              <a:t>연세대 언론홍보영상학부</a:t>
+            </a:r>
+          </a:p>
+        </p:txBody>
+      </p:sp>
+      <p:sp>
+        <p:nvSpPr>
+          <p:cNvPr id="3" name="내용 개체 틀 2">
+            <a:extLst>
+              <a:ext uri="{FF2B5EF4-FFF2-40B4-BE49-F238E27FC236}">
+                <a16:creationId xmlns:a16="http://schemas.microsoft.com/office/drawing/2014/main" id="{D9760CB5-045C-4AE6-A548-5759933FB6B1}"/>
+              </a:ext>
+            </a:extLst>
+          </p:cNvPr>
+          <p:cNvSpPr>
+            <a:spLocks noGrp="1"/>
+          </p:cNvSpPr>
+          <p:nvPr>
+            <p:ph idx="1"/>
+          </p:nvPr>
+        </p:nvSpPr>
+        <p:spPr/>
+        <p:txBody>
+          <a:bodyPr/>
+          <a:lstStyle/>
+          <a:p>
+            <a:endParaRPr lang="ko-KR" altLang="en-US" dirty="0"/>
+          </a:p>
+        </p:txBody>
+      </p:sp>
+      <p:pic>
+        <p:nvPicPr>
+          <p:cNvPr id="7" name="그림 6">
+            <a:extLst>
+              <a:ext uri="{FF2B5EF4-FFF2-40B4-BE49-F238E27FC236}">
+                <a16:creationId xmlns:a16="http://schemas.microsoft.com/office/drawing/2014/main" id="{4AED2072-7FE3-4AB1-925B-B34C9148FD00}"/>
+              </a:ext>
+            </a:extLst>
+          </p:cNvPr>
+          <p:cNvPicPr>
+            <a:picLocks noChangeAspect="1"/>
+          </p:cNvPicPr>
+          <p:nvPr/>
+        </p:nvPicPr>
+        <p:blipFill>
+          <a:blip r:embed="rId2"/>
+          <a:stretch>
+            <a:fillRect/>
+          </a:stretch>
+        </p:blipFill>
+        <p:spPr>
+          <a:xfrm>
+            <a:off x="1" y="3229131"/>
+            <a:ext cx="3062062" cy="3628869"/>
+          </a:xfrm>
+          <a:prstGeom prst="rect">
+            <a:avLst/>
+          </a:prstGeom>
+        </p:spPr>
+      </p:pic>
+      <p:pic>
+        <p:nvPicPr>
+          <p:cNvPr id="8" name="그림 7">
+            <a:extLst>
+              <a:ext uri="{FF2B5EF4-FFF2-40B4-BE49-F238E27FC236}">
+                <a16:creationId xmlns:a16="http://schemas.microsoft.com/office/drawing/2014/main" id="{4A67B844-4A51-47BF-B975-C98ED7550C8C}"/>
+              </a:ext>
+            </a:extLst>
+          </p:cNvPr>
+          <p:cNvPicPr>
+            <a:picLocks noChangeAspect="1"/>
+          </p:cNvPicPr>
+          <p:nvPr/>
+        </p:nvPicPr>
+        <p:blipFill>
+          <a:blip r:embed="rId3"/>
+          <a:stretch>
+            <a:fillRect/>
+          </a:stretch>
+        </p:blipFill>
+        <p:spPr>
+          <a:xfrm>
+            <a:off x="5529838" y="2971920"/>
+            <a:ext cx="5677692" cy="257211"/>
+          </a:xfrm>
+          <a:prstGeom prst="rect">
+            <a:avLst/>
+          </a:prstGeom>
+        </p:spPr>
+      </p:pic>
+      <p:pic>
+        <p:nvPicPr>
+          <p:cNvPr id="9" name="그림 8">
+            <a:extLst>
+              <a:ext uri="{FF2B5EF4-FFF2-40B4-BE49-F238E27FC236}">
+                <a16:creationId xmlns:a16="http://schemas.microsoft.com/office/drawing/2014/main" id="{C9B1A652-2CFE-4C54-BB09-C2D3CAB1DB73}"/>
+              </a:ext>
+            </a:extLst>
+          </p:cNvPr>
+          <p:cNvPicPr>
+            <a:picLocks noChangeAspect="1"/>
+          </p:cNvPicPr>
+          <p:nvPr/>
+        </p:nvPicPr>
+        <p:blipFill>
+          <a:blip r:embed="rId4"/>
+          <a:stretch>
+            <a:fillRect/>
+          </a:stretch>
+        </p:blipFill>
+        <p:spPr>
+          <a:xfrm>
+            <a:off x="5529838" y="1661958"/>
+            <a:ext cx="5677692" cy="1314633"/>
+          </a:xfrm>
+          <a:prstGeom prst="rect">
+            <a:avLst/>
+          </a:prstGeom>
+        </p:spPr>
+      </p:pic>
+      <p:pic>
+        <p:nvPicPr>
+          <p:cNvPr id="10" name="그림 9">
+            <a:extLst>
+              <a:ext uri="{FF2B5EF4-FFF2-40B4-BE49-F238E27FC236}">
+                <a16:creationId xmlns:a16="http://schemas.microsoft.com/office/drawing/2014/main" id="{7A7B717D-3E43-40F0-B896-71C9AE14DA97}"/>
+              </a:ext>
+            </a:extLst>
+          </p:cNvPr>
+          <p:cNvPicPr>
+            <a:picLocks noChangeAspect="1"/>
+          </p:cNvPicPr>
+          <p:nvPr/>
+        </p:nvPicPr>
+        <p:blipFill>
+          <a:blip r:embed="rId5"/>
+          <a:stretch>
+            <a:fillRect/>
+          </a:stretch>
+        </p:blipFill>
+        <p:spPr>
+          <a:xfrm>
+            <a:off x="2997485" y="5264459"/>
+            <a:ext cx="4926799" cy="1504765"/>
+          </a:xfrm>
+          <a:prstGeom prst="rect">
+            <a:avLst/>
+          </a:prstGeom>
+        </p:spPr>
+      </p:pic>
+      <p:pic>
+        <p:nvPicPr>
+          <p:cNvPr id="12" name="그림 11">
+            <a:extLst>
+              <a:ext uri="{FF2B5EF4-FFF2-40B4-BE49-F238E27FC236}">
+                <a16:creationId xmlns:a16="http://schemas.microsoft.com/office/drawing/2014/main" id="{7D27DAFA-9EC4-4111-A4BA-CC5ACC8EB21C}"/>
+              </a:ext>
+            </a:extLst>
+          </p:cNvPr>
+          <p:cNvPicPr>
+            <a:picLocks noChangeAspect="1"/>
+          </p:cNvPicPr>
+          <p:nvPr/>
+        </p:nvPicPr>
+        <p:blipFill>
+          <a:blip r:embed="rId6"/>
+          <a:stretch>
+            <a:fillRect/>
+          </a:stretch>
+        </p:blipFill>
+        <p:spPr>
+          <a:xfrm>
+            <a:off x="3753477" y="3404377"/>
+            <a:ext cx="6464722" cy="1684836"/>
+          </a:xfrm>
+          <a:prstGeom prst="rect">
+            <a:avLst/>
+          </a:prstGeom>
+        </p:spPr>
+      </p:pic>
+    </p:spTree>
+    <p:extLst>
+      <p:ext uri="{BB962C8B-B14F-4D97-AF65-F5344CB8AC3E}">
+        <p14:creationId xmlns:p14="http://schemas.microsoft.com/office/powerpoint/2010/main" val="1031548038"/>
+      </p:ext>
+    </p:extLst>
+  </p:cSld>
+  <p:clrMapOvr>
+    <a:masterClrMapping/>
+  </p:clrMapOvr>
+</p:sld>
+</file>
+
+<file path=ppt/slides/slide18.xml><?xml version="1.0" encoding="utf-8"?>
+<p:sld xmlns:a="http://schemas.openxmlformats.org/drawingml/2006/main" xmlns:r="http://schemas.openxmlformats.org/officeDocument/2006/relationships" xmlns:p="http://schemas.openxmlformats.org/presentationml/2006/main">
+  <p:cSld>
+    <p:spTree>
+      <p:nvGrpSpPr>
+        <p:cNvPr id="1" name=""/>
+        <p:cNvGrpSpPr/>
+        <p:nvPr/>
+      </p:nvGrpSpPr>
+      <p:grpSpPr>
+        <a:xfrm>
+          <a:off x="0" y="0"/>
+          <a:ext cx="0" cy="0"/>
+          <a:chOff x="0" y="0"/>
+          <a:chExt cx="0" cy="0"/>
+        </a:xfrm>
+      </p:grpSpPr>
+      <p:sp>
+        <p:nvSpPr>
+          <p:cNvPr id="2" name="제목 1">
+            <a:extLst>
+              <a:ext uri="{FF2B5EF4-FFF2-40B4-BE49-F238E27FC236}">
+                <a16:creationId xmlns:a16="http://schemas.microsoft.com/office/drawing/2014/main" id="{91349D75-D3F5-4C57-BC69-6BADA50D1F61}"/>
+              </a:ext>
+            </a:extLst>
+          </p:cNvPr>
+          <p:cNvSpPr>
+            <a:spLocks noGrp="1"/>
+          </p:cNvSpPr>
+          <p:nvPr>
+            <p:ph type="title"/>
+          </p:nvPr>
+        </p:nvSpPr>
+        <p:spPr/>
+        <p:txBody>
+          <a:bodyPr/>
+          <a:lstStyle/>
+          <a:p>
+            <a:r>
+              <a:rPr lang="ko-KR" altLang="en-US" dirty="0"/>
+              <a:t>학과 진학 위한 노력</a:t>
+            </a:r>
+          </a:p>
+        </p:txBody>
+      </p:sp>
+      <p:sp>
+        <p:nvSpPr>
+          <p:cNvPr id="3" name="내용 개체 틀 2">
+            <a:extLst>
+              <a:ext uri="{FF2B5EF4-FFF2-40B4-BE49-F238E27FC236}">
+                <a16:creationId xmlns:a16="http://schemas.microsoft.com/office/drawing/2014/main" id="{58DBB63D-9254-4EE6-83AD-90612ECDDC31}"/>
+              </a:ext>
+            </a:extLst>
+          </p:cNvPr>
+          <p:cNvSpPr>
+            <a:spLocks noGrp="1"/>
+          </p:cNvSpPr>
+          <p:nvPr>
+            <p:ph idx="1"/>
+          </p:nvPr>
+        </p:nvSpPr>
+        <p:spPr/>
+        <p:txBody>
+          <a:bodyPr/>
+          <a:lstStyle/>
+          <a:p>
+            <a:r>
+              <a:rPr lang="ko-KR" altLang="en-US" dirty="0" err="1"/>
+              <a:t>방송부</a:t>
+            </a:r>
+            <a:r>
+              <a:rPr lang="ko-KR" altLang="en-US" dirty="0"/>
+              <a:t> 활동에서 많은 것을 해보고</a:t>
+            </a:r>
+            <a:r>
+              <a:rPr lang="en-US" altLang="ko-KR" dirty="0"/>
+              <a:t>, </a:t>
+            </a:r>
+            <a:r>
+              <a:rPr lang="ko-KR" altLang="en-US" dirty="0"/>
+              <a:t>자율동아리 </a:t>
+            </a:r>
+            <a:r>
+              <a:rPr lang="ko-KR" altLang="en-US" dirty="0" err="1"/>
+              <a:t>글에빗에서도</a:t>
+            </a:r>
+            <a:r>
+              <a:rPr lang="ko-KR" altLang="en-US" dirty="0"/>
+              <a:t> 다양한 경험을 쌓고</a:t>
+            </a:r>
+            <a:r>
+              <a:rPr lang="en-US" altLang="ko-KR" dirty="0"/>
+              <a:t>, </a:t>
+            </a:r>
+            <a:r>
+              <a:rPr lang="ko-KR" altLang="en-US" dirty="0"/>
+              <a:t>독서를 많이 </a:t>
+            </a:r>
+            <a:r>
+              <a:rPr lang="ko-KR" altLang="en-US" dirty="0" err="1"/>
+              <a:t>해봐야겠다</a:t>
+            </a:r>
+            <a:r>
+              <a:rPr lang="en-US" altLang="ko-KR" dirty="0"/>
+              <a:t>.</a:t>
+            </a:r>
+          </a:p>
+          <a:p>
+            <a:r>
+              <a:rPr lang="ko-KR" altLang="en-US" dirty="0"/>
+              <a:t> 영상과 웹</a:t>
+            </a:r>
+            <a:r>
+              <a:rPr lang="en-US" altLang="ko-KR" dirty="0"/>
+              <a:t>, </a:t>
+            </a:r>
+            <a:r>
+              <a:rPr lang="ko-KR" altLang="en-US" dirty="0"/>
+              <a:t>더 나아가 인쇄 출판과 같은</a:t>
+            </a:r>
+            <a:r>
+              <a:rPr lang="en-US" altLang="ko-KR" dirty="0"/>
+              <a:t>, </a:t>
+            </a:r>
+            <a:r>
+              <a:rPr lang="ko-KR" altLang="en-US" dirty="0"/>
+              <a:t>더 다양한 매체에 대한 이해를 다지고</a:t>
+            </a:r>
+            <a:r>
+              <a:rPr lang="en-US" altLang="ko-KR" dirty="0"/>
+              <a:t>, </a:t>
+            </a:r>
+            <a:r>
+              <a:rPr lang="ko-KR" altLang="en-US" dirty="0"/>
+              <a:t>이에 대해 적극적으로 활동하고 기록하여 생기부를 </a:t>
+            </a:r>
+            <a:r>
+              <a:rPr lang="ko-KR" altLang="en-US" dirty="0" err="1"/>
+              <a:t>채워야겠다</a:t>
+            </a:r>
+            <a:r>
+              <a:rPr lang="en-US" altLang="ko-KR" dirty="0"/>
+              <a:t>.</a:t>
+            </a:r>
+          </a:p>
+          <a:p>
+            <a:r>
+              <a:rPr lang="ko-KR" altLang="en-US" dirty="0"/>
+              <a:t>내신 성적을 </a:t>
+            </a:r>
+            <a:r>
+              <a:rPr lang="ko-KR" altLang="en-US" dirty="0" err="1"/>
+              <a:t>관리해야겠다</a:t>
+            </a:r>
+            <a:r>
+              <a:rPr lang="en-US" altLang="ko-KR" dirty="0"/>
+              <a:t>.</a:t>
+            </a:r>
+          </a:p>
+          <a:p>
+            <a:endParaRPr lang="en-US" altLang="ko-KR" dirty="0"/>
+          </a:p>
+          <a:p>
+            <a:r>
+              <a:rPr lang="ko-KR" altLang="en-US" b="1" dirty="0"/>
+              <a:t>학과 관련 독서</a:t>
+            </a:r>
+            <a:r>
+              <a:rPr lang="en-US" altLang="ko-KR" b="1" dirty="0"/>
+              <a:t>: </a:t>
+            </a:r>
+            <a:r>
+              <a:rPr lang="ko-KR" altLang="en-US" dirty="0" err="1"/>
+              <a:t>문화콘텐츠</a:t>
+            </a:r>
+            <a:r>
+              <a:rPr lang="ko-KR" altLang="en-US" dirty="0"/>
+              <a:t> </a:t>
+            </a:r>
+            <a:r>
+              <a:rPr lang="en-US" altLang="ko-KR" dirty="0"/>
+              <a:t>DNA </a:t>
+            </a:r>
+            <a:r>
+              <a:rPr lang="ko-KR" altLang="en-US" dirty="0"/>
+              <a:t>스토리텔링</a:t>
+            </a:r>
+            <a:r>
+              <a:rPr lang="en-US" altLang="ko-KR" dirty="0"/>
+              <a:t>,</a:t>
+            </a:r>
+            <a:r>
+              <a:rPr lang="ko-KR" altLang="en-US" dirty="0"/>
+              <a:t> 우리에게 </a:t>
+            </a:r>
+            <a:r>
+              <a:rPr lang="en-US" altLang="ko-KR" dirty="0"/>
+              <a:t>IT</a:t>
+            </a:r>
+            <a:r>
+              <a:rPr lang="ko-KR" altLang="en-US" dirty="0"/>
+              <a:t>란 무엇인가</a:t>
+            </a:r>
+            <a:r>
+              <a:rPr lang="en-US" altLang="ko-KR" dirty="0"/>
+              <a:t>, </a:t>
+            </a:r>
+            <a:r>
+              <a:rPr lang="ko-KR" altLang="en-US" dirty="0"/>
+              <a:t>스토리텔링의 비밀</a:t>
+            </a:r>
+            <a:r>
+              <a:rPr lang="en-US" altLang="ko-KR" dirty="0"/>
+              <a:t>, </a:t>
+            </a:r>
+            <a:r>
+              <a:rPr lang="ko-KR" altLang="en-US" dirty="0" err="1"/>
+              <a:t>베르나르</a:t>
+            </a:r>
+            <a:r>
+              <a:rPr lang="ko-KR" altLang="en-US" dirty="0"/>
+              <a:t> </a:t>
+            </a:r>
+            <a:r>
+              <a:rPr lang="ko-KR" altLang="en-US" dirty="0" err="1"/>
+              <a:t>베르베르의</a:t>
+            </a:r>
+            <a:r>
+              <a:rPr lang="ko-KR" altLang="en-US" dirty="0"/>
+              <a:t> 상상력 사전</a:t>
+            </a:r>
+            <a:r>
+              <a:rPr lang="en-US" altLang="ko-KR" dirty="0"/>
+              <a:t>, </a:t>
+            </a:r>
+            <a:r>
+              <a:rPr lang="ko-KR" altLang="en-US" dirty="0"/>
+              <a:t>커뮤니케이션을 공부하는 당신을 위하여</a:t>
+            </a:r>
+            <a:r>
+              <a:rPr lang="en-US" altLang="ko-KR" dirty="0"/>
+              <a:t>, </a:t>
+            </a:r>
+            <a:r>
+              <a:rPr lang="ko-KR" altLang="en-US" dirty="0"/>
+              <a:t>대중문화의 이해</a:t>
+            </a:r>
+            <a:r>
+              <a:rPr lang="en-US" altLang="ko-KR" dirty="0"/>
+              <a:t>, </a:t>
+            </a:r>
+            <a:r>
+              <a:rPr lang="ko-KR" altLang="en-US" dirty="0"/>
+              <a:t>뉴미디어 사상과 문화 </a:t>
+            </a:r>
+            <a:r>
+              <a:rPr lang="en-US" altLang="ko-KR" dirty="0"/>
+              <a:t>… </a:t>
+            </a:r>
+            <a:r>
+              <a:rPr lang="ko-KR" altLang="en-US" dirty="0"/>
+              <a:t>등등</a:t>
+            </a:r>
+          </a:p>
+          <a:p>
+            <a:endParaRPr lang="ko-KR" altLang="en-US" dirty="0"/>
+          </a:p>
+        </p:txBody>
+      </p:sp>
+    </p:spTree>
+    <p:extLst>
+      <p:ext uri="{BB962C8B-B14F-4D97-AF65-F5344CB8AC3E}">
+        <p14:creationId xmlns:p14="http://schemas.microsoft.com/office/powerpoint/2010/main" val="2147189081"/>
+      </p:ext>
+    </p:extLst>
+  </p:cSld>
+  <p:clrMapOvr>
+    <a:masterClrMapping/>
+  </p:clrMapOvr>
+</p:sld>
+</file>
+
+<file path=ppt/slides/slide19.xml><?xml version="1.0" encoding="utf-8"?>
+<p:sld xmlns:a="http://schemas.openxmlformats.org/drawingml/2006/main" xmlns:r="http://schemas.openxmlformats.org/officeDocument/2006/relationships" xmlns:p="http://schemas.openxmlformats.org/presentationml/2006/main">
+  <p:cSld>
+    <p:spTree>
+      <p:nvGrpSpPr>
+        <p:cNvPr id="1" name=""/>
+        <p:cNvGrpSpPr/>
+        <p:nvPr/>
+      </p:nvGrpSpPr>
+      <p:grpSpPr>
+        <a:xfrm>
+          <a:off x="0" y="0"/>
+          <a:ext cx="0" cy="0"/>
+          <a:chOff x="0" y="0"/>
+          <a:chExt cx="0" cy="0"/>
+        </a:xfrm>
+      </p:grpSpPr>
+      <p:sp>
+        <p:nvSpPr>
+          <p:cNvPr id="2" name="제목 1">
+            <a:extLst>
+              <a:ext uri="{FF2B5EF4-FFF2-40B4-BE49-F238E27FC236}">
+                <a16:creationId xmlns:a16="http://schemas.microsoft.com/office/drawing/2014/main" id="{22834C52-468F-4E0B-BD89-8E18AF05196D}"/>
+              </a:ext>
+            </a:extLst>
+          </p:cNvPr>
+          <p:cNvSpPr>
+            <a:spLocks noGrp="1"/>
+          </p:cNvSpPr>
+          <p:nvPr>
+            <p:ph type="title"/>
+          </p:nvPr>
+        </p:nvSpPr>
+        <p:spPr/>
+        <p:txBody>
+          <a:bodyPr/>
+          <a:lstStyle/>
+          <a:p>
+            <a:r>
+              <a:rPr lang="ko-KR" altLang="en-US" dirty="0"/>
+              <a:t>느낀 점</a:t>
+            </a:r>
+          </a:p>
+        </p:txBody>
+      </p:sp>
+      <p:sp>
+        <p:nvSpPr>
+          <p:cNvPr id="3" name="내용 개체 틀 2">
+            <a:extLst>
+              <a:ext uri="{FF2B5EF4-FFF2-40B4-BE49-F238E27FC236}">
+                <a16:creationId xmlns:a16="http://schemas.microsoft.com/office/drawing/2014/main" id="{EB04B958-8A82-46CD-A665-CB1CD0889C3B}"/>
+              </a:ext>
+            </a:extLst>
+          </p:cNvPr>
+          <p:cNvSpPr>
+            <a:spLocks noGrp="1"/>
+          </p:cNvSpPr>
+          <p:nvPr>
+            <p:ph idx="1"/>
+          </p:nvPr>
+        </p:nvSpPr>
+        <p:spPr/>
+        <p:txBody>
+          <a:bodyPr/>
+          <a:lstStyle/>
+          <a:p>
+            <a:r>
+              <a:rPr lang="ko-KR" altLang="en-US" dirty="0"/>
+              <a:t>진로와 학과에 대해 현실적으로 고민해보며 나에게 맞는 진로와 학과</a:t>
+            </a:r>
+            <a:r>
+              <a:rPr lang="en-US" altLang="ko-KR" dirty="0"/>
+              <a:t>, </a:t>
+            </a:r>
+            <a:r>
+              <a:rPr lang="ko-KR" altLang="en-US" dirty="0"/>
+              <a:t>그리고 앞으로의 방향성에 대해 정립하는 계기 중 하나가 된 것 같다</a:t>
+            </a:r>
+            <a:r>
+              <a:rPr lang="en-US" altLang="ko-KR" dirty="0"/>
+              <a:t>. </a:t>
+            </a:r>
+            <a:r>
+              <a:rPr lang="ko-KR" altLang="en-US" dirty="0"/>
+              <a:t>내가 진학하게 될 그때의 대학과 학과</a:t>
+            </a:r>
+            <a:r>
+              <a:rPr lang="en-US" altLang="ko-KR" dirty="0"/>
+              <a:t>, </a:t>
+            </a:r>
+            <a:r>
+              <a:rPr lang="ko-KR" altLang="en-US" dirty="0"/>
+              <a:t>모집요강 등등 세부적 요소는 조금씩 다를 지 몰라도 이번의 경험이 도움이 될 것이라고 믿어 의심치 않는다</a:t>
+            </a:r>
+            <a:r>
+              <a:rPr lang="en-US" altLang="ko-KR"/>
+              <a:t>.</a:t>
+            </a:r>
+            <a:endParaRPr lang="ko-KR" altLang="en-US"/>
+          </a:p>
+        </p:txBody>
+      </p:sp>
+    </p:spTree>
+    <p:extLst>
+      <p:ext uri="{BB962C8B-B14F-4D97-AF65-F5344CB8AC3E}">
+        <p14:creationId xmlns:p14="http://schemas.microsoft.com/office/powerpoint/2010/main" val="1141946300"/>
+      </p:ext>
+    </p:extLst>
+  </p:cSld>
+  <p:clrMapOvr>
+    <a:masterClrMapping/>
+  </p:clrMapOvr>
+</p:sld>
+</file>
+
+<file path=ppt/slides/slide2.xml><?xml version="1.0" encoding="utf-8"?>
+<p:sld xmlns:a="http://schemas.openxmlformats.org/drawingml/2006/main" xmlns:r="http://schemas.openxmlformats.org/officeDocument/2006/relationships" xmlns:p="http://schemas.openxmlformats.org/presentationml/2006/main">
+  <p:cSld>
+    <p:spTree>
+      <p:nvGrpSpPr>
+        <p:cNvPr id="1" name=""/>
+        <p:cNvGrpSpPr/>
+        <p:nvPr/>
+      </p:nvGrpSpPr>
+      <p:grpSpPr>
+        <a:xfrm>
+          <a:off x="0" y="0"/>
+          <a:ext cx="0" cy="0"/>
+          <a:chOff x="0" y="0"/>
+          <a:chExt cx="0" cy="0"/>
+        </a:xfrm>
+      </p:grpSpPr>
+      <p:sp>
+        <p:nvSpPr>
+          <p:cNvPr id="2" name="제목 1">
+            <a:extLst>
+              <a:ext uri="{FF2B5EF4-FFF2-40B4-BE49-F238E27FC236}">
+                <a16:creationId xmlns:a16="http://schemas.microsoft.com/office/drawing/2014/main" id="{7A69FB29-61DC-4501-8F19-B7F398AB2483}"/>
+              </a:ext>
+            </a:extLst>
+          </p:cNvPr>
+          <p:cNvSpPr>
+            <a:spLocks noGrp="1"/>
+          </p:cNvSpPr>
+          <p:nvPr>
+            <p:ph type="title"/>
+          </p:nvPr>
+        </p:nvSpPr>
+        <p:spPr/>
+        <p:txBody>
+          <a:bodyPr/>
+          <a:lstStyle/>
+          <a:p>
+            <a:r>
+              <a:rPr lang="ko-KR" altLang="en-US" dirty="0"/>
+              <a:t>멀티미디어 진로</a:t>
+            </a:r>
+          </a:p>
+        </p:txBody>
+      </p:sp>
+      <p:sp>
+        <p:nvSpPr>
+          <p:cNvPr id="3" name="내용 개체 틀 2">
+            <a:extLst>
+              <a:ext uri="{FF2B5EF4-FFF2-40B4-BE49-F238E27FC236}">
+                <a16:creationId xmlns:a16="http://schemas.microsoft.com/office/drawing/2014/main" id="{55CEF7A8-119B-424C-A24A-79F167AD1326}"/>
+              </a:ext>
+            </a:extLst>
+          </p:cNvPr>
+          <p:cNvSpPr>
+            <a:spLocks noGrp="1"/>
+          </p:cNvSpPr>
+          <p:nvPr>
+            <p:ph idx="1"/>
+          </p:nvPr>
+        </p:nvSpPr>
+        <p:spPr/>
+        <p:txBody>
+          <a:bodyPr>
+            <a:normAutofit/>
+          </a:bodyPr>
+          <a:lstStyle/>
+          <a:p>
+            <a:r>
+              <a:rPr lang="en-US" altLang="ko-KR" sz="3000" dirty="0"/>
+              <a:t>UX</a:t>
+            </a:r>
+            <a:r>
+              <a:rPr lang="ko-KR" altLang="en-US" sz="3000" dirty="0" err="1"/>
+              <a:t>디자인컨설턴트</a:t>
+            </a:r>
+            <a:r>
+              <a:rPr lang="en-US" altLang="ko-KR" sz="3000" dirty="0"/>
+              <a:t>, </a:t>
+            </a:r>
+            <a:r>
+              <a:rPr lang="ko-KR" altLang="en-US" sz="3000" dirty="0"/>
+              <a:t>가상현실전문가</a:t>
+            </a:r>
+            <a:r>
+              <a:rPr lang="en-US" altLang="ko-KR" sz="3000" dirty="0"/>
+              <a:t>, </a:t>
+            </a:r>
+            <a:r>
+              <a:rPr lang="ko-KR" altLang="en-US" sz="3000" dirty="0" err="1"/>
+              <a:t>개인미디어콘텐츠제작자</a:t>
+            </a:r>
+            <a:r>
+              <a:rPr lang="en-US" altLang="ko-KR" sz="3000" dirty="0"/>
+              <a:t>(</a:t>
+            </a:r>
+            <a:r>
+              <a:rPr lang="ko-KR" altLang="en-US" sz="3000" dirty="0" err="1"/>
+              <a:t>크리에이터</a:t>
+            </a:r>
+            <a:r>
+              <a:rPr lang="en-US" altLang="ko-KR" sz="3000" dirty="0"/>
+              <a:t>), </a:t>
+            </a:r>
+            <a:r>
+              <a:rPr lang="ko-KR" altLang="en-US" sz="3000" dirty="0"/>
+              <a:t>게임기획자</a:t>
+            </a:r>
+            <a:r>
+              <a:rPr lang="en-US" altLang="ko-KR" sz="3000" dirty="0"/>
+              <a:t>, </a:t>
+            </a:r>
+            <a:r>
+              <a:rPr lang="ko-KR" altLang="en-US" sz="3000" dirty="0" err="1"/>
+              <a:t>드론콘텐츠전문가</a:t>
+            </a:r>
+            <a:r>
+              <a:rPr lang="en-US" altLang="ko-KR" sz="3000" dirty="0"/>
+              <a:t>, </a:t>
+            </a:r>
+            <a:r>
+              <a:rPr lang="ko-KR" altLang="en-US" sz="3000" dirty="0" err="1"/>
+              <a:t>디지털큐레이터</a:t>
+            </a:r>
+            <a:r>
+              <a:rPr lang="en-US" altLang="ko-KR" sz="3000" dirty="0"/>
+              <a:t>, </a:t>
+            </a:r>
+            <a:r>
+              <a:rPr lang="ko-KR" altLang="en-US" sz="3000" dirty="0" err="1"/>
+              <a:t>모바일콘텐츠개발자</a:t>
+            </a:r>
+            <a:r>
+              <a:rPr lang="en-US" altLang="ko-KR" sz="3000" dirty="0"/>
+              <a:t>, </a:t>
+            </a:r>
+            <a:r>
+              <a:rPr lang="ko-KR" altLang="en-US" sz="3000" dirty="0" err="1"/>
+              <a:t>문화콘텐츠전문가</a:t>
+            </a:r>
+            <a:r>
+              <a:rPr lang="en-US" altLang="ko-KR" sz="3000" dirty="0"/>
+              <a:t>, </a:t>
+            </a:r>
+            <a:r>
+              <a:rPr lang="ko-KR" altLang="en-US" sz="3000" dirty="0" err="1"/>
+              <a:t>미디어파사드디자이너</a:t>
+            </a:r>
+            <a:r>
+              <a:rPr lang="en-US" altLang="ko-KR" sz="3000" dirty="0"/>
+              <a:t>, </a:t>
+            </a:r>
+            <a:r>
+              <a:rPr lang="ko-KR" altLang="en-US" sz="3000" dirty="0"/>
+              <a:t>비디오게임디자이너</a:t>
+            </a:r>
+            <a:r>
+              <a:rPr lang="en-US" altLang="ko-KR" sz="3000" dirty="0"/>
+              <a:t>, </a:t>
+            </a:r>
+            <a:r>
+              <a:rPr lang="ko-KR" altLang="en-US" sz="3000" dirty="0"/>
+              <a:t>웹프로듀서</a:t>
+            </a:r>
+          </a:p>
+        </p:txBody>
+      </p:sp>
+      <p:sp>
+        <p:nvSpPr>
+          <p:cNvPr id="4" name="제목 1">
+            <a:extLst>
+              <a:ext uri="{FF2B5EF4-FFF2-40B4-BE49-F238E27FC236}">
+                <a16:creationId xmlns:a16="http://schemas.microsoft.com/office/drawing/2014/main" id="{F46BC776-D5BE-434A-A50E-396F8C6C1750}"/>
+              </a:ext>
+            </a:extLst>
+          </p:cNvPr>
+          <p:cNvSpPr txBox="1">
+            <a:spLocks/>
+          </p:cNvSpPr>
+          <p:nvPr/>
+        </p:nvSpPr>
+        <p:spPr bwMode="gray">
+          <a:xfrm>
+            <a:off x="7527284" y="973668"/>
+            <a:ext cx="8761413" cy="706964"/>
+          </a:xfrm>
+          <a:prstGeom prst="rect">
+            <a:avLst/>
+          </a:prstGeom>
+        </p:spPr>
+        <p:txBody>
+          <a:bodyPr vert="horz" lIns="91440" tIns="45720" rIns="91440" bIns="45720" rtlCol="0" anchor="ctr">
+            <a:noAutofit/>
+          </a:bodyPr>
+          <a:lstStyle>
+            <a:lvl1pPr algn="l" defTabSz="457200" rtl="0" eaLnBrk="1" latinLnBrk="1" hangingPunct="1">
+              <a:spcBef>
+                <a:spcPct val="0"/>
+              </a:spcBef>
+              <a:buNone/>
+              <a:defRPr sz="3600" b="0" i="0" kern="1200">
+                <a:solidFill>
+                  <a:schemeClr val="bg2"/>
+                </a:solidFill>
+                <a:latin typeface="+mj-lt"/>
+                <a:ea typeface="+mj-ea"/>
+                <a:cs typeface="+mj-cs"/>
+              </a:defRPr>
+            </a:lvl1pPr>
+            <a:lvl2pPr eaLnBrk="1" latinLnBrk="1" hangingPunct="1">
+              <a:defRPr>
+                <a:solidFill>
+                  <a:schemeClr val="tx2"/>
+                </a:solidFill>
+              </a:defRPr>
+            </a:lvl2pPr>
+            <a:lvl3pPr eaLnBrk="1" latinLnBrk="1" hangingPunct="1">
+              <a:defRPr>
+                <a:solidFill>
+                  <a:schemeClr val="tx2"/>
+                </a:solidFill>
+              </a:defRPr>
+            </a:lvl3pPr>
+            <a:lvl4pPr eaLnBrk="1" latinLnBrk="1" hangingPunct="1">
+              <a:defRPr>
+                <a:solidFill>
+                  <a:schemeClr val="tx2"/>
+                </a:solidFill>
+              </a:defRPr>
+            </a:lvl4pPr>
+            <a:lvl5pPr eaLnBrk="1" latinLnBrk="1" hangingPunct="1">
+              <a:defRPr>
+                <a:solidFill>
+                  <a:schemeClr val="tx2"/>
+                </a:solidFill>
+              </a:defRPr>
+            </a:lvl5pPr>
+            <a:lvl6pPr eaLnBrk="1" latinLnBrk="1" hangingPunct="1">
+              <a:defRPr>
+                <a:solidFill>
+                  <a:schemeClr val="tx2"/>
+                </a:solidFill>
+              </a:defRPr>
+            </a:lvl6pPr>
+            <a:lvl7pPr eaLnBrk="1" latinLnBrk="1" hangingPunct="1">
+              <a:defRPr>
+                <a:solidFill>
+                  <a:schemeClr val="tx2"/>
+                </a:solidFill>
+              </a:defRPr>
+            </a:lvl7pPr>
+            <a:lvl8pPr eaLnBrk="1" latinLnBrk="1" hangingPunct="1">
+              <a:defRPr>
+                <a:solidFill>
+                  <a:schemeClr val="tx2"/>
+                </a:solidFill>
+              </a:defRPr>
+            </a:lvl8pPr>
+            <a:lvl9pPr eaLnBrk="1" latinLnBrk="1" hangingPunct="1">
+              <a:defRPr>
+                <a:solidFill>
+                  <a:schemeClr val="tx2"/>
+                </a:solidFill>
+              </a:defRPr>
+            </a:lvl9pPr>
+          </a:lstStyle>
+          <a:p>
+            <a:r>
+              <a:rPr lang="ko-KR" altLang="en-US" dirty="0" err="1"/>
+              <a:t>문화콘텐츠</a:t>
+            </a:r>
+            <a:r>
+              <a:rPr lang="ko-KR" altLang="en-US" dirty="0"/>
+              <a:t> 진로</a:t>
+            </a:r>
+          </a:p>
+        </p:txBody>
+      </p:sp>
+      <p:sp>
+        <p:nvSpPr>
+          <p:cNvPr id="5" name="내용 개체 틀 2">
+            <a:extLst>
+              <a:ext uri="{FF2B5EF4-FFF2-40B4-BE49-F238E27FC236}">
+                <a16:creationId xmlns:a16="http://schemas.microsoft.com/office/drawing/2014/main" id="{E938367D-A965-4948-8AD4-A56CD8D038F2}"/>
+              </a:ext>
+            </a:extLst>
+          </p:cNvPr>
+          <p:cNvSpPr txBox="1">
+            <a:spLocks/>
+          </p:cNvSpPr>
+          <p:nvPr/>
+        </p:nvSpPr>
+        <p:spPr>
+          <a:xfrm>
+            <a:off x="1307354" y="5149850"/>
+            <a:ext cx="8825659" cy="3416300"/>
+          </a:xfrm>
+          <a:prstGeom prst="rect">
+            <a:avLst/>
+          </a:prstGeom>
+        </p:spPr>
+        <p:txBody>
+          <a:bodyPr vert="horz" lIns="91440" tIns="45720" rIns="91440" bIns="45720" rtlCol="0">
+            <a:normAutofit/>
+          </a:bodyPr>
+          <a:lstStyle>
+            <a:lvl1pPr marL="342900" indent="-342900" algn="l" defTabSz="457200" rtl="0" eaLnBrk="1" latinLnBrk="1" hangingPunct="1">
+              <a:spcBef>
+                <a:spcPts val="1000"/>
+              </a:spcBef>
+              <a:spcAft>
+                <a:spcPts val="0"/>
+              </a:spcAft>
+              <a:buClr>
+                <a:schemeClr val="accent1"/>
+              </a:buClr>
+              <a:buSzPct val="80000"/>
+              <a:buFont typeface="Wingdings 3" charset="2"/>
+              <a:buChar char=""/>
+              <a:defRPr sz="1800" b="0" i="0" kern="1200">
+                <a:solidFill>
+                  <a:schemeClr val="tx1">
+                    <a:lumMod val="75000"/>
+                    <a:lumOff val="25000"/>
+                  </a:schemeClr>
+                </a:solidFill>
+                <a:latin typeface="+mn-lt"/>
+                <a:ea typeface="+mn-ea"/>
+                <a:cs typeface="+mn-cs"/>
+              </a:defRPr>
+            </a:lvl1pPr>
+            <a:lvl2pPr marL="742950" indent="-285750" algn="l" defTabSz="457200" rtl="0" eaLnBrk="1" latinLnBrk="1" hangingPunct="1">
+              <a:spcBef>
+                <a:spcPts val="1000"/>
+              </a:spcBef>
+              <a:spcAft>
+                <a:spcPts val="0"/>
+              </a:spcAft>
+              <a:buClr>
+                <a:schemeClr val="accent1"/>
+              </a:buClr>
+              <a:buSzPct val="80000"/>
+              <a:buFont typeface="Wingdings 3" charset="2"/>
+              <a:buChar char=""/>
+              <a:defRPr sz="1600" b="0" i="0" kern="1200">
+                <a:solidFill>
+                  <a:schemeClr val="tx1">
+                    <a:lumMod val="75000"/>
+                    <a:lumOff val="25000"/>
+                  </a:schemeClr>
+                </a:solidFill>
+                <a:latin typeface="+mn-lt"/>
+                <a:ea typeface="+mn-ea"/>
+                <a:cs typeface="+mn-cs"/>
+              </a:defRPr>
+            </a:lvl2pPr>
+            <a:lvl3pPr marL="1143000" indent="-228600" algn="l" defTabSz="457200" rtl="0" eaLnBrk="1" latinLnBrk="1" hangingPunct="1">
+              <a:spcBef>
+                <a:spcPts val="1000"/>
+              </a:spcBef>
+              <a:spcAft>
+                <a:spcPts val="0"/>
+              </a:spcAft>
+              <a:buClr>
+                <a:schemeClr val="accent1"/>
+              </a:buClr>
+              <a:buSzPct val="80000"/>
+              <a:buFont typeface="Wingdings 3" charset="2"/>
+              <a:buChar char=""/>
+              <a:defRPr sz="1400" b="0" i="0" kern="1200">
+                <a:solidFill>
+                  <a:schemeClr val="tx1">
+                    <a:lumMod val="75000"/>
+                    <a:lumOff val="25000"/>
+                  </a:schemeClr>
+                </a:solidFill>
+                <a:latin typeface="+mn-lt"/>
+                <a:ea typeface="+mn-ea"/>
+                <a:cs typeface="+mn-cs"/>
+              </a:defRPr>
+            </a:lvl3pPr>
+            <a:lvl4pPr marL="1600200" indent="-228600" algn="l" defTabSz="457200" rtl="0" eaLnBrk="1" latinLnBrk="1" hangingPunct="1">
+              <a:spcBef>
+                <a:spcPts val="1000"/>
+              </a:spcBef>
+              <a:spcAft>
+                <a:spcPts val="0"/>
+              </a:spcAft>
+              <a:buClr>
+                <a:schemeClr val="accent1"/>
+              </a:buClr>
+              <a:buSzPct val="80000"/>
+              <a:buFont typeface="Wingdings 3" charset="2"/>
+              <a:buChar char=""/>
+              <a:defRPr sz="1200" b="0" i="0" kern="1200">
+                <a:solidFill>
+                  <a:schemeClr val="tx1">
+                    <a:lumMod val="75000"/>
+                    <a:lumOff val="25000"/>
+                  </a:schemeClr>
+                </a:solidFill>
+                <a:latin typeface="+mn-lt"/>
+                <a:ea typeface="+mn-ea"/>
+                <a:cs typeface="+mn-cs"/>
+              </a:defRPr>
+            </a:lvl4pPr>
+            <a:lvl5pPr marL="2057400" indent="-228600" algn="l" defTabSz="457200" rtl="0" eaLnBrk="1" latinLnBrk="1" hangingPunct="1">
+              <a:spcBef>
+                <a:spcPts val="1000"/>
+              </a:spcBef>
+              <a:spcAft>
+                <a:spcPts val="0"/>
+              </a:spcAft>
+              <a:buClr>
+                <a:schemeClr val="accent1"/>
+              </a:buClr>
+              <a:buSzPct val="80000"/>
+              <a:buFont typeface="Wingdings 3" charset="2"/>
+              <a:buChar char=""/>
+              <a:defRPr sz="1200" b="0" i="0" kern="1200">
+                <a:solidFill>
+                  <a:schemeClr val="tx1">
+                    <a:lumMod val="75000"/>
+                    <a:lumOff val="25000"/>
+                  </a:schemeClr>
+                </a:solidFill>
+                <a:latin typeface="+mn-lt"/>
+                <a:ea typeface="+mn-ea"/>
+                <a:cs typeface="+mn-cs"/>
+              </a:defRPr>
+            </a:lvl5pPr>
+            <a:lvl6pPr marL="2514600" indent="-228600" algn="l" defTabSz="457200" rtl="0" eaLnBrk="1" latinLnBrk="1" hangingPunct="1">
+              <a:spcBef>
+                <a:spcPts val="1000"/>
+              </a:spcBef>
+              <a:spcAft>
+                <a:spcPts val="0"/>
+              </a:spcAft>
+              <a:buClr>
+                <a:schemeClr val="accent1"/>
+              </a:buClr>
+              <a:buSzPct val="80000"/>
+              <a:buFont typeface="Wingdings 3" charset="2"/>
+              <a:buChar char=""/>
+              <a:defRPr sz="1200" b="0" i="0" kern="1200">
+                <a:solidFill>
+                  <a:schemeClr val="tx1">
+                    <a:lumMod val="75000"/>
+                    <a:lumOff val="25000"/>
+                  </a:schemeClr>
+                </a:solidFill>
+                <a:latin typeface="+mn-lt"/>
+                <a:ea typeface="+mn-ea"/>
+                <a:cs typeface="+mn-cs"/>
+              </a:defRPr>
+            </a:lvl6pPr>
+            <a:lvl7pPr marL="2971800" indent="-228600" algn="l" defTabSz="457200" rtl="0" eaLnBrk="1" latinLnBrk="1" hangingPunct="1">
+              <a:spcBef>
+                <a:spcPts val="1000"/>
+              </a:spcBef>
+              <a:spcAft>
+                <a:spcPts val="0"/>
+              </a:spcAft>
+              <a:buClr>
+                <a:schemeClr val="accent1"/>
+              </a:buClr>
+              <a:buSzPct val="80000"/>
+              <a:buFont typeface="Wingdings 3" charset="2"/>
+              <a:buChar char=""/>
+              <a:defRPr sz="1200" b="0" i="0" kern="1200">
+                <a:solidFill>
+                  <a:schemeClr val="tx1">
+                    <a:lumMod val="75000"/>
+                    <a:lumOff val="25000"/>
+                  </a:schemeClr>
+                </a:solidFill>
+                <a:latin typeface="+mn-lt"/>
+                <a:ea typeface="+mn-ea"/>
+                <a:cs typeface="+mn-cs"/>
+              </a:defRPr>
+            </a:lvl7pPr>
+            <a:lvl8pPr marL="3429000" indent="-228600" algn="l" defTabSz="457200" rtl="0" eaLnBrk="1" latinLnBrk="1" hangingPunct="1">
+              <a:spcBef>
+                <a:spcPts val="1000"/>
+              </a:spcBef>
+              <a:spcAft>
+                <a:spcPts val="0"/>
+              </a:spcAft>
+              <a:buClr>
+                <a:schemeClr val="accent1"/>
+              </a:buClr>
+              <a:buSzPct val="80000"/>
+              <a:buFont typeface="Wingdings 3" charset="2"/>
+              <a:buChar char=""/>
+              <a:defRPr sz="1200" b="0" i="0" kern="1200">
+                <a:solidFill>
+                  <a:schemeClr val="tx1">
+                    <a:lumMod val="75000"/>
+                    <a:lumOff val="25000"/>
+                  </a:schemeClr>
+                </a:solidFill>
+                <a:latin typeface="+mn-lt"/>
+                <a:ea typeface="+mn-ea"/>
+                <a:cs typeface="+mn-cs"/>
+              </a:defRPr>
+            </a:lvl8pPr>
+            <a:lvl9pPr marL="3886200" indent="-228600" algn="l" defTabSz="457200" rtl="0" eaLnBrk="1" latinLnBrk="1" hangingPunct="1">
+              <a:spcBef>
+                <a:spcPts val="1000"/>
+              </a:spcBef>
+              <a:spcAft>
+                <a:spcPts val="0"/>
+              </a:spcAft>
+              <a:buClr>
+                <a:schemeClr val="accent1"/>
+              </a:buClr>
+              <a:buSzPct val="80000"/>
+              <a:buFont typeface="Wingdings 3" charset="2"/>
+              <a:buChar char=""/>
+              <a:defRPr sz="1200" b="0" i="0" kern="1200">
+                <a:solidFill>
+                  <a:schemeClr val="tx1">
+                    <a:lumMod val="75000"/>
+                    <a:lumOff val="25000"/>
+                  </a:schemeClr>
+                </a:solidFill>
+                <a:latin typeface="+mn-lt"/>
+                <a:ea typeface="+mn-ea"/>
+                <a:cs typeface="+mn-cs"/>
+              </a:defRPr>
+            </a:lvl9pPr>
+          </a:lstStyle>
+          <a:p>
+            <a:r>
+              <a:rPr lang="en-US" altLang="ko-KR" sz="3000" dirty="0"/>
+              <a:t>PD, </a:t>
+            </a:r>
+            <a:r>
+              <a:rPr lang="ko-KR" altLang="en-US" sz="3000" dirty="0"/>
+              <a:t>공연기획자</a:t>
+            </a:r>
+            <a:r>
+              <a:rPr lang="en-US" altLang="ko-KR" sz="3000" dirty="0"/>
+              <a:t>, </a:t>
+            </a:r>
+            <a:r>
+              <a:rPr lang="ko-KR" altLang="en-US" sz="3000" dirty="0"/>
+              <a:t>마케터</a:t>
+            </a:r>
+            <a:r>
+              <a:rPr lang="en-US" altLang="ko-KR" sz="3000" dirty="0"/>
+              <a:t>, </a:t>
+            </a:r>
+            <a:r>
+              <a:rPr lang="ko-KR" altLang="en-US" sz="3000" dirty="0"/>
+              <a:t>문화비평가</a:t>
+            </a:r>
+            <a:r>
+              <a:rPr lang="en-US" altLang="ko-KR" sz="3000" dirty="0"/>
+              <a:t>, </a:t>
+            </a:r>
+            <a:r>
+              <a:rPr lang="ko-KR" altLang="en-US" sz="3000" dirty="0" err="1"/>
+              <a:t>문화콘텐츠기획자</a:t>
+            </a:r>
+            <a:r>
+              <a:rPr lang="en-US" altLang="ko-KR" sz="3000" dirty="0"/>
+              <a:t>, </a:t>
+            </a:r>
+            <a:r>
+              <a:rPr lang="ko-KR" altLang="en-US" sz="3000" dirty="0"/>
+              <a:t>애플리케이션 개발자</a:t>
+            </a:r>
+          </a:p>
+        </p:txBody>
+      </p:sp>
+    </p:spTree>
+    <p:extLst>
+      <p:ext uri="{BB962C8B-B14F-4D97-AF65-F5344CB8AC3E}">
+        <p14:creationId xmlns:p14="http://schemas.microsoft.com/office/powerpoint/2010/main" val="4001917888"/>
+      </p:ext>
+    </p:extLst>
+  </p:cSld>
+  <p:clrMapOvr>
+    <a:masterClrMapping/>
+  </p:clrMapOvr>
+</p:sld>
+</file>
+
+<file path=ppt/slides/slide3.xml><?xml version="1.0" encoding="utf-8"?>
+<p:sld xmlns:a="http://schemas.openxmlformats.org/drawingml/2006/main" xmlns:r="http://schemas.openxmlformats.org/officeDocument/2006/relationships" xmlns:p="http://schemas.openxmlformats.org/presentationml/2006/main">
+  <p:cSld>
+    <p:spTree>
+      <p:nvGrpSpPr>
+        <p:cNvPr id="1" name=""/>
+        <p:cNvGrpSpPr/>
+        <p:nvPr/>
+      </p:nvGrpSpPr>
+      <p:grpSpPr>
+        <a:xfrm>
+          <a:off x="0" y="0"/>
+          <a:ext cx="0" cy="0"/>
+          <a:chOff x="0" y="0"/>
+          <a:chExt cx="0" cy="0"/>
+        </a:xfrm>
+      </p:grpSpPr>
+      <p:sp>
+        <p:nvSpPr>
+          <p:cNvPr id="2" name="제목 1">
+            <a:extLst>
+              <a:ext uri="{FF2B5EF4-FFF2-40B4-BE49-F238E27FC236}">
+                <a16:creationId xmlns:a16="http://schemas.microsoft.com/office/drawing/2014/main" id="{76553DB0-F936-4EED-AEDC-A4A149E49F90}"/>
+              </a:ext>
+            </a:extLst>
+          </p:cNvPr>
+          <p:cNvSpPr>
+            <a:spLocks noGrp="1"/>
+          </p:cNvSpPr>
+          <p:nvPr>
+            <p:ph type="title"/>
+          </p:nvPr>
+        </p:nvSpPr>
+        <p:spPr/>
+        <p:txBody>
+          <a:bodyPr/>
+          <a:lstStyle/>
+          <a:p>
+            <a:r>
+              <a:rPr lang="ko-KR" altLang="en-US" dirty="0"/>
+              <a:t>직업 </a:t>
+            </a:r>
+            <a:r>
+              <a:rPr lang="en-US" altLang="ko-KR" dirty="0"/>
+              <a:t>/ </a:t>
+            </a:r>
+            <a:r>
+              <a:rPr lang="ko-KR" altLang="en-US" dirty="0"/>
+              <a:t>학과</a:t>
+            </a:r>
+            <a:r>
+              <a:rPr lang="en-US" altLang="ko-KR" dirty="0"/>
+              <a:t> </a:t>
+            </a:r>
+            <a:r>
+              <a:rPr lang="ko-KR" altLang="en-US" dirty="0"/>
+              <a:t>소개</a:t>
+            </a:r>
+          </a:p>
+        </p:txBody>
+      </p:sp>
+      <p:sp>
+        <p:nvSpPr>
+          <p:cNvPr id="3" name="내용 개체 틀 2">
+            <a:extLst>
+              <a:ext uri="{FF2B5EF4-FFF2-40B4-BE49-F238E27FC236}">
+                <a16:creationId xmlns:a16="http://schemas.microsoft.com/office/drawing/2014/main" id="{E70E361F-F278-48F0-A9A9-310354FB97DB}"/>
+              </a:ext>
+            </a:extLst>
+          </p:cNvPr>
+          <p:cNvSpPr>
+            <a:spLocks noGrp="1"/>
+          </p:cNvSpPr>
+          <p:nvPr>
+            <p:ph idx="1"/>
+          </p:nvPr>
+        </p:nvSpPr>
+        <p:spPr/>
+        <p:txBody>
+          <a:bodyPr>
+            <a:normAutofit/>
+          </a:bodyPr>
+          <a:lstStyle/>
+          <a:p>
+            <a:r>
+              <a:rPr lang="ko-KR" altLang="en-US" dirty="0"/>
+              <a:t>컴퓨터 그래픽스</a:t>
+            </a:r>
+            <a:r>
+              <a:rPr lang="en-US" altLang="ko-KR" dirty="0"/>
+              <a:t>, </a:t>
+            </a:r>
+            <a:r>
+              <a:rPr lang="ko-KR" altLang="en-US" dirty="0"/>
+              <a:t>가상현실</a:t>
+            </a:r>
+            <a:r>
+              <a:rPr lang="en-US" altLang="ko-KR" dirty="0"/>
+              <a:t>, </a:t>
+            </a:r>
+            <a:r>
+              <a:rPr lang="ko-KR" altLang="en-US" dirty="0"/>
+              <a:t>입체영상</a:t>
+            </a:r>
+            <a:r>
+              <a:rPr lang="en-US" altLang="ko-KR" dirty="0"/>
+              <a:t>, </a:t>
+            </a:r>
+            <a:r>
+              <a:rPr lang="ko-KR" altLang="en-US" dirty="0"/>
+              <a:t>사운드처리 등의 공학적인 이론과 컴퓨터게임</a:t>
+            </a:r>
+            <a:r>
+              <a:rPr lang="en-US" altLang="ko-KR" dirty="0"/>
+              <a:t>, </a:t>
+            </a:r>
+            <a:r>
+              <a:rPr lang="ko-KR" altLang="en-US" dirty="0"/>
+              <a:t>컴퓨터 </a:t>
+            </a:r>
+            <a:r>
+              <a:rPr lang="en-US" altLang="ko-KR" dirty="0"/>
+              <a:t>3D </a:t>
+            </a:r>
+            <a:r>
+              <a:rPr lang="ko-KR" altLang="en-US" dirty="0"/>
+              <a:t>애니메이션</a:t>
+            </a:r>
+            <a:r>
+              <a:rPr lang="en-US" altLang="ko-KR" dirty="0"/>
+              <a:t>, </a:t>
+            </a:r>
+            <a:r>
+              <a:rPr lang="ko-KR" altLang="en-US" dirty="0"/>
+              <a:t>디지털 영상과 음향처리 등의 기술</a:t>
+            </a:r>
+            <a:r>
+              <a:rPr lang="en-US" altLang="ko-KR" dirty="0"/>
+              <a:t>, </a:t>
+            </a:r>
+            <a:r>
+              <a:rPr lang="ko-KR" altLang="en-US" dirty="0"/>
+              <a:t>또한 이를 바탕으로 한 디지털 콘텐츠 개발과 개발 지원 기술을 교육</a:t>
+            </a:r>
+            <a:r>
+              <a:rPr lang="en-US" altLang="ko-KR" dirty="0"/>
+              <a:t>·</a:t>
+            </a:r>
+            <a:r>
+              <a:rPr lang="ko-KR" altLang="en-US" dirty="0"/>
+              <a:t>연구</a:t>
+            </a:r>
+            <a:endParaRPr lang="en-US" altLang="ko-KR" dirty="0"/>
+          </a:p>
+          <a:p>
+            <a:pPr fontAlgn="base"/>
+            <a:r>
+              <a:rPr lang="ko-KR" altLang="en-US" dirty="0"/>
+              <a:t>하드웨어보다 소프트웨어 중심으로의 환경으로 변화되는 시대</a:t>
+            </a:r>
+            <a:r>
+              <a:rPr lang="en-US" altLang="ko-KR" dirty="0"/>
+              <a:t>, 4</a:t>
+            </a:r>
+            <a:r>
+              <a:rPr lang="ko-KR" altLang="en-US" dirty="0"/>
+              <a:t>차 산업혁명에서 고부가가치 창출의 중요한 역할을 담당</a:t>
+            </a:r>
+            <a:endParaRPr lang="en-US" altLang="ko-KR" dirty="0"/>
+          </a:p>
+          <a:p>
+            <a:pPr fontAlgn="base"/>
+            <a:r>
+              <a:rPr lang="ko-KR" altLang="en-US" dirty="0"/>
+              <a:t>국가의 미래 기간산업으로 인식</a:t>
+            </a:r>
+            <a:r>
+              <a:rPr lang="en-US" altLang="ko-KR" dirty="0"/>
+              <a:t>. </a:t>
+            </a:r>
+            <a:r>
+              <a:rPr lang="ko-KR" altLang="en-US" dirty="0"/>
+              <a:t>기술을 활용하여 가상공간에 의미를 부여하고</a:t>
+            </a:r>
+            <a:r>
+              <a:rPr lang="en-US" altLang="ko-KR" dirty="0"/>
+              <a:t>, </a:t>
+            </a:r>
+            <a:r>
+              <a:rPr lang="ko-KR" altLang="en-US" dirty="0"/>
+              <a:t>처음 보는 세계를 창조</a:t>
+            </a:r>
+          </a:p>
+        </p:txBody>
+      </p:sp>
+    </p:spTree>
+    <p:extLst>
+      <p:ext uri="{BB962C8B-B14F-4D97-AF65-F5344CB8AC3E}">
+        <p14:creationId xmlns:p14="http://schemas.microsoft.com/office/powerpoint/2010/main" val="737729156"/>
+      </p:ext>
+    </p:extLst>
+  </p:cSld>
+  <p:clrMapOvr>
+    <a:masterClrMapping/>
+  </p:clrMapOvr>
+</p:sld>
+</file>
+
+<file path=ppt/slides/slide4.xml><?xml version="1.0" encoding="utf-8"?>
+<p:sld xmlns:a="http://schemas.openxmlformats.org/drawingml/2006/main" xmlns:r="http://schemas.openxmlformats.org/officeDocument/2006/relationships" xmlns:p="http://schemas.openxmlformats.org/presentationml/2006/main">
+  <p:cSld>
+    <p:spTree>
+      <p:nvGrpSpPr>
+        <p:cNvPr id="1" name=""/>
+        <p:cNvGrpSpPr/>
+        <p:nvPr/>
+      </p:nvGrpSpPr>
+      <p:grpSpPr>
+        <a:xfrm>
+          <a:off x="0" y="0"/>
+          <a:ext cx="0" cy="0"/>
+          <a:chOff x="0" y="0"/>
+          <a:chExt cx="0" cy="0"/>
+        </a:xfrm>
+      </p:grpSpPr>
+      <p:sp>
+        <p:nvSpPr>
+          <p:cNvPr id="2" name="제목 1">
+            <a:extLst>
+              <a:ext uri="{FF2B5EF4-FFF2-40B4-BE49-F238E27FC236}">
+                <a16:creationId xmlns:a16="http://schemas.microsoft.com/office/drawing/2014/main" id="{3308D15A-2D5B-4425-9FC2-CE08E80C83AB}"/>
+              </a:ext>
+            </a:extLst>
+          </p:cNvPr>
+          <p:cNvSpPr>
+            <a:spLocks noGrp="1"/>
+          </p:cNvSpPr>
+          <p:nvPr>
+            <p:ph type="title"/>
+          </p:nvPr>
+        </p:nvSpPr>
+        <p:spPr/>
+        <p:txBody>
+          <a:bodyPr/>
+          <a:lstStyle/>
+          <a:p>
+            <a:r>
+              <a:rPr lang="ko-KR" altLang="en-US" dirty="0"/>
+              <a:t>학과 </a:t>
+            </a:r>
+            <a:r>
+              <a:rPr lang="en-US" altLang="ko-KR" dirty="0"/>
+              <a:t>/ </a:t>
+            </a:r>
+            <a:r>
+              <a:rPr lang="ko-KR" altLang="en-US" dirty="0"/>
+              <a:t>직업 선정 이유</a:t>
+            </a:r>
+          </a:p>
+        </p:txBody>
+      </p:sp>
+      <p:sp>
+        <p:nvSpPr>
+          <p:cNvPr id="3" name="내용 개체 틀 2">
+            <a:extLst>
+              <a:ext uri="{FF2B5EF4-FFF2-40B4-BE49-F238E27FC236}">
+                <a16:creationId xmlns:a16="http://schemas.microsoft.com/office/drawing/2014/main" id="{0F29D0C3-0A51-4A48-A7E7-37C6509694EF}"/>
+              </a:ext>
+            </a:extLst>
+          </p:cNvPr>
+          <p:cNvSpPr>
+            <a:spLocks noGrp="1"/>
+          </p:cNvSpPr>
+          <p:nvPr>
+            <p:ph idx="1"/>
+          </p:nvPr>
+        </p:nvSpPr>
+        <p:spPr/>
+        <p:txBody>
+          <a:bodyPr/>
+          <a:lstStyle/>
+          <a:p>
+            <a:r>
+              <a:rPr lang="ko-KR" altLang="en-US" dirty="0"/>
+              <a:t>초등학교 때 </a:t>
+            </a:r>
+            <a:r>
+              <a:rPr lang="ko-KR" altLang="en-US" dirty="0" err="1"/>
+              <a:t>부터</a:t>
+            </a:r>
+            <a:r>
+              <a:rPr lang="ko-KR" altLang="en-US" dirty="0"/>
+              <a:t> 창작 활동에 관심이 커서</a:t>
+            </a:r>
+            <a:r>
+              <a:rPr lang="en-US" altLang="ko-KR" dirty="0"/>
+              <a:t>, </a:t>
+            </a:r>
+            <a:r>
+              <a:rPr lang="ko-KR" altLang="en-US" dirty="0"/>
+              <a:t>영상을 만들고 최근에는 웹으로도 다양하게 경험을 쌓는 중이다</a:t>
+            </a:r>
+            <a:r>
+              <a:rPr lang="en-US" altLang="ko-KR" dirty="0"/>
+              <a:t>. </a:t>
+            </a:r>
+            <a:r>
+              <a:rPr lang="ko-KR" altLang="en-US" dirty="0"/>
+              <a:t>이러한 활동을 하면서 더욱 내가 이 분야에 관심이 있다고 느낀다</a:t>
+            </a:r>
+            <a:r>
+              <a:rPr lang="en-US" altLang="ko-KR" dirty="0"/>
+              <a:t>.</a:t>
+            </a:r>
+          </a:p>
+          <a:p>
+            <a:r>
+              <a:rPr lang="ko-KR" altLang="en-US" dirty="0"/>
+              <a:t>또한 다양한 매체에서 창작을 경험해보고</a:t>
+            </a:r>
+            <a:r>
+              <a:rPr lang="en-US" altLang="ko-KR" dirty="0"/>
+              <a:t>, </a:t>
+            </a:r>
+            <a:r>
+              <a:rPr lang="ko-KR" altLang="en-US" dirty="0"/>
+              <a:t>그 기반에 있는 전반적인 모든 것</a:t>
+            </a:r>
+            <a:r>
+              <a:rPr lang="en-US" altLang="ko-KR" dirty="0"/>
+              <a:t>, </a:t>
+            </a:r>
+            <a:r>
+              <a:rPr lang="ko-KR" altLang="en-US" dirty="0"/>
+              <a:t>예컨대</a:t>
+            </a:r>
+            <a:r>
+              <a:rPr lang="en-US" altLang="ko-KR" dirty="0"/>
+              <a:t> </a:t>
+            </a:r>
+            <a:r>
+              <a:rPr lang="ko-KR" altLang="en-US" dirty="0"/>
+              <a:t>미술사부터 철학까지</a:t>
+            </a:r>
+            <a:r>
+              <a:rPr lang="en-US" altLang="ko-KR" dirty="0"/>
+              <a:t>, </a:t>
+            </a:r>
+            <a:r>
+              <a:rPr lang="ko-KR" altLang="en-US" dirty="0"/>
+              <a:t>깊이 생각해보게 되고</a:t>
+            </a:r>
+            <a:r>
+              <a:rPr lang="en-US" altLang="ko-KR" dirty="0"/>
+              <a:t>, </a:t>
+            </a:r>
+            <a:r>
+              <a:rPr lang="ko-KR" altLang="en-US" dirty="0"/>
+              <a:t>그 중에서도 다양한 매체에 대해서도 호기심이 생겼다</a:t>
+            </a:r>
+            <a:r>
+              <a:rPr lang="en-US" altLang="ko-KR" dirty="0"/>
+              <a:t>.</a:t>
+            </a:r>
+          </a:p>
+          <a:p>
+            <a:r>
+              <a:rPr lang="en-US" altLang="ko-KR" dirty="0"/>
+              <a:t>4</a:t>
+            </a:r>
+            <a:r>
+              <a:rPr lang="ko-KR" altLang="en-US" dirty="0"/>
+              <a:t>차 산업혁명에 대해서는 다양한 의견이 있으나</a:t>
+            </a:r>
+            <a:r>
+              <a:rPr lang="en-US" altLang="ko-KR" dirty="0"/>
+              <a:t>, </a:t>
+            </a:r>
+            <a:r>
+              <a:rPr lang="ko-KR" altLang="en-US" dirty="0"/>
+              <a:t>그것과 무관하게 현재에도</a:t>
+            </a:r>
+            <a:r>
+              <a:rPr lang="en-US" altLang="ko-KR" dirty="0"/>
+              <a:t>, </a:t>
+            </a:r>
+            <a:r>
+              <a:rPr lang="ko-KR" altLang="en-US" dirty="0"/>
+              <a:t>미래에도 미디어와 </a:t>
+            </a:r>
+            <a:r>
+              <a:rPr lang="ko-KR" altLang="en-US" dirty="0" err="1"/>
+              <a:t>문화컨텐츠는</a:t>
+            </a:r>
+            <a:r>
+              <a:rPr lang="ko-KR" altLang="en-US" dirty="0"/>
+              <a:t> 핵심적인 요소가 될 것임이 분명하다고 생각한다</a:t>
+            </a:r>
+            <a:r>
+              <a:rPr lang="en-US" altLang="ko-KR" dirty="0"/>
+              <a:t>.</a:t>
+            </a:r>
+            <a:endParaRPr lang="ko-KR" altLang="en-US" dirty="0"/>
+          </a:p>
+        </p:txBody>
+      </p:sp>
+    </p:spTree>
+    <p:extLst>
+      <p:ext uri="{BB962C8B-B14F-4D97-AF65-F5344CB8AC3E}">
+        <p14:creationId xmlns:p14="http://schemas.microsoft.com/office/powerpoint/2010/main" val="2157311371"/>
+      </p:ext>
+    </p:extLst>
+  </p:cSld>
+  <p:clrMapOvr>
+    <a:masterClrMapping/>
+  </p:clrMapOvr>
+</p:sld>
+</file>
+
+<file path=ppt/slides/slide5.xml><?xml version="1.0" encoding="utf-8"?>
+<p:sld xmlns:a="http://schemas.openxmlformats.org/drawingml/2006/main" xmlns:r="http://schemas.openxmlformats.org/officeDocument/2006/relationships" xmlns:p="http://schemas.openxmlformats.org/presentationml/2006/main">
+  <p:cSld>
+    <p:spTree>
+      <p:nvGrpSpPr>
+        <p:cNvPr id="1" name=""/>
+        <p:cNvGrpSpPr/>
+        <p:nvPr/>
+      </p:nvGrpSpPr>
+      <p:grpSpPr>
+        <a:xfrm>
+          <a:off x="0" y="0"/>
+          <a:ext cx="0" cy="0"/>
+          <a:chOff x="0" y="0"/>
+          <a:chExt cx="0" cy="0"/>
+        </a:xfrm>
+      </p:grpSpPr>
+      <p:sp>
+        <p:nvSpPr>
+          <p:cNvPr id="2" name="제목 1">
+            <a:extLst>
+              <a:ext uri="{FF2B5EF4-FFF2-40B4-BE49-F238E27FC236}">
+                <a16:creationId xmlns:a16="http://schemas.microsoft.com/office/drawing/2014/main" id="{D8B55501-9374-4BE3-9EE6-7724E03A682A}"/>
+              </a:ext>
+            </a:extLst>
+          </p:cNvPr>
+          <p:cNvSpPr>
+            <a:spLocks noGrp="1"/>
+          </p:cNvSpPr>
+          <p:nvPr>
+            <p:ph type="title"/>
+          </p:nvPr>
+        </p:nvSpPr>
+        <p:spPr/>
+        <p:txBody>
+          <a:bodyPr/>
+          <a:lstStyle/>
+          <a:p>
+            <a:r>
+              <a:rPr lang="ko-KR" altLang="en-US" dirty="0"/>
+              <a:t>필요한 역량</a:t>
+            </a:r>
+          </a:p>
+        </p:txBody>
+      </p:sp>
+      <p:sp>
+        <p:nvSpPr>
+          <p:cNvPr id="3" name="내용 개체 틀 2">
+            <a:extLst>
+              <a:ext uri="{FF2B5EF4-FFF2-40B4-BE49-F238E27FC236}">
+                <a16:creationId xmlns:a16="http://schemas.microsoft.com/office/drawing/2014/main" id="{678BB0C9-3080-4A1A-AEE6-554EFBF9CA1A}"/>
+              </a:ext>
+            </a:extLst>
+          </p:cNvPr>
+          <p:cNvSpPr>
+            <a:spLocks noGrp="1"/>
+          </p:cNvSpPr>
+          <p:nvPr>
+            <p:ph idx="1"/>
+          </p:nvPr>
+        </p:nvSpPr>
+        <p:spPr/>
+        <p:txBody>
+          <a:bodyPr/>
+          <a:lstStyle/>
+          <a:p>
+            <a:r>
+              <a:rPr lang="ko-KR" altLang="en-US" dirty="0"/>
+              <a:t>완성된 형태로는 전문지식과 기술을 활용하여 사회수요를 반영한 콘텐츠를 기획</a:t>
+            </a:r>
+            <a:r>
+              <a:rPr lang="en-US" altLang="ko-KR" dirty="0"/>
+              <a:t>, </a:t>
+            </a:r>
+            <a:r>
+              <a:rPr lang="ko-KR" altLang="en-US" dirty="0"/>
+              <a:t>설계</a:t>
+            </a:r>
+            <a:r>
+              <a:rPr lang="en-US" altLang="ko-KR" dirty="0"/>
+              <a:t>, </a:t>
+            </a:r>
+            <a:r>
+              <a:rPr lang="ko-KR" altLang="en-US" dirty="0"/>
+              <a:t>구현할 수 있는 능력이라고  할 수 있으며</a:t>
+            </a:r>
+            <a:r>
+              <a:rPr lang="en-US" altLang="ko-KR" dirty="0"/>
+              <a:t>, </a:t>
+            </a:r>
+            <a:r>
+              <a:rPr lang="ko-KR" altLang="en-US" dirty="0"/>
+              <a:t>세부적으로는 </a:t>
+            </a:r>
+            <a:r>
+              <a:rPr lang="ko-KR" altLang="en-US" dirty="0">
+                <a:solidFill>
+                  <a:srgbClr val="002B56"/>
+                </a:solidFill>
+                <a:latin typeface="inherit"/>
+              </a:rPr>
+              <a:t>기술능력</a:t>
+            </a:r>
+            <a:r>
+              <a:rPr lang="en-US" altLang="ko-KR" dirty="0">
+                <a:solidFill>
+                  <a:srgbClr val="002B56"/>
+                </a:solidFill>
+                <a:latin typeface="inherit"/>
+              </a:rPr>
+              <a:t>, </a:t>
+            </a:r>
+            <a:r>
+              <a:rPr lang="ko-KR" altLang="en-US" dirty="0">
+                <a:solidFill>
+                  <a:srgbClr val="002B56"/>
+                </a:solidFill>
+                <a:latin typeface="inherit"/>
+              </a:rPr>
+              <a:t>정보능력</a:t>
+            </a:r>
+            <a:r>
+              <a:rPr lang="en-US" altLang="ko-KR" dirty="0">
+                <a:solidFill>
+                  <a:srgbClr val="002B56"/>
+                </a:solidFill>
+                <a:latin typeface="inherit"/>
+              </a:rPr>
+              <a:t>, </a:t>
+            </a:r>
+            <a:r>
+              <a:rPr lang="ko-KR" altLang="en-US" dirty="0">
+                <a:solidFill>
+                  <a:srgbClr val="002B56"/>
+                </a:solidFill>
+                <a:latin typeface="inherit"/>
+              </a:rPr>
+              <a:t>창의적 사고</a:t>
+            </a:r>
+            <a:r>
+              <a:rPr lang="en-US" altLang="ko-KR" dirty="0">
+                <a:solidFill>
+                  <a:srgbClr val="002B56"/>
+                </a:solidFill>
+                <a:latin typeface="inherit"/>
+              </a:rPr>
+              <a:t>, </a:t>
+            </a:r>
+            <a:r>
+              <a:rPr lang="ko-KR" altLang="en-US" dirty="0">
+                <a:solidFill>
+                  <a:srgbClr val="002B56"/>
+                </a:solidFill>
+                <a:latin typeface="inherit"/>
+              </a:rPr>
+              <a:t>문제해결능력</a:t>
+            </a:r>
+            <a:r>
+              <a:rPr lang="en-US" altLang="ko-KR" dirty="0">
+                <a:solidFill>
+                  <a:srgbClr val="002B56"/>
+                </a:solidFill>
+                <a:latin typeface="inherit"/>
+              </a:rPr>
+              <a:t>, </a:t>
+            </a:r>
+            <a:r>
+              <a:rPr lang="ko-KR" altLang="en-US" dirty="0">
+                <a:solidFill>
+                  <a:srgbClr val="002B56"/>
+                </a:solidFill>
+                <a:latin typeface="inherit"/>
+              </a:rPr>
+              <a:t>협력적 소통</a:t>
+            </a:r>
+            <a:r>
+              <a:rPr lang="en-US" altLang="ko-KR" dirty="0">
+                <a:solidFill>
+                  <a:srgbClr val="002B56"/>
+                </a:solidFill>
+                <a:latin typeface="inherit"/>
+              </a:rPr>
+              <a:t>, </a:t>
+            </a:r>
+            <a:r>
+              <a:rPr lang="ko-KR" altLang="en-US" dirty="0">
+                <a:solidFill>
+                  <a:srgbClr val="002B56"/>
+                </a:solidFill>
+                <a:latin typeface="inherit"/>
+              </a:rPr>
+              <a:t>대인관계능력 </a:t>
+            </a:r>
+            <a:r>
+              <a:rPr lang="ko-KR" altLang="en-US" dirty="0">
+                <a:solidFill>
+                  <a:schemeClr val="tx1"/>
+                </a:solidFill>
+                <a:latin typeface="inherit"/>
+              </a:rPr>
+              <a:t>을 꼽을 수 있다</a:t>
+            </a:r>
+            <a:r>
+              <a:rPr lang="en-US" altLang="ko-KR" dirty="0">
+                <a:solidFill>
+                  <a:schemeClr val="tx1"/>
+                </a:solidFill>
+                <a:latin typeface="inherit"/>
+              </a:rPr>
+              <a:t>.</a:t>
+            </a:r>
+            <a:endParaRPr lang="ko-KR" altLang="en-US" dirty="0">
+              <a:solidFill>
+                <a:srgbClr val="002B56"/>
+              </a:solidFill>
+              <a:latin typeface="inherit"/>
+            </a:endParaRPr>
+          </a:p>
+          <a:p>
+            <a:endParaRPr lang="ko-KR" altLang="en-US" dirty="0"/>
+          </a:p>
+        </p:txBody>
+      </p:sp>
+    </p:spTree>
+    <p:extLst>
+      <p:ext uri="{BB962C8B-B14F-4D97-AF65-F5344CB8AC3E}">
+        <p14:creationId xmlns:p14="http://schemas.microsoft.com/office/powerpoint/2010/main" val="2507700790"/>
+      </p:ext>
+    </p:extLst>
+  </p:cSld>
+  <p:clrMapOvr>
+    <a:masterClrMapping/>
+  </p:clrMapOvr>
+</p:sld>
+</file>
+
+<file path=ppt/slides/slide6.xml><?xml version="1.0" encoding="utf-8"?>
+<p:sld xmlns:a="http://schemas.openxmlformats.org/drawingml/2006/main" xmlns:r="http://schemas.openxmlformats.org/officeDocument/2006/relationships" xmlns:p="http://schemas.openxmlformats.org/presentationml/2006/main">
+  <p:cSld>
+    <p:spTree>
+      <p:nvGrpSpPr>
+        <p:cNvPr id="1" name=""/>
+        <p:cNvGrpSpPr/>
+        <p:nvPr/>
+      </p:nvGrpSpPr>
+      <p:grpSpPr>
+        <a:xfrm>
+          <a:off x="0" y="0"/>
+          <a:ext cx="0" cy="0"/>
+          <a:chOff x="0" y="0"/>
+          <a:chExt cx="0" cy="0"/>
+        </a:xfrm>
+      </p:grpSpPr>
+      <p:sp>
+        <p:nvSpPr>
+          <p:cNvPr id="2" name="제목 1">
+            <a:extLst>
+              <a:ext uri="{FF2B5EF4-FFF2-40B4-BE49-F238E27FC236}">
+                <a16:creationId xmlns:a16="http://schemas.microsoft.com/office/drawing/2014/main" id="{8F84C78F-E5E8-485D-B023-0A188014CB36}"/>
+              </a:ext>
+            </a:extLst>
+          </p:cNvPr>
+          <p:cNvSpPr>
+            <a:spLocks noGrp="1"/>
+          </p:cNvSpPr>
+          <p:nvPr>
+            <p:ph type="title"/>
+          </p:nvPr>
+        </p:nvSpPr>
+        <p:spPr/>
+        <p:txBody>
+          <a:bodyPr/>
+          <a:lstStyle/>
+          <a:p>
+            <a:r>
+              <a:rPr lang="ko-KR" altLang="en-US" dirty="0"/>
+              <a:t>역량 갖추기 위한 노력</a:t>
+            </a:r>
+            <a:r>
+              <a:rPr lang="en-US" altLang="ko-KR" dirty="0"/>
+              <a:t>	</a:t>
+            </a:r>
+            <a:endParaRPr lang="ko-KR" altLang="en-US" dirty="0"/>
+          </a:p>
+        </p:txBody>
+      </p:sp>
+      <p:sp>
+        <p:nvSpPr>
+          <p:cNvPr id="3" name="내용 개체 틀 2">
+            <a:extLst>
+              <a:ext uri="{FF2B5EF4-FFF2-40B4-BE49-F238E27FC236}">
+                <a16:creationId xmlns:a16="http://schemas.microsoft.com/office/drawing/2014/main" id="{153793DC-79E4-41CA-A284-9420E21DBC5F}"/>
+              </a:ext>
+            </a:extLst>
+          </p:cNvPr>
+          <p:cNvSpPr>
+            <a:spLocks noGrp="1"/>
+          </p:cNvSpPr>
+          <p:nvPr>
+            <p:ph idx="1"/>
+          </p:nvPr>
+        </p:nvSpPr>
+        <p:spPr>
+          <a:xfrm>
+            <a:off x="1154954" y="2603500"/>
+            <a:ext cx="10270022" cy="3416300"/>
+          </a:xfrm>
+        </p:spPr>
+        <p:txBody>
+          <a:bodyPr/>
+          <a:lstStyle/>
+          <a:p>
+            <a:r>
+              <a:rPr lang="ko-KR" altLang="en-US" dirty="0"/>
+              <a:t>창의적 사고 </a:t>
+            </a:r>
+            <a:r>
+              <a:rPr lang="en-US" altLang="ko-KR" dirty="0"/>
+              <a:t>- </a:t>
+            </a:r>
+            <a:r>
+              <a:rPr lang="ko-KR" altLang="en-US" dirty="0"/>
+              <a:t>다양한 분야의 독서</a:t>
+            </a:r>
+            <a:endParaRPr lang="en-US" altLang="ko-KR" dirty="0"/>
+          </a:p>
+          <a:p>
+            <a:r>
+              <a:rPr lang="ko-KR" altLang="en-US" dirty="0"/>
+              <a:t>기술</a:t>
+            </a:r>
+            <a:r>
+              <a:rPr lang="en-US" altLang="ko-KR" dirty="0"/>
+              <a:t>/</a:t>
+            </a:r>
+            <a:r>
+              <a:rPr lang="ko-KR" altLang="en-US" dirty="0"/>
+              <a:t>정보</a:t>
+            </a:r>
+            <a:r>
+              <a:rPr lang="en-US" altLang="ko-KR" dirty="0"/>
+              <a:t>/</a:t>
+            </a:r>
+            <a:r>
+              <a:rPr lang="ko-KR" altLang="en-US" dirty="0"/>
+              <a:t>문제해결</a:t>
+            </a:r>
+            <a:r>
+              <a:rPr lang="en-US" altLang="ko-KR" dirty="0"/>
+              <a:t>/</a:t>
+            </a:r>
+            <a:r>
+              <a:rPr lang="ko-KR" altLang="en-US" dirty="0"/>
+              <a:t>협력적 소통</a:t>
+            </a:r>
+            <a:r>
+              <a:rPr lang="en-US" altLang="ko-KR" dirty="0"/>
+              <a:t>/</a:t>
+            </a:r>
+            <a:r>
+              <a:rPr lang="ko-KR" altLang="en-US" dirty="0"/>
+              <a:t>대인관계 능력 </a:t>
+            </a:r>
+            <a:r>
+              <a:rPr lang="en-US" altLang="ko-KR" dirty="0"/>
+              <a:t>– </a:t>
+            </a:r>
+            <a:r>
+              <a:rPr lang="ko-KR" altLang="en-US" dirty="0"/>
+              <a:t>공모전</a:t>
+            </a:r>
+            <a:r>
+              <a:rPr lang="en-US" altLang="ko-KR" dirty="0"/>
+              <a:t>/</a:t>
+            </a:r>
+            <a:r>
+              <a:rPr lang="ko-KR" altLang="en-US" dirty="0"/>
+              <a:t>학교</a:t>
+            </a:r>
+            <a:r>
+              <a:rPr lang="en-US" altLang="ko-KR" dirty="0"/>
+              <a:t>(</a:t>
+            </a:r>
+            <a:r>
+              <a:rPr lang="ko-KR" altLang="en-US" dirty="0" err="1"/>
+              <a:t>방송부</a:t>
+            </a:r>
+            <a:r>
+              <a:rPr lang="en-US" altLang="ko-KR" dirty="0"/>
+              <a:t>)</a:t>
+            </a:r>
+            <a:r>
+              <a:rPr lang="ko-KR" altLang="en-US" dirty="0"/>
+              <a:t> 또는 개인적 활동</a:t>
+            </a:r>
+            <a:endParaRPr lang="en-US" altLang="ko-KR" dirty="0"/>
+          </a:p>
+          <a:p>
+            <a:endParaRPr lang="ko-KR" altLang="en-US" dirty="0"/>
+          </a:p>
+        </p:txBody>
+      </p:sp>
+    </p:spTree>
+    <p:extLst>
+      <p:ext uri="{BB962C8B-B14F-4D97-AF65-F5344CB8AC3E}">
+        <p14:creationId xmlns:p14="http://schemas.microsoft.com/office/powerpoint/2010/main" val="3325531599"/>
+      </p:ext>
+    </p:extLst>
+  </p:cSld>
+  <p:clrMapOvr>
+    <a:masterClrMapping/>
+  </p:clrMapOvr>
+</p:sld>
+</file>
+
+<file path=ppt/slides/slide7.xml><?xml version="1.0" encoding="utf-8"?>
+<p:sld xmlns:a="http://schemas.openxmlformats.org/drawingml/2006/main" xmlns:r="http://schemas.openxmlformats.org/officeDocument/2006/relationships" xmlns:p="http://schemas.openxmlformats.org/presentationml/2006/main">
+  <p:cSld>
+    <p:spTree>
+      <p:nvGrpSpPr>
+        <p:cNvPr id="1" name=""/>
+        <p:cNvGrpSpPr/>
+        <p:nvPr/>
+      </p:nvGrpSpPr>
+      <p:grpSpPr>
+        <a:xfrm>
+          <a:off x="0" y="0"/>
+          <a:ext cx="0" cy="0"/>
+          <a:chOff x="0" y="0"/>
+          <a:chExt cx="0" cy="0"/>
+        </a:xfrm>
+      </p:grpSpPr>
+      <p:sp>
+        <p:nvSpPr>
+          <p:cNvPr id="2" name="제목 1">
+            <a:extLst>
+              <a:ext uri="{FF2B5EF4-FFF2-40B4-BE49-F238E27FC236}">
+                <a16:creationId xmlns:a16="http://schemas.microsoft.com/office/drawing/2014/main" id="{C90A3475-BBC4-4EB4-A8AA-1D6D6EAD515A}"/>
+              </a:ext>
+            </a:extLst>
+          </p:cNvPr>
+          <p:cNvSpPr>
+            <a:spLocks noGrp="1"/>
+          </p:cNvSpPr>
+          <p:nvPr>
+            <p:ph type="title"/>
+          </p:nvPr>
+        </p:nvSpPr>
+        <p:spPr/>
+        <p:txBody>
+          <a:bodyPr/>
+          <a:lstStyle/>
+          <a:p>
+            <a:r>
+              <a:rPr lang="ko-KR" altLang="en-US" dirty="0"/>
+              <a:t>멀티미디어 관련 대학 학과 종류</a:t>
+            </a:r>
+          </a:p>
+        </p:txBody>
+      </p:sp>
+      <p:sp>
+        <p:nvSpPr>
+          <p:cNvPr id="3" name="내용 개체 틀 2">
+            <a:extLst>
+              <a:ext uri="{FF2B5EF4-FFF2-40B4-BE49-F238E27FC236}">
+                <a16:creationId xmlns:a16="http://schemas.microsoft.com/office/drawing/2014/main" id="{2B2F0188-2FF2-4B76-919E-DE8CCDE2DE2F}"/>
+              </a:ext>
+            </a:extLst>
+          </p:cNvPr>
+          <p:cNvSpPr>
+            <a:spLocks noGrp="1"/>
+          </p:cNvSpPr>
+          <p:nvPr>
+            <p:ph idx="1"/>
+          </p:nvPr>
+        </p:nvSpPr>
+        <p:spPr/>
+        <p:txBody>
+          <a:bodyPr>
+            <a:normAutofit/>
+          </a:bodyPr>
+          <a:lstStyle/>
+          <a:p>
+            <a:r>
+              <a:rPr lang="ko-KR" altLang="en-US" dirty="0"/>
+              <a:t>공학</a:t>
+            </a:r>
+            <a:r>
+              <a:rPr lang="en-US" altLang="ko-KR" dirty="0"/>
+              <a:t>, </a:t>
+            </a:r>
+            <a:r>
+              <a:rPr lang="ko-KR" altLang="en-US" dirty="0"/>
+              <a:t>예술</a:t>
+            </a:r>
+            <a:r>
+              <a:rPr lang="en-US" altLang="ko-KR" dirty="0"/>
+              <a:t>, </a:t>
+            </a:r>
+            <a:r>
+              <a:rPr lang="ko-KR" altLang="en-US" dirty="0"/>
+              <a:t>사회 과학이라는 세 가지 분야가 애매하게 섞여 있음</a:t>
+            </a:r>
+            <a:r>
+              <a:rPr lang="en-US" altLang="ko-KR" dirty="0"/>
+              <a:t>.</a:t>
+            </a:r>
+          </a:p>
+          <a:p>
+            <a:endParaRPr lang="en-US" altLang="ko-KR" dirty="0"/>
+          </a:p>
+          <a:p>
+            <a:r>
+              <a:rPr lang="en-US" altLang="ko-KR" dirty="0"/>
+              <a:t>ICT</a:t>
+            </a:r>
+            <a:r>
+              <a:rPr lang="ko-KR" altLang="en-US" dirty="0"/>
+              <a:t>융합학부</a:t>
+            </a:r>
+            <a:r>
+              <a:rPr lang="en-US" altLang="ko-KR" dirty="0"/>
+              <a:t>,</a:t>
+            </a:r>
+            <a:r>
+              <a:rPr lang="ko-KR" altLang="en-US" dirty="0"/>
+              <a:t>멀티미디어공학전공</a:t>
+            </a:r>
+            <a:r>
+              <a:rPr lang="en-US" altLang="ko-KR" dirty="0"/>
+              <a:t>,</a:t>
+            </a:r>
+            <a:r>
+              <a:rPr lang="ko-KR" altLang="en-US" dirty="0"/>
+              <a:t>글로벌미디어학부</a:t>
+            </a:r>
+            <a:r>
+              <a:rPr lang="en-US" altLang="ko-KR" dirty="0"/>
+              <a:t>,</a:t>
+            </a:r>
+            <a:r>
+              <a:rPr lang="ko-KR" altLang="en-US" dirty="0"/>
+              <a:t>디지털미디어공학부</a:t>
+            </a:r>
+            <a:r>
+              <a:rPr lang="en-US" altLang="ko-KR" dirty="0"/>
+              <a:t>,</a:t>
+            </a:r>
+            <a:r>
+              <a:rPr lang="ko-KR" altLang="en-US" dirty="0"/>
+              <a:t> 인터넷미디어전공</a:t>
+            </a:r>
+            <a:r>
+              <a:rPr lang="en-US" altLang="ko-KR" dirty="0"/>
+              <a:t>,</a:t>
+            </a:r>
+            <a:r>
+              <a:rPr lang="ko-KR" altLang="en-US" dirty="0"/>
+              <a:t>멀티미디어공학과</a:t>
+            </a:r>
+            <a:r>
+              <a:rPr lang="en-US" altLang="ko-KR" dirty="0"/>
+              <a:t>,</a:t>
+            </a:r>
+            <a:r>
+              <a:rPr lang="ko-KR" altLang="en-US" dirty="0"/>
+              <a:t> 멀티미디어시스템공학전공</a:t>
+            </a:r>
+            <a:r>
+              <a:rPr lang="en-US" altLang="ko-KR" dirty="0"/>
+              <a:t>,</a:t>
+            </a:r>
+            <a:r>
+              <a:rPr lang="ko-KR" altLang="en-US" dirty="0"/>
+              <a:t> 멀티미디어정보학과</a:t>
+            </a:r>
+            <a:r>
+              <a:rPr lang="en-US" altLang="ko-KR" dirty="0"/>
+              <a:t>,</a:t>
+            </a:r>
+            <a:r>
+              <a:rPr lang="ko-KR" altLang="en-US" dirty="0"/>
+              <a:t>멀티미디어학과</a:t>
+            </a:r>
+            <a:r>
+              <a:rPr lang="en-US" altLang="ko-KR" dirty="0"/>
+              <a:t>,</a:t>
+            </a:r>
+            <a:r>
+              <a:rPr lang="ko-KR" altLang="en-US" dirty="0"/>
+              <a:t> </a:t>
+            </a:r>
+            <a:r>
+              <a:rPr lang="ko-KR" altLang="en-US" dirty="0" err="1"/>
+              <a:t>미디어기술콘텐츠학과</a:t>
+            </a:r>
+            <a:r>
+              <a:rPr lang="en-US" altLang="ko-KR" dirty="0"/>
+              <a:t>,</a:t>
+            </a:r>
+            <a:r>
+              <a:rPr lang="ko-KR" altLang="en-US" dirty="0"/>
+              <a:t>미디어정보학부</a:t>
+            </a:r>
+            <a:r>
+              <a:rPr lang="en-US" altLang="ko-KR" dirty="0"/>
+              <a:t>,</a:t>
+            </a:r>
+            <a:r>
+              <a:rPr lang="ko-KR" altLang="en-US" dirty="0"/>
+              <a:t>미디어학과</a:t>
+            </a:r>
+            <a:r>
+              <a:rPr lang="en-US" altLang="ko-KR" dirty="0"/>
+              <a:t>,</a:t>
+            </a:r>
+            <a:r>
+              <a:rPr lang="ko-KR" altLang="en-US" dirty="0"/>
+              <a:t>융합미디어전공</a:t>
+            </a:r>
+            <a:r>
+              <a:rPr lang="en-US" altLang="ko-KR" dirty="0"/>
+              <a:t>,</a:t>
+            </a:r>
+            <a:r>
+              <a:rPr lang="ko-KR" altLang="en-US" dirty="0"/>
+              <a:t> 출판미디어공학과</a:t>
+            </a:r>
+          </a:p>
+        </p:txBody>
+      </p:sp>
+    </p:spTree>
+    <p:extLst>
+      <p:ext uri="{BB962C8B-B14F-4D97-AF65-F5344CB8AC3E}">
+        <p14:creationId xmlns:p14="http://schemas.microsoft.com/office/powerpoint/2010/main" val="38568657"/>
+      </p:ext>
+    </p:extLst>
+  </p:cSld>
+  <p:clrMapOvr>
+    <a:masterClrMapping/>
+  </p:clrMapOvr>
+</p:sld>
+</file>
+
+<file path=ppt/slides/slide8.xml><?xml version="1.0" encoding="utf-8"?>
+<p:sld xmlns:a="http://schemas.openxmlformats.org/drawingml/2006/main" xmlns:r="http://schemas.openxmlformats.org/officeDocument/2006/relationships" xmlns:p="http://schemas.openxmlformats.org/presentationml/2006/main">
+  <p:cSld>
+    <p:spTree>
+      <p:nvGrpSpPr>
+        <p:cNvPr id="1" name=""/>
+        <p:cNvGrpSpPr/>
+        <p:nvPr/>
+      </p:nvGrpSpPr>
+      <p:grpSpPr>
+        <a:xfrm>
+          <a:off x="0" y="0"/>
+          <a:ext cx="0" cy="0"/>
+          <a:chOff x="0" y="0"/>
+          <a:chExt cx="0" cy="0"/>
+        </a:xfrm>
+      </p:grpSpPr>
+      <p:sp>
+        <p:nvSpPr>
+          <p:cNvPr id="2" name="제목 1">
+            <a:extLst>
+              <a:ext uri="{FF2B5EF4-FFF2-40B4-BE49-F238E27FC236}">
+                <a16:creationId xmlns:a16="http://schemas.microsoft.com/office/drawing/2014/main" id="{A33C9963-CF62-4AB6-A942-56757F13465A}"/>
+              </a:ext>
+            </a:extLst>
+          </p:cNvPr>
+          <p:cNvSpPr>
+            <a:spLocks noGrp="1"/>
+          </p:cNvSpPr>
+          <p:nvPr>
+            <p:ph type="title"/>
+          </p:nvPr>
+        </p:nvSpPr>
+        <p:spPr/>
+        <p:txBody>
+          <a:bodyPr/>
+          <a:lstStyle/>
+          <a:p>
+            <a:r>
+              <a:rPr lang="ko-KR" altLang="en-US" dirty="0"/>
+              <a:t>역량을 갖추기 위한 노력 </a:t>
+            </a:r>
+            <a:r>
+              <a:rPr lang="en-US" altLang="ko-KR" dirty="0"/>
+              <a:t>-2 (</a:t>
+            </a:r>
+            <a:r>
+              <a:rPr lang="ko-KR" altLang="en-US" dirty="0"/>
+              <a:t>진학</a:t>
+            </a:r>
+            <a:r>
+              <a:rPr lang="en-US" altLang="ko-KR" dirty="0"/>
+              <a:t>)</a:t>
+            </a:r>
+            <a:endParaRPr lang="ko-KR" altLang="en-US" dirty="0"/>
+          </a:p>
+        </p:txBody>
+      </p:sp>
+      <p:sp>
+        <p:nvSpPr>
+          <p:cNvPr id="3" name="내용 개체 틀 2">
+            <a:extLst>
+              <a:ext uri="{FF2B5EF4-FFF2-40B4-BE49-F238E27FC236}">
+                <a16:creationId xmlns:a16="http://schemas.microsoft.com/office/drawing/2014/main" id="{1287418B-E275-44CB-8FF6-38776D084CB1}"/>
+              </a:ext>
+            </a:extLst>
+          </p:cNvPr>
+          <p:cNvSpPr>
+            <a:spLocks noGrp="1"/>
+          </p:cNvSpPr>
+          <p:nvPr>
+            <p:ph idx="1"/>
+          </p:nvPr>
+        </p:nvSpPr>
+        <p:spPr/>
+        <p:txBody>
+          <a:bodyPr/>
+          <a:lstStyle/>
+          <a:p>
+            <a:r>
+              <a:rPr lang="ko-KR" altLang="en-US" dirty="0"/>
+              <a:t>그래픽운용기능사</a:t>
+            </a:r>
+            <a:r>
+              <a:rPr lang="en-US" altLang="ko-KR" dirty="0"/>
+              <a:t>, </a:t>
+            </a:r>
+            <a:r>
+              <a:rPr lang="ko-KR" altLang="en-US" dirty="0"/>
+              <a:t>웹디자인기능사</a:t>
+            </a:r>
+            <a:r>
+              <a:rPr lang="en-US" altLang="ko-KR" dirty="0"/>
+              <a:t>, </a:t>
+            </a:r>
+            <a:r>
+              <a:rPr lang="ko-KR" altLang="en-US" dirty="0"/>
+              <a:t>시각디자인 산업기사</a:t>
+            </a:r>
+            <a:r>
+              <a:rPr lang="en-US" altLang="ko-KR" dirty="0"/>
+              <a:t>, </a:t>
+            </a:r>
+            <a:r>
+              <a:rPr lang="ko-KR" altLang="en-US" dirty="0"/>
+              <a:t>광고 도장기능사</a:t>
+            </a:r>
+            <a:r>
+              <a:rPr lang="en-US" altLang="ko-KR" dirty="0"/>
+              <a:t>, </a:t>
+            </a:r>
+            <a:r>
+              <a:rPr lang="ko-KR" altLang="en-US" dirty="0"/>
+              <a:t>전자출판기능사</a:t>
+            </a:r>
+            <a:r>
+              <a:rPr lang="en-US" altLang="ko-KR" dirty="0"/>
+              <a:t>, </a:t>
+            </a:r>
+            <a:r>
+              <a:rPr lang="ko-KR" altLang="en-US" dirty="0"/>
+              <a:t>컬러리스트 산업기사 등의 자격증</a:t>
+            </a:r>
+            <a:endParaRPr lang="en-US" altLang="ko-KR" dirty="0"/>
+          </a:p>
+          <a:p>
+            <a:endParaRPr lang="en-US" altLang="ko-KR" dirty="0"/>
+          </a:p>
+          <a:p>
+            <a:r>
+              <a:rPr lang="ko-KR" altLang="en-US" dirty="0"/>
+              <a:t>멀티미디어</a:t>
+            </a:r>
+            <a:r>
+              <a:rPr lang="en-US" altLang="ko-KR" dirty="0"/>
+              <a:t>, </a:t>
+            </a:r>
+            <a:r>
+              <a:rPr lang="ko-KR" altLang="en-US" dirty="0"/>
+              <a:t>미디어커뮤니케이션</a:t>
+            </a:r>
+            <a:r>
+              <a:rPr lang="en-US" altLang="ko-KR" dirty="0"/>
+              <a:t>, </a:t>
+            </a:r>
+            <a:r>
+              <a:rPr lang="ko-KR" altLang="en-US" dirty="0" err="1"/>
+              <a:t>문화컨텐츠학과에</a:t>
+            </a:r>
+            <a:r>
+              <a:rPr lang="ko-KR" altLang="en-US" dirty="0"/>
+              <a:t> 관련한 내용이므로 이 학과 또는 유사한 학과에 진학하는 방법도 있다</a:t>
+            </a:r>
+            <a:r>
+              <a:rPr lang="en-US" altLang="ko-KR" dirty="0"/>
+              <a:t>.</a:t>
+            </a:r>
+            <a:endParaRPr lang="ko-KR" altLang="en-US" dirty="0"/>
+          </a:p>
+        </p:txBody>
+      </p:sp>
+    </p:spTree>
+    <p:extLst>
+      <p:ext uri="{BB962C8B-B14F-4D97-AF65-F5344CB8AC3E}">
+        <p14:creationId xmlns:p14="http://schemas.microsoft.com/office/powerpoint/2010/main" val="97299069"/>
+      </p:ext>
+    </p:extLst>
+  </p:cSld>
+  <p:clrMapOvr>
+    <a:masterClrMapping/>
+  </p:clrMapOvr>
+</p:sld>
+</file>
+
+<file path=ppt/slides/slide9.xml><?xml version="1.0" encoding="utf-8"?>
+<p:sld xmlns:a="http://schemas.openxmlformats.org/drawingml/2006/main" xmlns:r="http://schemas.openxmlformats.org/officeDocument/2006/relationships" xmlns:p="http://schemas.openxmlformats.org/presentationml/2006/main">
+  <p:cSld>
+    <p:spTree>
+      <p:nvGrpSpPr>
+        <p:cNvPr id="1" name=""/>
+        <p:cNvGrpSpPr/>
+        <p:nvPr/>
+      </p:nvGrpSpPr>
+      <p:grpSpPr>
+        <a:xfrm>
+          <a:off x="0" y="0"/>
+          <a:ext cx="0" cy="0"/>
+          <a:chOff x="0" y="0"/>
+          <a:chExt cx="0" cy="0"/>
+        </a:xfrm>
+      </p:grpSpPr>
+      <p:pic>
+        <p:nvPicPr>
+          <p:cNvPr id="4" name="그림 3">
+            <a:extLst>
+              <a:ext uri="{FF2B5EF4-FFF2-40B4-BE49-F238E27FC236}">
+                <a16:creationId xmlns:a16="http://schemas.microsoft.com/office/drawing/2014/main" id="{69C8A9B7-C8CF-4B06-9549-7FAC5AE06D04}"/>
+              </a:ext>
+            </a:extLst>
+          </p:cNvPr>
+          <p:cNvPicPr>
+            <a:picLocks noChangeAspect="1"/>
+          </p:cNvPicPr>
+          <p:nvPr/>
+        </p:nvPicPr>
+        <p:blipFill rotWithShape="1">
+          <a:blip r:embed="rId2"/>
+          <a:srcRect b="48668"/>
+          <a:stretch/>
+        </p:blipFill>
+        <p:spPr>
+          <a:xfrm>
+            <a:off x="266330" y="3751736"/>
+            <a:ext cx="4394447" cy="2689934"/>
+          </a:xfrm>
+          <a:prstGeom prst="rect">
+            <a:avLst/>
+          </a:prstGeom>
+        </p:spPr>
+      </p:pic>
+      <p:pic>
+        <p:nvPicPr>
+          <p:cNvPr id="5" name="그림 4">
+            <a:extLst>
+              <a:ext uri="{FF2B5EF4-FFF2-40B4-BE49-F238E27FC236}">
+                <a16:creationId xmlns:a16="http://schemas.microsoft.com/office/drawing/2014/main" id="{C7C45DDA-C40F-490C-86B1-41DDDC0F7A02}"/>
+              </a:ext>
+            </a:extLst>
+          </p:cNvPr>
+          <p:cNvPicPr>
+            <a:picLocks noChangeAspect="1"/>
+          </p:cNvPicPr>
+          <p:nvPr/>
+        </p:nvPicPr>
+        <p:blipFill rotWithShape="1">
+          <a:blip r:embed="rId3"/>
+          <a:srcRect r="46548"/>
+          <a:stretch/>
+        </p:blipFill>
+        <p:spPr>
+          <a:xfrm>
+            <a:off x="4855109" y="463808"/>
+            <a:ext cx="2548868" cy="6029698"/>
+          </a:xfrm>
+          <a:prstGeom prst="rect">
+            <a:avLst/>
+          </a:prstGeom>
+        </p:spPr>
+      </p:pic>
+      <p:pic>
+        <p:nvPicPr>
+          <p:cNvPr id="6" name="그림 5">
+            <a:extLst>
+              <a:ext uri="{FF2B5EF4-FFF2-40B4-BE49-F238E27FC236}">
+                <a16:creationId xmlns:a16="http://schemas.microsoft.com/office/drawing/2014/main" id="{AA1D5829-E86E-4ADB-BE5F-E77C258FB119}"/>
+              </a:ext>
+            </a:extLst>
+          </p:cNvPr>
+          <p:cNvPicPr>
+            <a:picLocks noChangeAspect="1"/>
+          </p:cNvPicPr>
+          <p:nvPr/>
+        </p:nvPicPr>
+        <p:blipFill rotWithShape="1">
+          <a:blip r:embed="rId4"/>
+          <a:srcRect r="40670"/>
+          <a:stretch/>
+        </p:blipFill>
+        <p:spPr>
+          <a:xfrm>
+            <a:off x="455720" y="1563039"/>
+            <a:ext cx="3609023" cy="1482476"/>
+          </a:xfrm>
+          <a:prstGeom prst="rect">
+            <a:avLst/>
+          </a:prstGeom>
+          <a:noFill/>
+          <a:ln>
+            <a:noFill/>
+          </a:ln>
+        </p:spPr>
+      </p:pic>
+      <p:pic>
+        <p:nvPicPr>
+          <p:cNvPr id="7" name="그림 6">
+            <a:extLst>
+              <a:ext uri="{FF2B5EF4-FFF2-40B4-BE49-F238E27FC236}">
+                <a16:creationId xmlns:a16="http://schemas.microsoft.com/office/drawing/2014/main" id="{D00942BC-70AE-4B8F-9267-532A626B8520}"/>
+              </a:ext>
+            </a:extLst>
+          </p:cNvPr>
+          <p:cNvPicPr>
+            <a:picLocks noChangeAspect="1"/>
+          </p:cNvPicPr>
+          <p:nvPr/>
+        </p:nvPicPr>
+        <p:blipFill>
+          <a:blip r:embed="rId5"/>
+          <a:stretch>
+            <a:fillRect/>
+          </a:stretch>
+        </p:blipFill>
+        <p:spPr>
+          <a:xfrm>
+            <a:off x="7669582" y="4050085"/>
+            <a:ext cx="4394447" cy="2200620"/>
+          </a:xfrm>
+          <a:prstGeom prst="rect">
+            <a:avLst/>
+          </a:prstGeom>
+        </p:spPr>
+      </p:pic>
+      <p:sp>
+        <p:nvSpPr>
+          <p:cNvPr id="8" name="TextBox 7">
+            <a:extLst>
+              <a:ext uri="{FF2B5EF4-FFF2-40B4-BE49-F238E27FC236}">
+                <a16:creationId xmlns:a16="http://schemas.microsoft.com/office/drawing/2014/main" id="{4A308788-ED56-4608-97A1-86794D85014A}"/>
+              </a:ext>
+            </a:extLst>
+          </p:cNvPr>
+          <p:cNvSpPr txBox="1"/>
+          <p:nvPr/>
+        </p:nvSpPr>
+        <p:spPr>
+          <a:xfrm>
+            <a:off x="10528917" y="648070"/>
+            <a:ext cx="1207363" cy="369332"/>
+          </a:xfrm>
+          <a:prstGeom prst="rect">
+            <a:avLst/>
+          </a:prstGeom>
+          <a:noFill/>
+        </p:spPr>
+        <p:txBody>
+          <a:bodyPr wrap="square" rtlCol="0">
+            <a:spAutoFit/>
+          </a:bodyPr>
+          <a:lstStyle/>
+          <a:p>
+            <a:r>
+              <a:rPr lang="ko-KR" altLang="en-US" dirty="0"/>
+              <a:t>가톨릭대</a:t>
+            </a:r>
+          </a:p>
+        </p:txBody>
+      </p:sp>
+      <p:sp>
+        <p:nvSpPr>
+          <p:cNvPr id="3" name="사각형: 둥근 모서리 2">
+            <a:extLst>
+              <a:ext uri="{FF2B5EF4-FFF2-40B4-BE49-F238E27FC236}">
+                <a16:creationId xmlns:a16="http://schemas.microsoft.com/office/drawing/2014/main" id="{46F67F0C-35F2-4B68-95C6-4DF7A060F167}"/>
+              </a:ext>
+            </a:extLst>
+          </p:cNvPr>
+          <p:cNvSpPr/>
+          <p:nvPr/>
+        </p:nvSpPr>
+        <p:spPr>
+          <a:xfrm>
+            <a:off x="1580225" y="1720840"/>
+            <a:ext cx="1074198" cy="195309"/>
+          </a:xfrm>
+          <a:prstGeom prst="roundRect">
+            <a:avLst/>
+          </a:prstGeom>
+          <a:noFill/>
+          <a:ln>
+            <a:solidFill>
+              <a:srgbClr val="FF0000"/>
+            </a:solidFill>
+          </a:ln>
+        </p:spPr>
+        <p:style>
+          <a:lnRef idx="2">
+            <a:schemeClr val="accent1">
+              <a:shade val="50000"/>
+            </a:schemeClr>
+          </a:lnRef>
+          <a:fillRef idx="1">
+            <a:schemeClr val="accent1"/>
+          </a:fillRef>
+          <a:effectRef idx="0">
+            <a:schemeClr val="accent1"/>
+          </a:effectRef>
+          <a:fontRef idx="minor">
+            <a:schemeClr val="lt1"/>
+          </a:fontRef>
+        </p:style>
+        <p:txBody>
+          <a:bodyPr rtlCol="0" anchor="ctr"/>
+          <a:lstStyle/>
+          <a:p>
+            <a:pPr algn="ctr"/>
+            <a:endParaRPr lang="ko-KR" altLang="en-US"/>
+          </a:p>
+        </p:txBody>
+      </p:sp>
+      <p:pic>
+        <p:nvPicPr>
+          <p:cNvPr id="9" name="그림 8">
+            <a:extLst>
+              <a:ext uri="{FF2B5EF4-FFF2-40B4-BE49-F238E27FC236}">
+                <a16:creationId xmlns:a16="http://schemas.microsoft.com/office/drawing/2014/main" id="{14BA038F-4111-42C4-ADEE-620CD8B2F68A}"/>
+              </a:ext>
+            </a:extLst>
+          </p:cNvPr>
+          <p:cNvPicPr>
+            <a:picLocks noChangeAspect="1"/>
+          </p:cNvPicPr>
+          <p:nvPr/>
+        </p:nvPicPr>
+        <p:blipFill rotWithShape="1">
+          <a:blip r:embed="rId6"/>
+          <a:srcRect r="40536"/>
+          <a:stretch/>
+        </p:blipFill>
+        <p:spPr>
+          <a:xfrm>
+            <a:off x="455720" y="471765"/>
+            <a:ext cx="3609023" cy="1091274"/>
+          </a:xfrm>
+          <a:prstGeom prst="rect">
+            <a:avLst/>
+          </a:prstGeom>
+        </p:spPr>
+      </p:pic>
+    </p:spTree>
+    <p:extLst>
+      <p:ext uri="{BB962C8B-B14F-4D97-AF65-F5344CB8AC3E}">
+        <p14:creationId xmlns:p14="http://schemas.microsoft.com/office/powerpoint/2010/main" val="3568165481"/>
+      </p:ext>
+    </p:extLst>
+  </p:cSld>
+  <p:clrMapOvr>
+    <a:masterClrMapping/>
+  </p:clrMapOvr>
+</p:sld>
+</file>
+
 <file path=ppt/theme/theme1.xml><?xml version="1.0" encoding="utf-8"?>
 <a:theme xmlns:a="http://schemas.openxmlformats.org/drawingml/2006/main" name="이온(회의실)">
   <a:themeElements>

--- a/진로와직업 수행평가 진로 포트폴리오-2학년6반19번 주영욱.pptx
+++ b/진로와직업 수행평가 진로 포트폴리오-2학년6반19번 주영욱.pptx
@@ -16995,10 +16995,10 @@
               <a:t>모집요강 등등 세부적 요소는 조금씩 다를 지 몰라도 이번의 경험이 도움이 될 것이라고 믿어 의심치 않는다</a:t>
             </a:r>
             <a:r>
-              <a:rPr lang="en-US" altLang="ko-KR"/>
+              <a:rPr lang="en-US" altLang="ko-KR" dirty="0"/>
               <a:t>.</a:t>
             </a:r>
-            <a:endParaRPr lang="ko-KR" altLang="en-US"/>
+            <a:endParaRPr lang="ko-KR" altLang="en-US" dirty="0"/>
           </a:p>
         </p:txBody>
       </p:sp>
